--- a/Presentacion/presentacion.pptx
+++ b/Presentacion/presentacion.pptx
@@ -5,7 +5,7 @@
     <p:sldMasterId id="2147483912" r:id="rId1"/>
   </p:sldMasterIdLst>
   <p:notesMasterIdLst>
-    <p:notesMasterId r:id="rId22"/>
+    <p:notesMasterId r:id="rId23"/>
   </p:notesMasterIdLst>
   <p:sldIdLst>
     <p:sldId id="256" r:id="rId2"/>
@@ -24,10 +24,11 @@
     <p:sldId id="271" r:id="rId15"/>
     <p:sldId id="272" r:id="rId16"/>
     <p:sldId id="273" r:id="rId17"/>
-    <p:sldId id="274" r:id="rId18"/>
-    <p:sldId id="276" r:id="rId19"/>
-    <p:sldId id="275" r:id="rId20"/>
-    <p:sldId id="279" r:id="rId21"/>
+    <p:sldId id="280" r:id="rId18"/>
+    <p:sldId id="274" r:id="rId19"/>
+    <p:sldId id="276" r:id="rId20"/>
+    <p:sldId id="275" r:id="rId21"/>
+    <p:sldId id="279" r:id="rId22"/>
   </p:sldIdLst>
   <p:sldSz cx="12192000" cy="6858000"/>
   <p:notesSz cx="6858000" cy="9144000"/>
@@ -157,57 +158,6 @@
       </p:ext>
     </p:extLst>
   </p:cm>
-  <p:cm authorId="1" dt="2015-09-09T12:04:25.297" idx="2">
-    <p:pos x="10" y="10"/>
-    <p:text>numerar las dispaositivas</p:text>
-    <p:extLst>
-      <p:ext uri="{C676402C-5697-4E1C-873F-D02D1690AC5C}">
-        <p15:threadingInfo xmlns:p15="http://schemas.microsoft.com/office/powerpoint/2012/main" timeZoneBias="-120"/>
-      </p:ext>
-    </p:extLst>
-  </p:cm>
-</p:cmLst>
-</file>
-
-<file path=ppt/comments/comment2.xml><?xml version="1.0" encoding="utf-8"?>
-<p:cmLst xmlns:a="http://schemas.openxmlformats.org/drawingml/2006/main" xmlns:r="http://schemas.openxmlformats.org/officeDocument/2006/relationships" xmlns:p="http://schemas.openxmlformats.org/presentationml/2006/main">
-  <p:cm authorId="1" dt="2015-09-09T12:05:01.455" idx="3">
-    <p:pos x="6430" y="324"/>
-    <p:text>imagen con los vectores</p:text>
-    <p:extLst>
-      <p:ext uri="{C676402C-5697-4E1C-873F-D02D1690AC5C}">
-        <p15:threadingInfo xmlns:p15="http://schemas.microsoft.com/office/powerpoint/2012/main" timeZoneBias="-120"/>
-      </p:ext>
-    </p:extLst>
-  </p:cm>
-</p:cmLst>
-</file>
-
-<file path=ppt/comments/comment3.xml><?xml version="1.0" encoding="utf-8"?>
-<p:cmLst xmlns:a="http://schemas.openxmlformats.org/drawingml/2006/main" xmlns:r="http://schemas.openxmlformats.org/officeDocument/2006/relationships" xmlns:p="http://schemas.openxmlformats.org/presentationml/2006/main">
-  <p:cm authorId="1" dt="2015-09-09T12:09:54.453" idx="4">
-    <p:pos x="6692" y="1277"/>
-    <p:text>colmna para destacar la alidad de los demas</p:text>
-    <p:extLst>
-      <p:ext uri="{C676402C-5697-4E1C-873F-D02D1690AC5C}">
-        <p15:threadingInfo xmlns:p15="http://schemas.microsoft.com/office/powerpoint/2012/main" timeZoneBias="-120"/>
-      </p:ext>
-    </p:extLst>
-  </p:cm>
-</p:cmLst>
-</file>
-
-<file path=ppt/comments/comment4.xml><?xml version="1.0" encoding="utf-8"?>
-<p:cmLst xmlns:a="http://schemas.openxmlformats.org/drawingml/2006/main" xmlns:r="http://schemas.openxmlformats.org/officeDocument/2006/relationships" xmlns:p="http://schemas.openxmlformats.org/presentationml/2006/main">
-  <p:cm authorId="1" dt="2015-09-09T12:13:25.333" idx="5">
-    <p:pos x="4576" y="2031"/>
-    <p:text>Cambiar de captura a una con un modelo mas vistoso</p:text>
-    <p:extLst>
-      <p:ext uri="{C676402C-5697-4E1C-873F-D02D1690AC5C}">
-        <p15:threadingInfo xmlns:p15="http://schemas.microsoft.com/office/powerpoint/2012/main" timeZoneBias="-120"/>
-      </p:ext>
-    </p:extLst>
-  </p:cm>
 </p:cmLst>
 </file>
 
@@ -293,7 +243,7 @@
           <a:p>
             <a:fld id="{E7FEA8D2-73DC-42F4-A3BB-E967BB6F78F0}" type="datetimeFigureOut">
               <a:rPr lang="es-ES" smtClean="0"/>
-              <a:t>09/09/2015</a:t>
+              <a:t>14/09/2015</a:t>
             </a:fld>
             <a:endParaRPr lang="es-ES"/>
           </a:p>
@@ -759,7 +709,7 @@
               <a:rPr lang="es-ES" smtClean="0"/>
               <a:t>11</a:t>
             </a:fld>
-            <a:endParaRPr lang="es-ES"/>
+            <a:endParaRPr lang="es-ES" dirty="0"/>
           </a:p>
         </p:txBody>
       </p:sp>
@@ -874,7 +824,7 @@
               <a:rPr lang="es-ES" smtClean="0"/>
               <a:t>12</a:t>
             </a:fld>
-            <a:endParaRPr lang="es-ES"/>
+            <a:endParaRPr lang="es-ES" dirty="0"/>
           </a:p>
         </p:txBody>
       </p:sp>
@@ -1602,7 +1552,7 @@
     </p:spTree>
     <p:extLst>
       <p:ext uri="{BB962C8B-B14F-4D97-AF65-F5344CB8AC3E}">
-        <p14:creationId xmlns:p14="http://schemas.microsoft.com/office/powerpoint/2010/main" val="4061692760"/>
+        <p14:creationId xmlns:p14="http://schemas.microsoft.com/office/powerpoint/2010/main" val="928860632"/>
       </p:ext>
     </p:extLst>
   </p:cSld>
@@ -1660,7 +1610,14 @@
               <a:buFontTx/>
               <a:buNone/>
             </a:pPr>
-            <a:endParaRPr lang="es-ES" baseline="0" noProof="0" dirty="0" smtClean="0"/>
+            <a:r>
+              <a:rPr lang="es-ES" noProof="0" dirty="0" smtClean="0"/>
+              <a:t>Estos nodos</a:t>
+            </a:r>
+            <a:r>
+              <a:rPr lang="es-ES" baseline="0" noProof="0" dirty="0" smtClean="0"/>
+              <a:t> realizan operaciones básicas con los datos de color. Se diseñaron las operaciones que se consideraron básicas, no obstante se pueden implementar innumerables operaciones, aunque con las que hay se pueden lograr interesantes resultados.</a:t>
+            </a:r>
           </a:p>
         </p:txBody>
       </p:sp>
@@ -1690,7 +1647,7 @@
     </p:spTree>
     <p:extLst>
       <p:ext uri="{BB962C8B-B14F-4D97-AF65-F5344CB8AC3E}">
-        <p14:creationId xmlns:p14="http://schemas.microsoft.com/office/powerpoint/2010/main" val="1695009767"/>
+        <p14:creationId xmlns:p14="http://schemas.microsoft.com/office/powerpoint/2010/main" val="4061692760"/>
       </p:ext>
     </p:extLst>
   </p:cSld>
@@ -1770,6 +1727,94 @@
             <a:fld id="{08145306-062E-46C6-84AA-B593DF40405E}" type="slidenum">
               <a:rPr lang="es-ES" smtClean="0"/>
               <a:t>19</a:t>
+            </a:fld>
+            <a:endParaRPr lang="es-ES"/>
+          </a:p>
+        </p:txBody>
+      </p:sp>
+    </p:spTree>
+    <p:extLst>
+      <p:ext uri="{BB962C8B-B14F-4D97-AF65-F5344CB8AC3E}">
+        <p14:creationId xmlns:p14="http://schemas.microsoft.com/office/powerpoint/2010/main" val="1695009767"/>
+      </p:ext>
+    </p:extLst>
+  </p:cSld>
+  <p:clrMapOvr>
+    <a:masterClrMapping/>
+  </p:clrMapOvr>
+</p:notes>
+</file>
+
+<file path=ppt/notesSlides/notesSlide19.xml><?xml version="1.0" encoding="utf-8"?>
+<p:notes xmlns:a="http://schemas.openxmlformats.org/drawingml/2006/main" xmlns:r="http://schemas.openxmlformats.org/officeDocument/2006/relationships" xmlns:p="http://schemas.openxmlformats.org/presentationml/2006/main">
+  <p:cSld>
+    <p:spTree>
+      <p:nvGrpSpPr>
+        <p:cNvPr id="1" name=""/>
+        <p:cNvGrpSpPr/>
+        <p:nvPr/>
+      </p:nvGrpSpPr>
+      <p:grpSpPr>
+        <a:xfrm>
+          <a:off x="0" y="0"/>
+          <a:ext cx="0" cy="0"/>
+          <a:chOff x="0" y="0"/>
+          <a:chExt cx="0" cy="0"/>
+        </a:xfrm>
+      </p:grpSpPr>
+      <p:sp>
+        <p:nvSpPr>
+          <p:cNvPr id="2" name="Marcador de imagen de diapositiva 1"/>
+          <p:cNvSpPr>
+            <a:spLocks noGrp="1" noRot="1" noChangeAspect="1"/>
+          </p:cNvSpPr>
+          <p:nvPr>
+            <p:ph type="sldImg"/>
+          </p:nvPr>
+        </p:nvSpPr>
+        <p:spPr/>
+      </p:sp>
+      <p:sp>
+        <p:nvSpPr>
+          <p:cNvPr id="3" name="Marcador de notas 2"/>
+          <p:cNvSpPr>
+            <a:spLocks noGrp="1"/>
+          </p:cNvSpPr>
+          <p:nvPr>
+            <p:ph type="body" idx="1"/>
+          </p:nvPr>
+        </p:nvSpPr>
+        <p:spPr/>
+        <p:txBody>
+          <a:bodyPr/>
+          <a:lstStyle/>
+          <a:p>
+            <a:pPr marL="0" indent="0">
+              <a:buFontTx/>
+              <a:buNone/>
+            </a:pPr>
+            <a:endParaRPr lang="es-ES" baseline="0" noProof="0" dirty="0" smtClean="0"/>
+          </a:p>
+        </p:txBody>
+      </p:sp>
+      <p:sp>
+        <p:nvSpPr>
+          <p:cNvPr id="4" name="Marcador de número de diapositiva 3"/>
+          <p:cNvSpPr>
+            <a:spLocks noGrp="1"/>
+          </p:cNvSpPr>
+          <p:nvPr>
+            <p:ph type="sldNum" sz="quarter" idx="10"/>
+          </p:nvPr>
+        </p:nvSpPr>
+        <p:spPr/>
+        <p:txBody>
+          <a:bodyPr/>
+          <a:lstStyle/>
+          <a:p>
+            <a:fld id="{08145306-062E-46C6-84AA-B593DF40405E}" type="slidenum">
+              <a:rPr lang="es-ES" smtClean="0"/>
+              <a:t>20</a:t>
             </a:fld>
             <a:endParaRPr lang="es-ES"/>
           </a:p>
@@ -2172,7 +2217,7 @@
               <a:rPr lang="es-ES" smtClean="0"/>
               <a:t>3</a:t>
             </a:fld>
-            <a:endParaRPr lang="es-ES"/>
+            <a:endParaRPr lang="es-ES" dirty="0"/>
           </a:p>
         </p:txBody>
       </p:sp>
@@ -2241,7 +2286,7 @@
                 </a:r>
                 <a14:m>
                   <m:oMath xmlns:m="http://schemas.openxmlformats.org/officeDocument/2006/math">
-                    <a:fld id="{FC44BB93-B8CF-48DA-986D-EBE8A7E8B183}" type="mathplaceholder">
+                    <a:fld id="{2927C1A7-3CC3-41F5-B529-C89C1F10B0BA}" type="mathplaceholder">
                       <a:rPr lang="es-ES" i="1" smtClean="0">
                         <a:latin typeface="Cambria Math" panose="02040503050406030204" pitchFamily="18" charset="0"/>
                       </a:rPr>
@@ -2325,7 +2370,7 @@
               <a:rPr lang="es-ES" smtClean="0"/>
               <a:t>4</a:t>
             </a:fld>
-            <a:endParaRPr lang="es-ES"/>
+            <a:endParaRPr lang="es-ES" dirty="0"/>
           </a:p>
         </p:txBody>
       </p:sp>
@@ -2417,7 +2462,7 @@
               <a:rPr lang="es-ES" smtClean="0"/>
               <a:t>5</a:t>
             </a:fld>
-            <a:endParaRPr lang="es-ES"/>
+            <a:endParaRPr lang="es-ES" dirty="0"/>
           </a:p>
         </p:txBody>
       </p:sp>
@@ -2501,7 +2546,7 @@
               <a:rPr lang="es-ES" smtClean="0"/>
               <a:t>6</a:t>
             </a:fld>
-            <a:endParaRPr lang="es-ES"/>
+            <a:endParaRPr lang="es-ES" dirty="0"/>
           </a:p>
         </p:txBody>
       </p:sp>
@@ -2585,7 +2630,7 @@
               <a:rPr lang="es-ES" smtClean="0"/>
               <a:t>7</a:t>
             </a:fld>
-            <a:endParaRPr lang="es-ES"/>
+            <a:endParaRPr lang="es-ES" dirty="0"/>
           </a:p>
         </p:txBody>
       </p:sp>
@@ -2713,7 +2758,7 @@
               <a:rPr lang="es-ES" smtClean="0"/>
               <a:t>8</a:t>
             </a:fld>
-            <a:endParaRPr lang="es-ES"/>
+            <a:endParaRPr lang="es-ES" dirty="0"/>
           </a:p>
         </p:txBody>
       </p:sp>
@@ -2826,7 +2871,7 @@
               <a:rPr lang="es-ES" smtClean="0"/>
               <a:t>9</a:t>
             </a:fld>
-            <a:endParaRPr lang="es-ES"/>
+            <a:endParaRPr lang="es-ES" dirty="0"/>
           </a:p>
         </p:txBody>
       </p:sp>
@@ -2990,7 +3035,7 @@
               <a:rPr lang="es-ES" smtClean="0"/>
               <a:t>10</a:t>
             </a:fld>
-            <a:endParaRPr lang="es-ES"/>
+            <a:endParaRPr lang="es-ES" dirty="0"/>
           </a:p>
         </p:txBody>
       </p:sp>
@@ -3205,10 +3250,9 @@
             </a:lvl1pPr>
           </a:lstStyle>
           <a:p>
-            <a:fld id="{5586B75A-687E-405C-8A0B-8D00578BA2C3}" type="datetimeFigureOut">
+            <a:fld id="{933C5E1F-B24D-4B5A-B86A-C1CD7B93B9DA}" type="datetime1">
               <a:rPr lang="en-US" smtClean="0"/>
-              <a:pPr/>
-              <a:t>9/9/2015</a:t>
+              <a:t>9/14/2015</a:t>
             </a:fld>
             <a:endParaRPr lang="en-US" dirty="0"/>
           </a:p>
@@ -3397,9 +3441,9 @@
           <a:bodyPr/>
           <a:lstStyle/>
           <a:p>
-            <a:fld id="{5F4E5243-F52A-4D37-9694-EB26C6C31910}" type="datetimeFigureOut">
+            <a:fld id="{8CF4F39C-55BF-4B7E-9159-8A6F9027086A}" type="datetime1">
               <a:rPr lang="en-US" smtClean="0"/>
-              <a:t>9/9/2015</a:t>
+              <a:t>9/14/2015</a:t>
             </a:fld>
             <a:endParaRPr lang="en-US" dirty="0"/>
           </a:p>
@@ -3577,9 +3621,9 @@
           <a:bodyPr/>
           <a:lstStyle/>
           <a:p>
-            <a:fld id="{3A77B6E1-634A-48DC-9E8B-D894023267EF}" type="datetimeFigureOut">
+            <a:fld id="{BC611295-9A09-4D95-BCE6-050F3B932B5D}" type="datetime1">
               <a:rPr lang="en-US" smtClean="0"/>
-              <a:t>9/9/2015</a:t>
+              <a:t>9/14/2015</a:t>
             </a:fld>
             <a:endParaRPr lang="en-US" dirty="0"/>
           </a:p>
@@ -3747,9 +3791,9 @@
           <a:bodyPr/>
           <a:lstStyle/>
           <a:p>
-            <a:fld id="{7B2D3E9E-A95C-48F2-B4BF-A71542E0BE9A}" type="datetimeFigureOut">
+            <a:fld id="{60C7E025-5B88-48A2-BBE8-5FB96B913975}" type="datetime1">
               <a:rPr lang="en-US" smtClean="0"/>
-              <a:t>9/9/2015</a:t>
+              <a:t>9/14/2015</a:t>
             </a:fld>
             <a:endParaRPr lang="en-US" dirty="0"/>
           </a:p>
@@ -4003,10 +4047,9 @@
           <a:bodyPr/>
           <a:lstStyle/>
           <a:p>
-            <a:fld id="{5586B75A-687E-405C-8A0B-8D00578BA2C3}" type="datetimeFigureOut">
+            <a:fld id="{12CD7A06-CDD8-4E1B-8B05-7D65B60F0C20}" type="datetime1">
               <a:rPr lang="en-US" smtClean="0"/>
-              <a:pPr/>
-              <a:t>9/9/2015</a:t>
+              <a:t>9/14/2015</a:t>
             </a:fld>
             <a:endParaRPr lang="en-US" dirty="0"/>
           </a:p>
@@ -4293,9 +4336,9 @@
           <a:bodyPr/>
           <a:lstStyle/>
           <a:p>
-            <a:fld id="{F12952B5-7A2F-4CC8-B7CE-9234E21C2837}" type="datetimeFigureOut">
+            <a:fld id="{CD560109-81F7-4420-9B56-DD31C0AB4C02}" type="datetime1">
               <a:rPr lang="en-US" smtClean="0"/>
-              <a:t>9/9/2015</a:t>
+              <a:t>9/14/2015</a:t>
             </a:fld>
             <a:endParaRPr lang="en-US" dirty="0"/>
           </a:p>
@@ -4731,9 +4774,9 @@
           <a:bodyPr/>
           <a:lstStyle/>
           <a:p>
-            <a:fld id="{CE1DA07A-9201-4B4B-BAF2-015AFA30F520}" type="datetimeFigureOut">
+            <a:fld id="{D27E7DD4-3680-4C75-9A73-D05EA9CDC587}" type="datetime1">
               <a:rPr lang="en-US" smtClean="0"/>
-              <a:t>9/9/2015</a:t>
+              <a:t>9/14/2015</a:t>
             </a:fld>
             <a:endParaRPr lang="en-US" dirty="0"/>
           </a:p>
@@ -4849,9 +4892,9 @@
           <a:bodyPr/>
           <a:lstStyle/>
           <a:p>
-            <a:fld id="{73D7E00A-486F-4252-8B1D-E32645521F49}" type="datetimeFigureOut">
+            <a:fld id="{1F6A4065-08CD-4227-8236-C1BAE2504878}" type="datetime1">
               <a:rPr lang="en-US" smtClean="0"/>
-              <a:t>9/9/2015</a:t>
+              <a:t>9/14/2015</a:t>
             </a:fld>
             <a:endParaRPr lang="en-US" dirty="0"/>
           </a:p>
@@ -4944,9 +4987,9 @@
           <a:bodyPr/>
           <a:lstStyle/>
           <a:p>
-            <a:fld id="{8DDF5F92-E675-4B36-9A60-69A962A68675}" type="datetimeFigureOut">
+            <a:fld id="{E01D7EF2-9584-4A61-85B4-2CC7EB4FD377}" type="datetime1">
               <a:rPr lang="en-US" smtClean="0"/>
-              <a:t>9/9/2015</a:t>
+              <a:t>9/14/2015</a:t>
             </a:fld>
             <a:endParaRPr lang="en-US" dirty="0"/>
           </a:p>
@@ -5300,9 +5343,9 @@
           <a:bodyPr/>
           <a:lstStyle/>
           <a:p>
-            <a:fld id="{AF6E2C9B-5FA2-460D-9BE7-B0812FC2A6FF}" type="datetimeFigureOut">
+            <a:fld id="{7A5035D0-5B4A-4B15-8816-FD4C942E14E8}" type="datetime1">
               <a:rPr lang="en-US" smtClean="0"/>
-              <a:t>9/9/2015</a:t>
+              <a:t>9/14/2015</a:t>
             </a:fld>
             <a:endParaRPr lang="en-US" dirty="0"/>
           </a:p>
@@ -5617,10 +5660,9 @@
             </a:lvl1pPr>
           </a:lstStyle>
           <a:p>
-            <a:fld id="{5586B75A-687E-405C-8A0B-8D00578BA2C3}" type="datetimeFigureOut">
+            <a:fld id="{5FBE2BDB-7B7C-419F-B4A3-86EC14B39CE0}" type="datetime1">
               <a:rPr lang="en-US" smtClean="0"/>
-              <a:pPr/>
-              <a:t>9/9/2015</a:t>
+              <a:t>9/14/2015</a:t>
             </a:fld>
             <a:endParaRPr lang="en-US" dirty="0"/>
           </a:p>
@@ -5852,10 +5894,9 @@
             </a:lvl1pPr>
           </a:lstStyle>
           <a:p>
-            <a:fld id="{5586B75A-687E-405C-8A0B-8D00578BA2C3}" type="datetimeFigureOut">
+            <a:fld id="{4219C2CD-B663-4741-9465-A5F7028B5727}" type="datetime1">
               <a:rPr lang="en-US" smtClean="0"/>
-              <a:pPr/>
-              <a:t>9/9/2015</a:t>
+              <a:t>9/14/2015</a:t>
             </a:fld>
             <a:endParaRPr lang="en-US" dirty="0"/>
           </a:p>
@@ -5965,7 +6006,7 @@
     <p:sldLayoutId id="2147483922" r:id="rId10"/>
     <p:sldLayoutId id="2147483923" r:id="rId11"/>
   </p:sldLayoutIdLst>
-  <p:hf sldNum="0" hdr="0" ftr="0" dt="0"/>
+  <p:hf hdr="0" ftr="0" dt="0"/>
   <p:txStyles>
     <p:titleStyle>
       <a:lvl1pPr algn="l" defTabSz="914400" rtl="0" eaLnBrk="1" latinLnBrk="0" hangingPunct="1">
@@ -6540,7 +6581,12 @@
             <p:ph type="title"/>
           </p:nvPr>
         </p:nvSpPr>
-        <p:spPr/>
+        <p:spPr>
+          <a:xfrm>
+            <a:off x="596264" y="-88007"/>
+            <a:ext cx="10772775" cy="1658198"/>
+          </a:xfrm>
+        </p:spPr>
         <p:txBody>
           <a:bodyPr/>
           <a:lstStyle/>
@@ -6565,8 +6611,8 @@
         </p:nvSpPr>
         <p:spPr>
           <a:xfrm>
-            <a:off x="676656" y="1825944"/>
-            <a:ext cx="10753725" cy="4524056"/>
+            <a:off x="7961376" y="686236"/>
+            <a:ext cx="11013350" cy="670249"/>
           </a:xfrm>
         </p:spPr>
         <p:txBody>
@@ -6575,8 +6621,13 @@
           <a:p>
             <a:r>
               <a:rPr lang="es-ES" b="1" dirty="0" smtClean="0"/>
-              <a:t>Otros editores de materiales.</a:t>
-            </a:r>
+              <a:t>Otros editores de </a:t>
+            </a:r>
+            <a:r>
+              <a:rPr lang="es-ES" b="1" dirty="0" smtClean="0"/>
+              <a:t>materiales</a:t>
+            </a:r>
+            <a:endParaRPr lang="es-ES" b="1" dirty="0" smtClean="0"/>
           </a:p>
         </p:txBody>
       </p:sp>
@@ -6589,14 +6640,14 @@
           <p:nvPr>
             <p:extLst>
               <p:ext uri="{D42A27DB-BD31-4B8C-83A1-F6EECF244321}">
-                <p14:modId xmlns:p14="http://schemas.microsoft.com/office/powerpoint/2010/main" val="2957951403"/>
+                <p14:modId xmlns:p14="http://schemas.microsoft.com/office/powerpoint/2010/main" val="61483101"/>
               </p:ext>
             </p:extLst>
           </p:nvPr>
         </p:nvGraphicFramePr>
         <p:xfrm>
-          <a:off x="1405318" y="2656022"/>
-          <a:ext cx="9084880" cy="3122758"/>
+          <a:off x="777216" y="1158521"/>
+          <a:ext cx="10912790" cy="5342494"/>
         </p:xfrm>
         <a:graphic>
           <a:graphicData uri="http://schemas.openxmlformats.org/drawingml/2006/table">
@@ -6605,12 +6656,13 @@
                 <a:tableStyleId>{5C22544A-7EE6-4342-B048-85BDC9FD1C3A}</a:tableStyleId>
               </a:tblPr>
               <a:tblGrid>
-                <a:gridCol w="1423607"/>
-                <a:gridCol w="2009775"/>
-                <a:gridCol w="1257300"/>
-                <a:gridCol w="1295400"/>
-                <a:gridCol w="1677803"/>
-                <a:gridCol w="1420995"/>
+                <a:gridCol w="1447800"/>
+                <a:gridCol w="1280160"/>
+                <a:gridCol w="1051560"/>
+                <a:gridCol w="899160"/>
+                <a:gridCol w="1813560"/>
+                <a:gridCol w="1371600"/>
+                <a:gridCol w="3048950"/>
               </a:tblGrid>
               <a:tr h="982528">
                 <a:tc gridSpan="2">
@@ -6726,6 +6778,21 @@
                   </a:txBody>
                   <a:tcPr anchor="ctr"/>
                 </a:tc>
+                <a:tc>
+                  <a:txBody>
+                    <a:bodyPr/>
+                    <a:lstStyle/>
+                    <a:p>
+                      <a:pPr algn="ctr"/>
+                      <a:r>
+                        <a:rPr lang="es-ES" dirty="0" smtClean="0"/>
+                        <a:t>Características destacables</a:t>
+                      </a:r>
+                      <a:endParaRPr lang="es-ES" dirty="0"/>
+                    </a:p>
+                  </a:txBody>
+                  <a:tcPr anchor="ctr"/>
+                </a:tc>
               </a:tr>
               <a:tr h="428046">
                 <a:tc>
@@ -6736,13 +6803,21 @@
                       <a:endParaRPr lang="es-ES" dirty="0"/>
                     </a:p>
                   </a:txBody>
-                  <a:tcPr/>
+                  <a:tcPr>
+                    <a:solidFill>
+                      <a:schemeClr val="tx2">
+                        <a:lumMod val="50000"/>
+                        <a:lumOff val="50000"/>
+                      </a:schemeClr>
+                    </a:solidFill>
+                  </a:tcPr>
                 </a:tc>
                 <a:tc>
                   <a:txBody>
                     <a:bodyPr/>
                     <a:lstStyle/>
                     <a:p>
+                      <a:pPr algn="ctr"/>
                       <a:r>
                         <a:rPr lang="es-ES" dirty="0" smtClean="0"/>
                         <a:t>UE4</a:t>
@@ -6750,7 +6825,14 @@
                       <a:endParaRPr lang="es-ES" dirty="0"/>
                     </a:p>
                   </a:txBody>
-                  <a:tcPr/>
+                  <a:tcPr>
+                    <a:solidFill>
+                      <a:schemeClr val="tx2">
+                        <a:lumMod val="50000"/>
+                        <a:lumOff val="50000"/>
+                      </a:schemeClr>
+                    </a:solidFill>
+                  </a:tcPr>
                 </a:tc>
                 <a:tc>
                   <a:txBody>
@@ -6812,6 +6894,38 @@
                   </a:txBody>
                   <a:tcPr/>
                 </a:tc>
+                <a:tc>
+                  <a:txBody>
+                    <a:bodyPr/>
+                    <a:lstStyle/>
+                    <a:p>
+                      <a:pPr marL="285750" indent="-285750" algn="l">
+                        <a:buFont typeface="Arial" panose="020B0604020202020204" pitchFamily="34" charset="0"/>
+                        <a:buChar char="•"/>
+                      </a:pPr>
+                      <a:r>
+                        <a:rPr lang="es-ES" dirty="0" smtClean="0"/>
+                        <a:t>Poderoso</a:t>
+                      </a:r>
+                      <a:r>
+                        <a:rPr lang="es-ES" baseline="0" dirty="0" smtClean="0"/>
+                        <a:t> motor gráfico (PBR).</a:t>
+                      </a:r>
+                    </a:p>
+                    <a:p>
+                      <a:pPr marL="285750" indent="-285750" algn="l">
+                        <a:buFont typeface="Arial" panose="020B0604020202020204" pitchFamily="34" charset="0"/>
+                        <a:buChar char="•"/>
+                      </a:pPr>
+                      <a:r>
+                        <a:rPr lang="es-ES" baseline="0" dirty="0" smtClean="0"/>
+                        <a:t>biblioteca de nodos extensa.</a:t>
+                      </a:r>
+                      <a:endParaRPr lang="es-ES" dirty="0"/>
+                    </a:p>
+                  </a:txBody>
+                  <a:tcPr/>
+                </a:tc>
               </a:tr>
               <a:tr h="428046">
                 <a:tc>
@@ -6822,13 +6936,21 @@
                       <a:endParaRPr lang="es-ES" dirty="0"/>
                     </a:p>
                   </a:txBody>
-                  <a:tcPr/>
+                  <a:tcPr>
+                    <a:solidFill>
+                      <a:schemeClr val="tx2">
+                        <a:lumMod val="50000"/>
+                        <a:lumOff val="50000"/>
+                      </a:schemeClr>
+                    </a:solidFill>
+                  </a:tcPr>
                 </a:tc>
                 <a:tc>
                   <a:txBody>
                     <a:bodyPr/>
                     <a:lstStyle/>
                     <a:p>
+                      <a:pPr algn="ctr"/>
                       <a:r>
                         <a:rPr lang="es-ES" dirty="0" smtClean="0"/>
                         <a:t>3ds Max</a:t>
@@ -6836,7 +6958,14 @@
                       <a:endParaRPr lang="es-ES" dirty="0"/>
                     </a:p>
                   </a:txBody>
-                  <a:tcPr/>
+                  <a:tcPr>
+                    <a:solidFill>
+                      <a:schemeClr val="tx2">
+                        <a:lumMod val="50000"/>
+                        <a:lumOff val="50000"/>
+                      </a:schemeClr>
+                    </a:solidFill>
+                  </a:tcPr>
                 </a:tc>
                 <a:tc>
                   <a:txBody>
@@ -6898,6 +7027,45 @@
                   </a:txBody>
                   <a:tcPr/>
                 </a:tc>
+                <a:tc>
+                  <a:txBody>
+                    <a:bodyPr/>
+                    <a:lstStyle/>
+                    <a:p>
+                      <a:pPr marL="285750" indent="-285750" algn="l">
+                        <a:buFont typeface="Arial" panose="020B0604020202020204" pitchFamily="34" charset="0"/>
+                        <a:buChar char="•"/>
+                      </a:pPr>
+                      <a:r>
+                        <a:rPr lang="es-ES" dirty="0" smtClean="0"/>
+                        <a:t>Extenso numero de canales.</a:t>
+                      </a:r>
+                    </a:p>
+                    <a:p>
+                      <a:pPr marL="285750" indent="-285750" algn="l">
+                        <a:buFont typeface="Arial" panose="020B0604020202020204" pitchFamily="34" charset="0"/>
+                        <a:buChar char="•"/>
+                      </a:pPr>
+                      <a:r>
+                        <a:rPr lang="es-ES" dirty="0" smtClean="0"/>
+                        <a:t>Interfaz</a:t>
+                      </a:r>
+                      <a:r>
+                        <a:rPr lang="es-ES" baseline="0" dirty="0" smtClean="0"/>
+                        <a:t> permite controles mas complejos.</a:t>
+                      </a:r>
+                      <a:endParaRPr lang="es-ES" dirty="0" smtClean="0"/>
+                    </a:p>
+                    <a:p>
+                      <a:pPr marL="285750" indent="-285750" algn="l">
+                        <a:buFont typeface="Arial" panose="020B0604020202020204" pitchFamily="34" charset="0"/>
+                        <a:buChar char="•"/>
+                      </a:pPr>
+                      <a:endParaRPr lang="es-ES" dirty="0"/>
+                    </a:p>
+                  </a:txBody>
+                  <a:tcPr/>
+                </a:tc>
               </a:tr>
               <a:tr h="428046">
                 <a:tc>
@@ -6908,13 +7076,21 @@
                       <a:endParaRPr lang="es-ES" dirty="0"/>
                     </a:p>
                   </a:txBody>
-                  <a:tcPr/>
+                  <a:tcPr>
+                    <a:solidFill>
+                      <a:schemeClr val="tx2">
+                        <a:lumMod val="50000"/>
+                        <a:lumOff val="50000"/>
+                      </a:schemeClr>
+                    </a:solidFill>
+                  </a:tcPr>
                 </a:tc>
                 <a:tc>
                   <a:txBody>
                     <a:bodyPr/>
                     <a:lstStyle/>
                     <a:p>
+                      <a:pPr algn="ctr"/>
                       <a:r>
                         <a:rPr lang="es-ES" dirty="0" smtClean="0"/>
                         <a:t>Shader Forge</a:t>
@@ -6922,7 +7098,14 @@
                       <a:endParaRPr lang="es-ES" dirty="0"/>
                     </a:p>
                   </a:txBody>
-                  <a:tcPr/>
+                  <a:tcPr>
+                    <a:solidFill>
+                      <a:schemeClr val="tx2">
+                        <a:lumMod val="50000"/>
+                        <a:lumOff val="50000"/>
+                      </a:schemeClr>
+                    </a:solidFill>
+                  </a:tcPr>
                 </a:tc>
                 <a:tc>
                   <a:txBody>
@@ -6984,6 +7167,48 @@
                   </a:txBody>
                   <a:tcPr/>
                 </a:tc>
+                <a:tc>
+                  <a:txBody>
+                    <a:bodyPr/>
+                    <a:lstStyle/>
+                    <a:p>
+                      <a:pPr marL="285750" indent="-285750" algn="l">
+                        <a:buFont typeface="Arial" panose="020B0604020202020204" pitchFamily="34" charset="0"/>
+                        <a:buChar char="•"/>
+                      </a:pPr>
+                      <a:r>
+                        <a:rPr lang="es-ES" dirty="0" smtClean="0"/>
+                        <a:t>Sencillez y versatilidad</a:t>
+                      </a:r>
+                    </a:p>
+                    <a:p>
+                      <a:pPr marL="285750" indent="-285750" algn="l">
+                        <a:buFont typeface="Arial" panose="020B0604020202020204" pitchFamily="34" charset="0"/>
+                        <a:buChar char="•"/>
+                      </a:pPr>
+                      <a:r>
+                        <a:rPr lang="es-ES" dirty="0" smtClean="0"/>
+                        <a:t>Posibilidad</a:t>
+                      </a:r>
+                      <a:r>
+                        <a:rPr lang="es-ES" baseline="0" dirty="0" smtClean="0"/>
+                        <a:t> de PBR</a:t>
+                      </a:r>
+                    </a:p>
+                    <a:p>
+                      <a:pPr marL="285750" indent="-285750" algn="l">
+                        <a:buFont typeface="Arial" panose="020B0604020202020204" pitchFamily="34" charset="0"/>
+                        <a:buChar char="•"/>
+                      </a:pPr>
+                      <a:r>
+                        <a:rPr lang="es-ES" baseline="0" dirty="0" smtClean="0"/>
+                        <a:t>Biblioteca de nodos extensa</a:t>
+                      </a:r>
+                      <a:endParaRPr lang="es-ES" dirty="0"/>
+                    </a:p>
+                  </a:txBody>
+                  <a:tcPr/>
+                </a:tc>
               </a:tr>
               <a:tr h="428046">
                 <a:tc>
@@ -6994,13 +7219,21 @@
                       <a:endParaRPr lang="es-ES" dirty="0"/>
                     </a:p>
                   </a:txBody>
-                  <a:tcPr/>
+                  <a:tcPr>
+                    <a:solidFill>
+                      <a:schemeClr val="tx2">
+                        <a:lumMod val="50000"/>
+                        <a:lumOff val="50000"/>
+                      </a:schemeClr>
+                    </a:solidFill>
+                  </a:tcPr>
                 </a:tc>
                 <a:tc>
                   <a:txBody>
                     <a:bodyPr/>
                     <a:lstStyle/>
                     <a:p>
+                      <a:pPr algn="ctr"/>
                       <a:r>
                         <a:rPr lang="es-ES" dirty="0" smtClean="0"/>
                         <a:t>Marmoset Toolbag</a:t>
@@ -7008,7 +7241,14 @@
                       <a:endParaRPr lang="es-ES" dirty="0"/>
                     </a:p>
                   </a:txBody>
-                  <a:tcPr/>
+                  <a:tcPr>
+                    <a:solidFill>
+                      <a:schemeClr val="tx2">
+                        <a:lumMod val="50000"/>
+                        <a:lumOff val="50000"/>
+                      </a:schemeClr>
+                    </a:solidFill>
+                  </a:tcPr>
                 </a:tc>
                 <a:tc>
                   <a:txBody>
@@ -7070,6 +7310,28 @@
                   </a:txBody>
                   <a:tcPr/>
                 </a:tc>
+                <a:tc>
+                  <a:txBody>
+                    <a:bodyPr/>
+                    <a:lstStyle/>
+                    <a:p>
+                      <a:pPr marL="285750" indent="-285750" algn="l">
+                        <a:buFont typeface="Arial" panose="020B0604020202020204" pitchFamily="34" charset="0"/>
+                        <a:buChar char="•"/>
+                      </a:pPr>
+                      <a:r>
+                        <a:rPr lang="es-ES" dirty="0" smtClean="0"/>
+                        <a:t>Poderoso</a:t>
+                      </a:r>
+                      <a:r>
+                        <a:rPr lang="es-ES" baseline="0" dirty="0" smtClean="0"/>
+                        <a:t> visualizador (PBR)</a:t>
+                      </a:r>
+                      <a:endParaRPr lang="es-ES" dirty="0"/>
+                    </a:p>
+                  </a:txBody>
+                  <a:tcPr/>
+                </a:tc>
               </a:tr>
               <a:tr h="428046">
                 <a:tc>
@@ -7080,7 +7342,14 @@
                       <a:endParaRPr lang="es-ES" b="1" dirty="0"/>
                     </a:p>
                   </a:txBody>
-                  <a:tcPr/>
+                  <a:tcPr>
+                    <a:solidFill>
+                      <a:schemeClr val="tx2">
+                        <a:lumMod val="50000"/>
+                        <a:lumOff val="50000"/>
+                      </a:schemeClr>
+                    </a:solidFill>
+                  </a:tcPr>
                 </a:tc>
                 <a:tc>
                   <a:txBody>
@@ -7094,7 +7363,14 @@
                       <a:endParaRPr lang="es-ES" b="1" dirty="0"/>
                     </a:p>
                   </a:txBody>
-                  <a:tcPr/>
+                  <a:tcPr>
+                    <a:solidFill>
+                      <a:schemeClr val="tx2">
+                        <a:lumMod val="50000"/>
+                        <a:lumOff val="50000"/>
+                      </a:schemeClr>
+                    </a:solidFill>
+                  </a:tcPr>
                 </a:tc>
                 <a:tc>
                   <a:txBody>
@@ -7156,6 +7432,17 @@
                   </a:txBody>
                   <a:tcPr/>
                 </a:tc>
+                <a:tc>
+                  <a:txBody>
+                    <a:bodyPr/>
+                    <a:lstStyle/>
+                    <a:p>
+                      <a:pPr algn="l"/>
+                      <a:endParaRPr lang="es-ES" b="1" dirty="0"/>
+                    </a:p>
+                  </a:txBody>
+                  <a:tcPr/>
+                </a:tc>
               </a:tr>
             </a:tbl>
           </a:graphicData>
@@ -7190,8 +7477,8 @@
         </p:blipFill>
         <p:spPr>
           <a:xfrm>
-            <a:off x="1946193" y="3658930"/>
-            <a:ext cx="353822" cy="390707"/>
+            <a:off x="1084302" y="2254444"/>
+            <a:ext cx="764482" cy="844177"/>
           </a:xfrm>
           <a:prstGeom prst="rect">
             <a:avLst/>
@@ -7228,7 +7515,7 @@
         </p:blipFill>
         <p:spPr bwMode="auto">
           <a:xfrm>
-            <a:off x="1516561" y="4143721"/>
+            <a:off x="853621" y="3782874"/>
             <a:ext cx="1213086" cy="303272"/>
           </a:xfrm>
           <a:prstGeom prst="rect">
@@ -7276,7 +7563,7 @@
         </p:blipFill>
         <p:spPr bwMode="auto">
           <a:xfrm>
-            <a:off x="1715117" y="4553777"/>
+            <a:off x="1084302" y="4764650"/>
             <a:ext cx="815975" cy="247513"/>
           </a:xfrm>
           <a:prstGeom prst="rect">
@@ -7324,7 +7611,7 @@
         </p:blipFill>
         <p:spPr bwMode="auto">
           <a:xfrm>
-            <a:off x="1943521" y="4955703"/>
+            <a:off x="1286960" y="5517246"/>
             <a:ext cx="359166" cy="359166"/>
           </a:xfrm>
           <a:prstGeom prst="rect">
@@ -7342,6 +7629,29 @@
           </a:extLst>
         </p:spPr>
       </p:pic>
+      <p:sp>
+        <p:nvSpPr>
+          <p:cNvPr id="4" name="Marcador de número de diapositiva 3"/>
+          <p:cNvSpPr>
+            <a:spLocks noGrp="1"/>
+          </p:cNvSpPr>
+          <p:nvPr>
+            <p:ph type="sldNum" sz="quarter" idx="12"/>
+          </p:nvPr>
+        </p:nvSpPr>
+        <p:spPr/>
+        <p:txBody>
+          <a:bodyPr/>
+          <a:lstStyle/>
+          <a:p>
+            <a:fld id="{4FAB73BC-B049-4115-A692-8D63A059BFB8}" type="slidenum">
+              <a:rPr lang="en-US" smtClean="0"/>
+              <a:t>10</a:t>
+            </a:fld>
+            <a:endParaRPr lang="en-US" dirty="0"/>
+          </a:p>
+        </p:txBody>
+      </p:sp>
     </p:spTree>
     <p:extLst>
       <p:ext uri="{BB962C8B-B14F-4D97-AF65-F5344CB8AC3E}">
@@ -7722,6 +8032,29 @@
           </a:extLst>
         </p:spPr>
       </p:pic>
+      <p:sp>
+        <p:nvSpPr>
+          <p:cNvPr id="5" name="Marcador de número de diapositiva 4"/>
+          <p:cNvSpPr>
+            <a:spLocks noGrp="1"/>
+          </p:cNvSpPr>
+          <p:nvPr>
+            <p:ph type="sldNum" sz="quarter" idx="12"/>
+          </p:nvPr>
+        </p:nvSpPr>
+        <p:spPr/>
+        <p:txBody>
+          <a:bodyPr/>
+          <a:lstStyle/>
+          <a:p>
+            <a:fld id="{4FAB73BC-B049-4115-A692-8D63A059BFB8}" type="slidenum">
+              <a:rPr lang="en-US" smtClean="0"/>
+              <a:t>11</a:t>
+            </a:fld>
+            <a:endParaRPr lang="en-US" dirty="0"/>
+          </a:p>
+        </p:txBody>
+      </p:sp>
     </p:spTree>
     <p:extLst>
       <p:ext uri="{BB962C8B-B14F-4D97-AF65-F5344CB8AC3E}">
@@ -8129,15 +8462,21 @@
           <p:nvPr/>
         </p:nvPicPr>
         <p:blipFill>
-          <a:blip r:embed="rId3"/>
+          <a:blip r:embed="rId3">
+            <a:extLst>
+              <a:ext uri="{28A0092B-C50C-407E-A947-70E740481C1C}">
+                <a14:useLocalDpi xmlns:a14="http://schemas.microsoft.com/office/drawing/2010/main" val="0"/>
+              </a:ext>
+            </a:extLst>
+          </a:blip>
           <a:stretch>
             <a:fillRect/>
           </a:stretch>
         </p:blipFill>
         <p:spPr>
           <a:xfrm>
-            <a:off x="2231421" y="2517426"/>
-            <a:ext cx="7867650" cy="4245301"/>
+            <a:off x="3362907" y="2517426"/>
+            <a:ext cx="5604677" cy="4245301"/>
           </a:xfrm>
           <a:prstGeom prst="rect">
             <a:avLst/>
@@ -8188,6 +8527,29 @@
               <a:t>VISUALIZACIÓN Y SHADER RESULTANTE EN EJECUCIÓN</a:t>
             </a:r>
             <a:endParaRPr lang="es-ES" dirty="0"/>
+          </a:p>
+        </p:txBody>
+      </p:sp>
+      <p:sp>
+        <p:nvSpPr>
+          <p:cNvPr id="4" name="Marcador de número de diapositiva 3"/>
+          <p:cNvSpPr>
+            <a:spLocks noGrp="1"/>
+          </p:cNvSpPr>
+          <p:nvPr>
+            <p:ph type="sldNum" sz="quarter" idx="12"/>
+          </p:nvPr>
+        </p:nvSpPr>
+        <p:spPr/>
+        <p:txBody>
+          <a:bodyPr/>
+          <a:lstStyle/>
+          <a:p>
+            <a:fld id="{4FAB73BC-B049-4115-A692-8D63A059BFB8}" type="slidenum">
+              <a:rPr lang="en-US" smtClean="0"/>
+              <a:t>12</a:t>
+            </a:fld>
+            <a:endParaRPr lang="en-US" dirty="0"/>
           </a:p>
         </p:txBody>
       </p:sp>
@@ -9530,6 +9892,29 @@
           </p:sp>
         </mc:Fallback>
       </mc:AlternateContent>
+      <p:sp>
+        <p:nvSpPr>
+          <p:cNvPr id="4" name="Marcador de número de diapositiva 3"/>
+          <p:cNvSpPr>
+            <a:spLocks noGrp="1"/>
+          </p:cNvSpPr>
+          <p:nvPr>
+            <p:ph type="sldNum" sz="quarter" idx="12"/>
+          </p:nvPr>
+        </p:nvSpPr>
+        <p:spPr/>
+        <p:txBody>
+          <a:bodyPr/>
+          <a:lstStyle/>
+          <a:p>
+            <a:fld id="{4FAB73BC-B049-4115-A692-8D63A059BFB8}" type="slidenum">
+              <a:rPr lang="en-US" smtClean="0"/>
+              <a:t>13</a:t>
+            </a:fld>
+            <a:endParaRPr lang="en-US" dirty="0"/>
+          </a:p>
+        </p:txBody>
+      </p:sp>
     </p:spTree>
     <p:extLst>
       <p:ext uri="{BB962C8B-B14F-4D97-AF65-F5344CB8AC3E}">
@@ -9643,6 +10028,29 @@
           </a:prstGeom>
         </p:spPr>
       </p:pic>
+      <p:sp>
+        <p:nvSpPr>
+          <p:cNvPr id="4" name="Marcador de número de diapositiva 3"/>
+          <p:cNvSpPr>
+            <a:spLocks noGrp="1"/>
+          </p:cNvSpPr>
+          <p:nvPr>
+            <p:ph type="sldNum" sz="quarter" idx="12"/>
+          </p:nvPr>
+        </p:nvSpPr>
+        <p:spPr/>
+        <p:txBody>
+          <a:bodyPr/>
+          <a:lstStyle/>
+          <a:p>
+            <a:fld id="{4FAB73BC-B049-4115-A692-8D63A059BFB8}" type="slidenum">
+              <a:rPr lang="en-US" smtClean="0"/>
+              <a:t>14</a:t>
+            </a:fld>
+            <a:endParaRPr lang="en-US" dirty="0"/>
+          </a:p>
+        </p:txBody>
+      </p:sp>
     </p:spTree>
     <p:extLst>
       <p:ext uri="{BB962C8B-B14F-4D97-AF65-F5344CB8AC3E}">
@@ -9756,6 +10164,29 @@
           </a:prstGeom>
         </p:spPr>
       </p:pic>
+      <p:sp>
+        <p:nvSpPr>
+          <p:cNvPr id="4" name="Marcador de número de diapositiva 3"/>
+          <p:cNvSpPr>
+            <a:spLocks noGrp="1"/>
+          </p:cNvSpPr>
+          <p:nvPr>
+            <p:ph type="sldNum" sz="quarter" idx="12"/>
+          </p:nvPr>
+        </p:nvSpPr>
+        <p:spPr/>
+        <p:txBody>
+          <a:bodyPr/>
+          <a:lstStyle/>
+          <a:p>
+            <a:fld id="{4FAB73BC-B049-4115-A692-8D63A059BFB8}" type="slidenum">
+              <a:rPr lang="en-US" smtClean="0"/>
+              <a:t>15</a:t>
+            </a:fld>
+            <a:endParaRPr lang="en-US" dirty="0"/>
+          </a:p>
+        </p:txBody>
+      </p:sp>
     </p:spTree>
     <p:extLst>
       <p:ext uri="{BB962C8B-B14F-4D97-AF65-F5344CB8AC3E}">
@@ -9793,6 +10224,139 @@
           <a:chExt cx="0" cy="0"/>
         </a:xfrm>
       </p:grpSpPr>
+      <p:graphicFrame>
+        <p:nvGraphicFramePr>
+          <p:cNvPr id="6" name="Objeto 5"/>
+          <p:cNvGraphicFramePr>
+            <a:graphicFrameLocks noChangeAspect="1"/>
+          </p:cNvGraphicFramePr>
+          <p:nvPr>
+            <p:extLst>
+              <p:ext uri="{D42A27DB-BD31-4B8C-83A1-F6EECF244321}">
+                <p14:modId xmlns:p14="http://schemas.microsoft.com/office/powerpoint/2010/main" val="3315827971"/>
+              </p:ext>
+            </p:extLst>
+          </p:nvPr>
+        </p:nvGraphicFramePr>
+        <p:xfrm>
+          <a:off x="1732755" y="3371768"/>
+          <a:ext cx="8621712" cy="2667000"/>
+        </p:xfrm>
+        <a:graphic>
+          <a:graphicData uri="http://schemas.openxmlformats.org/presentationml/2006/ole">
+            <mc:AlternateContent xmlns:mc="http://schemas.openxmlformats.org/markup-compatibility/2006">
+              <mc:Choice xmlns:v="urn:schemas-microsoft-com:vml" Requires="v">
+                <p:oleObj spid="_x0000_s2062" name="Image" r:id="rId4" imgW="8622000" imgH="2666520" progId="Photoshop.Image.15">
+                  <p:embed/>
+                </p:oleObj>
+              </mc:Choice>
+              <mc:Fallback>
+                <p:oleObj name="Image" r:id="rId4" imgW="8622000" imgH="2666520" progId="Photoshop.Image.15">
+                  <p:embed/>
+                  <p:pic>
+                    <p:nvPicPr>
+                      <p:cNvPr id="0" name=""/>
+                      <p:cNvPicPr/>
+                      <p:nvPr/>
+                    </p:nvPicPr>
+                    <p:blipFill>
+                      <a:blip r:embed="rId5"/>
+                      <a:stretch>
+                        <a:fillRect/>
+                      </a:stretch>
+                    </p:blipFill>
+                    <p:spPr>
+                      <a:xfrm>
+                        <a:off x="1732755" y="3371768"/>
+                        <a:ext cx="8621712" cy="2667000"/>
+                      </a:xfrm>
+                      <a:prstGeom prst="rect">
+                        <a:avLst/>
+                      </a:prstGeom>
+                    </p:spPr>
+                  </p:pic>
+                </p:oleObj>
+              </mc:Fallback>
+            </mc:AlternateContent>
+          </a:graphicData>
+        </a:graphic>
+      </p:graphicFrame>
+      <p:sp>
+        <p:nvSpPr>
+          <p:cNvPr id="23" name="CuadroTexto 22"/>
+          <p:cNvSpPr txBox="1"/>
+          <p:nvPr/>
+        </p:nvSpPr>
+        <p:spPr>
+          <a:xfrm>
+            <a:off x="2846982" y="1920018"/>
+            <a:ext cx="1180277" cy="369332"/>
+          </a:xfrm>
+          <a:prstGeom prst="rect">
+            <a:avLst/>
+          </a:prstGeom>
+          <a:noFill/>
+        </p:spPr>
+        <p:txBody>
+          <a:bodyPr wrap="square" rtlCol="0">
+            <a:spAutoFit/>
+          </a:bodyPr>
+          <a:lstStyle/>
+          <a:p>
+            <a:r>
+              <a:rPr lang="es-ES" b="1" dirty="0" smtClean="0">
+                <a:solidFill>
+                  <a:srgbClr val="00B050"/>
+                </a:solidFill>
+              </a:rPr>
+              <a:t>Texture01</a:t>
+            </a:r>
+            <a:r>
+              <a:rPr lang="es-ES" dirty="0" smtClean="0"/>
+              <a:t>;</a:t>
+            </a:r>
+            <a:endParaRPr lang="es-ES" dirty="0"/>
+          </a:p>
+        </p:txBody>
+      </p:sp>
+      <p:sp>
+        <p:nvSpPr>
+          <p:cNvPr id="24" name="CuadroTexto 23"/>
+          <p:cNvSpPr txBox="1"/>
+          <p:nvPr/>
+        </p:nvSpPr>
+        <p:spPr>
+          <a:xfrm>
+            <a:off x="1447938" y="5869964"/>
+            <a:ext cx="1519303" cy="369332"/>
+          </a:xfrm>
+          <a:prstGeom prst="rect">
+            <a:avLst/>
+          </a:prstGeom>
+          <a:noFill/>
+        </p:spPr>
+        <p:txBody>
+          <a:bodyPr wrap="square" rtlCol="0">
+            <a:spAutoFit/>
+          </a:bodyPr>
+          <a:lstStyle/>
+          <a:p>
+            <a:r>
+              <a:rPr lang="es-ES" b="1" dirty="0" smtClean="0">
+                <a:solidFill>
+                  <a:srgbClr val="00B050"/>
+                </a:solidFill>
+              </a:rPr>
+              <a:t>ConstFloat01</a:t>
+            </a:r>
+            <a:r>
+              <a:rPr lang="es-ES" dirty="0" smtClean="0"/>
+              <a:t>;</a:t>
+            </a:r>
+            <a:endParaRPr lang="es-ES" dirty="0"/>
+          </a:p>
+        </p:txBody>
+      </p:sp>
       <p:sp>
         <p:nvSpPr>
           <p:cNvPr id="2" name="Título 1"/>
@@ -9843,6 +10407,725 @@
               <a:rPr lang="es-ES" b="1" dirty="0" smtClean="0"/>
               <a:t>Resolución del grafo</a:t>
             </a:r>
+          </a:p>
+        </p:txBody>
+      </p:sp>
+      <p:sp>
+        <p:nvSpPr>
+          <p:cNvPr id="4" name="Marcador de número de diapositiva 3"/>
+          <p:cNvSpPr>
+            <a:spLocks noGrp="1"/>
+          </p:cNvSpPr>
+          <p:nvPr>
+            <p:ph type="sldNum" sz="quarter" idx="12"/>
+          </p:nvPr>
+        </p:nvSpPr>
+        <p:spPr/>
+        <p:txBody>
+          <a:bodyPr/>
+          <a:lstStyle/>
+          <a:p>
+            <a:fld id="{4FAB73BC-B049-4115-A692-8D63A059BFB8}" type="slidenum">
+              <a:rPr lang="en-US" smtClean="0"/>
+              <a:t>16</a:t>
+            </a:fld>
+            <a:endParaRPr lang="en-US" dirty="0"/>
+          </a:p>
+        </p:txBody>
+      </p:sp>
+      <p:sp>
+        <p:nvSpPr>
+          <p:cNvPr id="7" name="CuadroTexto 6"/>
+          <p:cNvSpPr txBox="1"/>
+          <p:nvPr/>
+        </p:nvSpPr>
+        <p:spPr>
+          <a:xfrm>
+            <a:off x="8763926" y="1779798"/>
+            <a:ext cx="3428074" cy="1754326"/>
+          </a:xfrm>
+          <a:prstGeom prst="rect">
+            <a:avLst/>
+          </a:prstGeom>
+          <a:noFill/>
+        </p:spPr>
+        <p:txBody>
+          <a:bodyPr wrap="square" rtlCol="0">
+            <a:spAutoFit/>
+          </a:bodyPr>
+          <a:lstStyle/>
+          <a:p>
+            <a:r>
+              <a:rPr lang="es-ES" dirty="0" err="1" smtClean="0"/>
+              <a:t>void</a:t>
+            </a:r>
+            <a:r>
+              <a:rPr lang="es-ES" dirty="0" smtClean="0"/>
+              <a:t> main() </a:t>
+            </a:r>
+          </a:p>
+          <a:p>
+            <a:r>
+              <a:rPr lang="es-ES" dirty="0" smtClean="0"/>
+              <a:t>{</a:t>
+            </a:r>
+          </a:p>
+          <a:p>
+            <a:r>
+              <a:rPr lang="es-ES" dirty="0" smtClean="0"/>
+              <a:t>	vec4 </a:t>
+            </a:r>
+            <a:r>
+              <a:rPr lang="es-ES" dirty="0" err="1" smtClean="0"/>
+              <a:t>colorBase</a:t>
+            </a:r>
+            <a:r>
+              <a:rPr lang="es-ES" dirty="0"/>
+              <a:t> </a:t>
+            </a:r>
+            <a:r>
+              <a:rPr lang="es-ES" dirty="0" smtClean="0"/>
+              <a:t>=                      ;</a:t>
+            </a:r>
+          </a:p>
+          <a:p>
+            <a:r>
+              <a:rPr lang="es-ES" dirty="0" smtClean="0"/>
+              <a:t>	</a:t>
+            </a:r>
+          </a:p>
+          <a:p>
+            <a:r>
+              <a:rPr lang="es-ES" dirty="0" smtClean="0"/>
+              <a:t>	// mas operaciones aquí</a:t>
+            </a:r>
+          </a:p>
+          <a:p>
+            <a:r>
+              <a:rPr lang="es-ES" dirty="0" smtClean="0"/>
+              <a:t>}</a:t>
+            </a:r>
+            <a:endParaRPr lang="es-ES" dirty="0"/>
+          </a:p>
+        </p:txBody>
+      </p:sp>
+      <p:sp>
+        <p:nvSpPr>
+          <p:cNvPr id="8" name="CuadroTexto 7"/>
+          <p:cNvSpPr txBox="1"/>
+          <p:nvPr/>
+        </p:nvSpPr>
+        <p:spPr>
+          <a:xfrm>
+            <a:off x="10932241" y="2334290"/>
+            <a:ext cx="1145459" cy="369332"/>
+          </a:xfrm>
+          <a:prstGeom prst="rect">
+            <a:avLst/>
+          </a:prstGeom>
+          <a:noFill/>
+        </p:spPr>
+        <p:txBody>
+          <a:bodyPr wrap="square" rtlCol="0">
+            <a:spAutoFit/>
+          </a:bodyPr>
+          <a:lstStyle/>
+          <a:p>
+            <a:r>
+              <a:rPr lang="es-ES" b="1" dirty="0" smtClean="0">
+                <a:solidFill>
+                  <a:srgbClr val="FFC000"/>
+                </a:solidFill>
+              </a:rPr>
+              <a:t>?????????</a:t>
+            </a:r>
+            <a:endParaRPr lang="es-ES" b="1" dirty="0">
+              <a:solidFill>
+                <a:srgbClr val="FFC000"/>
+              </a:solidFill>
+            </a:endParaRPr>
+          </a:p>
+        </p:txBody>
+      </p:sp>
+      <p:sp>
+        <p:nvSpPr>
+          <p:cNvPr id="9" name="CuadroTexto 8"/>
+          <p:cNvSpPr txBox="1"/>
+          <p:nvPr/>
+        </p:nvSpPr>
+        <p:spPr>
+          <a:xfrm>
+            <a:off x="5186154" y="1865420"/>
+            <a:ext cx="3313774" cy="1754326"/>
+          </a:xfrm>
+          <a:prstGeom prst="rect">
+            <a:avLst/>
+          </a:prstGeom>
+          <a:noFill/>
+        </p:spPr>
+        <p:txBody>
+          <a:bodyPr wrap="square" rtlCol="0">
+            <a:spAutoFit/>
+          </a:bodyPr>
+          <a:lstStyle/>
+          <a:p>
+            <a:r>
+              <a:rPr lang="es-ES" dirty="0" smtClean="0"/>
+              <a:t>vec4                    () </a:t>
+            </a:r>
+          </a:p>
+          <a:p>
+            <a:r>
+              <a:rPr lang="es-ES" dirty="0" smtClean="0"/>
+              <a:t>{</a:t>
+            </a:r>
+          </a:p>
+          <a:p>
+            <a:r>
+              <a:rPr lang="es-ES" dirty="0" smtClean="0"/>
+              <a:t>	vec4 X = </a:t>
+            </a:r>
+          </a:p>
+          <a:p>
+            <a:r>
+              <a:rPr lang="es-ES" dirty="0"/>
+              <a:t>	vec4 Y</a:t>
+            </a:r>
+            <a:r>
+              <a:rPr lang="es-ES" dirty="0" smtClean="0"/>
+              <a:t> </a:t>
+            </a:r>
+            <a:r>
+              <a:rPr lang="es-ES" dirty="0"/>
+              <a:t>= </a:t>
+            </a:r>
+            <a:r>
+              <a:rPr lang="es-ES" dirty="0" smtClean="0"/>
+              <a:t>	</a:t>
+            </a:r>
+          </a:p>
+          <a:p>
+            <a:r>
+              <a:rPr lang="es-ES" dirty="0" smtClean="0"/>
+              <a:t>	</a:t>
+            </a:r>
+            <a:r>
+              <a:rPr lang="es-ES" dirty="0" err="1" smtClean="0"/>
+              <a:t>return</a:t>
+            </a:r>
+            <a:r>
+              <a:rPr lang="es-ES" dirty="0" smtClean="0"/>
+              <a:t> X * Y;</a:t>
+            </a:r>
+          </a:p>
+          <a:p>
+            <a:r>
+              <a:rPr lang="es-ES" dirty="0" smtClean="0"/>
+              <a:t>}</a:t>
+            </a:r>
+            <a:endParaRPr lang="es-ES" dirty="0"/>
+          </a:p>
+        </p:txBody>
+      </p:sp>
+      <p:sp>
+        <p:nvSpPr>
+          <p:cNvPr id="10" name="CuadroTexto 9"/>
+          <p:cNvSpPr txBox="1"/>
+          <p:nvPr/>
+        </p:nvSpPr>
+        <p:spPr>
+          <a:xfrm>
+            <a:off x="5689599" y="1851615"/>
+            <a:ext cx="1277257" cy="369332"/>
+          </a:xfrm>
+          <a:prstGeom prst="rect">
+            <a:avLst/>
+          </a:prstGeom>
+          <a:noFill/>
+        </p:spPr>
+        <p:txBody>
+          <a:bodyPr wrap="square" rtlCol="0">
+            <a:spAutoFit/>
+          </a:bodyPr>
+          <a:lstStyle/>
+          <a:p>
+            <a:r>
+              <a:rPr lang="es-ES" b="1" dirty="0" smtClean="0">
+                <a:solidFill>
+                  <a:srgbClr val="FFC000"/>
+                </a:solidFill>
+              </a:rPr>
+              <a:t>?????????</a:t>
+            </a:r>
+            <a:endParaRPr lang="es-ES" b="1" dirty="0">
+              <a:solidFill>
+                <a:srgbClr val="FFC000"/>
+              </a:solidFill>
+            </a:endParaRPr>
+          </a:p>
+        </p:txBody>
+      </p:sp>
+      <p:sp>
+        <p:nvSpPr>
+          <p:cNvPr id="11" name="CuadroTexto 10"/>
+          <p:cNvSpPr txBox="1"/>
+          <p:nvPr/>
+        </p:nvSpPr>
+        <p:spPr>
+          <a:xfrm>
+            <a:off x="6402511" y="2429165"/>
+            <a:ext cx="1277257" cy="369332"/>
+          </a:xfrm>
+          <a:prstGeom prst="rect">
+            <a:avLst/>
+          </a:prstGeom>
+          <a:noFill/>
+        </p:spPr>
+        <p:txBody>
+          <a:bodyPr wrap="square" rtlCol="0">
+            <a:spAutoFit/>
+          </a:bodyPr>
+          <a:lstStyle/>
+          <a:p>
+            <a:r>
+              <a:rPr lang="es-ES" b="1" dirty="0" smtClean="0">
+                <a:solidFill>
+                  <a:srgbClr val="00B050"/>
+                </a:solidFill>
+              </a:rPr>
+              <a:t>?????????</a:t>
+            </a:r>
+            <a:endParaRPr lang="es-ES" b="1" dirty="0">
+              <a:solidFill>
+                <a:srgbClr val="00B050"/>
+              </a:solidFill>
+            </a:endParaRPr>
+          </a:p>
+        </p:txBody>
+      </p:sp>
+      <p:sp>
+        <p:nvSpPr>
+          <p:cNvPr id="12" name="CuadroTexto 11"/>
+          <p:cNvSpPr txBox="1"/>
+          <p:nvPr/>
+        </p:nvSpPr>
+        <p:spPr>
+          <a:xfrm>
+            <a:off x="6392915" y="2688832"/>
+            <a:ext cx="1277257" cy="369332"/>
+          </a:xfrm>
+          <a:prstGeom prst="rect">
+            <a:avLst/>
+          </a:prstGeom>
+          <a:noFill/>
+        </p:spPr>
+        <p:txBody>
+          <a:bodyPr wrap="square" rtlCol="0">
+            <a:spAutoFit/>
+          </a:bodyPr>
+          <a:lstStyle/>
+          <a:p>
+            <a:r>
+              <a:rPr lang="es-ES" b="1" dirty="0" smtClean="0">
+                <a:solidFill>
+                  <a:srgbClr val="00B050"/>
+                </a:solidFill>
+              </a:rPr>
+              <a:t>?????????</a:t>
+            </a:r>
+            <a:endParaRPr lang="es-ES" b="1" dirty="0">
+              <a:solidFill>
+                <a:srgbClr val="00B050"/>
+              </a:solidFill>
+            </a:endParaRPr>
+          </a:p>
+        </p:txBody>
+      </p:sp>
+      <p:sp>
+        <p:nvSpPr>
+          <p:cNvPr id="13" name="CuadroTexto 12"/>
+          <p:cNvSpPr txBox="1"/>
+          <p:nvPr/>
+        </p:nvSpPr>
+        <p:spPr>
+          <a:xfrm>
+            <a:off x="986325" y="1914831"/>
+            <a:ext cx="2235846" cy="369332"/>
+          </a:xfrm>
+          <a:prstGeom prst="rect">
+            <a:avLst/>
+          </a:prstGeom>
+          <a:noFill/>
+        </p:spPr>
+        <p:txBody>
+          <a:bodyPr wrap="square" rtlCol="0">
+            <a:spAutoFit/>
+          </a:bodyPr>
+          <a:lstStyle/>
+          <a:p>
+            <a:r>
+              <a:rPr lang="es-ES" dirty="0" err="1"/>
+              <a:t>uniform</a:t>
+            </a:r>
+            <a:r>
+              <a:rPr lang="es-ES" dirty="0"/>
+              <a:t> </a:t>
+            </a:r>
+            <a:r>
+              <a:rPr lang="es-ES" dirty="0" smtClean="0"/>
+              <a:t>sampler2D</a:t>
+            </a:r>
+            <a:endParaRPr lang="es-ES" dirty="0"/>
+          </a:p>
+        </p:txBody>
+      </p:sp>
+      <p:sp>
+        <p:nvSpPr>
+          <p:cNvPr id="14" name="CuadroTexto 13"/>
+          <p:cNvSpPr txBox="1"/>
+          <p:nvPr/>
+        </p:nvSpPr>
+        <p:spPr>
+          <a:xfrm>
+            <a:off x="2843448" y="1930974"/>
+            <a:ext cx="1277257" cy="369332"/>
+          </a:xfrm>
+          <a:prstGeom prst="rect">
+            <a:avLst/>
+          </a:prstGeom>
+          <a:noFill/>
+        </p:spPr>
+        <p:txBody>
+          <a:bodyPr wrap="square" rtlCol="0">
+            <a:spAutoFit/>
+          </a:bodyPr>
+          <a:lstStyle/>
+          <a:p>
+            <a:r>
+              <a:rPr lang="es-ES" b="1" dirty="0" smtClean="0">
+                <a:solidFill>
+                  <a:srgbClr val="00B050"/>
+                </a:solidFill>
+              </a:rPr>
+              <a:t>?????????</a:t>
+            </a:r>
+            <a:r>
+              <a:rPr lang="es-ES" dirty="0" smtClean="0"/>
+              <a:t>;</a:t>
+            </a:r>
+            <a:endParaRPr lang="es-ES" dirty="0"/>
+          </a:p>
+        </p:txBody>
+      </p:sp>
+      <p:sp>
+        <p:nvSpPr>
+          <p:cNvPr id="15" name="Rectángulo 14"/>
+          <p:cNvSpPr/>
+          <p:nvPr/>
+        </p:nvSpPr>
+        <p:spPr>
+          <a:xfrm>
+            <a:off x="8763926" y="4121761"/>
+            <a:ext cx="1875358" cy="2101991"/>
+          </a:xfrm>
+          <a:prstGeom prst="rect">
+            <a:avLst/>
+          </a:prstGeom>
+          <a:noFill/>
+          <a:ln w="38100">
+            <a:solidFill>
+              <a:schemeClr val="accent1">
+                <a:lumMod val="75000"/>
+              </a:schemeClr>
+            </a:solidFill>
+          </a:ln>
+          <a:effectLst/>
+        </p:spPr>
+        <p:style>
+          <a:lnRef idx="2">
+            <a:schemeClr val="accent1">
+              <a:shade val="50000"/>
+            </a:schemeClr>
+          </a:lnRef>
+          <a:fillRef idx="1">
+            <a:schemeClr val="accent1"/>
+          </a:fillRef>
+          <a:effectRef idx="0">
+            <a:schemeClr val="accent1"/>
+          </a:effectRef>
+          <a:fontRef idx="minor">
+            <a:schemeClr val="lt1"/>
+          </a:fontRef>
+        </p:style>
+        <p:txBody>
+          <a:bodyPr rtlCol="0" anchor="ctr"/>
+          <a:lstStyle/>
+          <a:p>
+            <a:pPr algn="ctr"/>
+            <a:endParaRPr lang="es-ES" b="1">
+              <a:ln w="10160">
+                <a:solidFill>
+                  <a:schemeClr val="accent5"/>
+                </a:solidFill>
+                <a:prstDash val="solid"/>
+              </a:ln>
+              <a:solidFill>
+                <a:srgbClr val="FFFFFF"/>
+              </a:solidFill>
+              <a:effectLst>
+                <a:outerShdw blurRad="38100" dist="22860" dir="5400000" algn="tl" rotWithShape="0">
+                  <a:srgbClr val="000000">
+                    <a:alpha val="30000"/>
+                  </a:srgbClr>
+                </a:outerShdw>
+              </a:effectLst>
+            </a:endParaRPr>
+          </a:p>
+        </p:txBody>
+      </p:sp>
+      <p:sp>
+        <p:nvSpPr>
+          <p:cNvPr id="16" name="Rectángulo 15"/>
+          <p:cNvSpPr/>
+          <p:nvPr/>
+        </p:nvSpPr>
+        <p:spPr>
+          <a:xfrm>
+            <a:off x="5186154" y="3651102"/>
+            <a:ext cx="1875358" cy="2101991"/>
+          </a:xfrm>
+          <a:prstGeom prst="rect">
+            <a:avLst/>
+          </a:prstGeom>
+          <a:noFill/>
+          <a:ln w="38100">
+            <a:solidFill>
+              <a:schemeClr val="accent1">
+                <a:lumMod val="75000"/>
+              </a:schemeClr>
+            </a:solidFill>
+          </a:ln>
+          <a:effectLst/>
+        </p:spPr>
+        <p:style>
+          <a:lnRef idx="2">
+            <a:schemeClr val="accent1">
+              <a:shade val="50000"/>
+            </a:schemeClr>
+          </a:lnRef>
+          <a:fillRef idx="1">
+            <a:schemeClr val="accent1"/>
+          </a:fillRef>
+          <a:effectRef idx="0">
+            <a:schemeClr val="accent1"/>
+          </a:effectRef>
+          <a:fontRef idx="minor">
+            <a:schemeClr val="lt1"/>
+          </a:fontRef>
+        </p:style>
+        <p:txBody>
+          <a:bodyPr rtlCol="0" anchor="ctr"/>
+          <a:lstStyle/>
+          <a:p>
+            <a:pPr algn="ctr"/>
+            <a:endParaRPr lang="es-ES" b="1">
+              <a:ln w="10160">
+                <a:solidFill>
+                  <a:schemeClr val="accent5"/>
+                </a:solidFill>
+                <a:prstDash val="solid"/>
+              </a:ln>
+              <a:solidFill>
+                <a:srgbClr val="FFFFFF"/>
+              </a:solidFill>
+              <a:effectLst>
+                <a:outerShdw blurRad="38100" dist="22860" dir="5400000" algn="tl" rotWithShape="0">
+                  <a:srgbClr val="000000">
+                    <a:alpha val="30000"/>
+                  </a:srgbClr>
+                </a:outerShdw>
+              </a:effectLst>
+            </a:endParaRPr>
+          </a:p>
+        </p:txBody>
+      </p:sp>
+      <p:sp>
+        <p:nvSpPr>
+          <p:cNvPr id="17" name="Rectángulo 16"/>
+          <p:cNvSpPr/>
+          <p:nvPr/>
+        </p:nvSpPr>
+        <p:spPr>
+          <a:xfrm>
+            <a:off x="1447938" y="3070765"/>
+            <a:ext cx="1875358" cy="2101991"/>
+          </a:xfrm>
+          <a:prstGeom prst="rect">
+            <a:avLst/>
+          </a:prstGeom>
+          <a:noFill/>
+          <a:ln w="38100">
+            <a:solidFill>
+              <a:schemeClr val="accent1">
+                <a:lumMod val="75000"/>
+              </a:schemeClr>
+            </a:solidFill>
+          </a:ln>
+          <a:effectLst/>
+        </p:spPr>
+        <p:style>
+          <a:lnRef idx="2">
+            <a:schemeClr val="accent1">
+              <a:shade val="50000"/>
+            </a:schemeClr>
+          </a:lnRef>
+          <a:fillRef idx="1">
+            <a:schemeClr val="accent1"/>
+          </a:fillRef>
+          <a:effectRef idx="0">
+            <a:schemeClr val="accent1"/>
+          </a:effectRef>
+          <a:fontRef idx="minor">
+            <a:schemeClr val="lt1"/>
+          </a:fontRef>
+        </p:style>
+        <p:txBody>
+          <a:bodyPr rtlCol="0" anchor="ctr"/>
+          <a:lstStyle/>
+          <a:p>
+            <a:pPr algn="ctr"/>
+            <a:endParaRPr lang="es-ES" b="1">
+              <a:ln w="10160">
+                <a:solidFill>
+                  <a:schemeClr val="accent5"/>
+                </a:solidFill>
+                <a:prstDash val="solid"/>
+              </a:ln>
+              <a:solidFill>
+                <a:srgbClr val="FFFFFF"/>
+              </a:solidFill>
+              <a:effectLst>
+                <a:outerShdw blurRad="38100" dist="22860" dir="5400000" algn="tl" rotWithShape="0">
+                  <a:srgbClr val="000000">
+                    <a:alpha val="30000"/>
+                  </a:srgbClr>
+                </a:outerShdw>
+              </a:effectLst>
+            </a:endParaRPr>
+          </a:p>
+        </p:txBody>
+      </p:sp>
+      <p:sp>
+        <p:nvSpPr>
+          <p:cNvPr id="18" name="CuadroTexto 17"/>
+          <p:cNvSpPr txBox="1"/>
+          <p:nvPr/>
+        </p:nvSpPr>
+        <p:spPr>
+          <a:xfrm>
+            <a:off x="5706740" y="1867269"/>
+            <a:ext cx="1183010" cy="369332"/>
+          </a:xfrm>
+          <a:prstGeom prst="rect">
+            <a:avLst/>
+          </a:prstGeom>
+          <a:noFill/>
+        </p:spPr>
+        <p:txBody>
+          <a:bodyPr wrap="square" rtlCol="0">
+            <a:spAutoFit/>
+          </a:bodyPr>
+          <a:lstStyle/>
+          <a:p>
+            <a:r>
+              <a:rPr lang="es-ES" b="1" dirty="0" smtClean="0">
+                <a:solidFill>
+                  <a:srgbClr val="FFC000"/>
+                </a:solidFill>
+              </a:rPr>
+              <a:t>Multiply01</a:t>
+            </a:r>
+            <a:endParaRPr lang="es-ES" b="1" dirty="0">
+              <a:solidFill>
+                <a:srgbClr val="FFC000"/>
+              </a:solidFill>
+            </a:endParaRPr>
+          </a:p>
+        </p:txBody>
+      </p:sp>
+      <p:sp>
+        <p:nvSpPr>
+          <p:cNvPr id="19" name="CuadroTexto 18"/>
+          <p:cNvSpPr txBox="1"/>
+          <p:nvPr/>
+        </p:nvSpPr>
+        <p:spPr>
+          <a:xfrm>
+            <a:off x="2864620" y="1913142"/>
+            <a:ext cx="1180277" cy="369332"/>
+          </a:xfrm>
+          <a:prstGeom prst="rect">
+            <a:avLst/>
+          </a:prstGeom>
+          <a:noFill/>
+        </p:spPr>
+        <p:txBody>
+          <a:bodyPr wrap="square" rtlCol="0">
+            <a:spAutoFit/>
+          </a:bodyPr>
+          <a:lstStyle/>
+          <a:p>
+            <a:r>
+              <a:rPr lang="es-ES" b="1" dirty="0" smtClean="0">
+                <a:solidFill>
+                  <a:srgbClr val="00B050"/>
+                </a:solidFill>
+              </a:rPr>
+              <a:t>Texture01</a:t>
+            </a:r>
+            <a:r>
+              <a:rPr lang="es-ES" dirty="0" smtClean="0"/>
+              <a:t>;</a:t>
+            </a:r>
+            <a:endParaRPr lang="es-ES" dirty="0"/>
+          </a:p>
+        </p:txBody>
+      </p:sp>
+      <p:sp>
+        <p:nvSpPr>
+          <p:cNvPr id="25" name="CuadroTexto 24"/>
+          <p:cNvSpPr txBox="1"/>
+          <p:nvPr/>
+        </p:nvSpPr>
+        <p:spPr>
+          <a:xfrm>
+            <a:off x="5706740" y="1867269"/>
+            <a:ext cx="1183010" cy="369332"/>
+          </a:xfrm>
+          <a:prstGeom prst="rect">
+            <a:avLst/>
+          </a:prstGeom>
+          <a:noFill/>
+        </p:spPr>
+        <p:txBody>
+          <a:bodyPr wrap="square" rtlCol="0">
+            <a:spAutoFit/>
+          </a:bodyPr>
+          <a:lstStyle/>
+          <a:p>
+            <a:r>
+              <a:rPr lang="es-ES" b="1" dirty="0" smtClean="0">
+                <a:solidFill>
+                  <a:srgbClr val="FFC000"/>
+                </a:solidFill>
+              </a:rPr>
+              <a:t>Multiply01</a:t>
+            </a:r>
+            <a:endParaRPr lang="es-ES" b="1" dirty="0">
+              <a:solidFill>
+                <a:srgbClr val="FFC000"/>
+              </a:solidFill>
+            </a:endParaRPr>
           </a:p>
         </p:txBody>
       </p:sp>
@@ -9859,9 +11142,2043 @@
   <p:timing>
     <p:tnLst>
       <p:par>
-        <p:cTn id="1" dur="indefinite" restart="never" nodeType="tmRoot"/>
+        <p:cTn id="1" dur="indefinite" restart="never" nodeType="tmRoot">
+          <p:childTnLst>
+            <p:seq concurrent="1" nextAc="seek">
+              <p:cTn id="2" dur="indefinite" nodeType="mainSeq">
+                <p:childTnLst>
+                  <p:par>
+                    <p:cTn id="3" fill="hold">
+                      <p:stCondLst>
+                        <p:cond delay="indefinite"/>
+                      </p:stCondLst>
+                      <p:childTnLst>
+                        <p:par>
+                          <p:cTn id="4" fill="hold">
+                            <p:stCondLst>
+                              <p:cond delay="0"/>
+                            </p:stCondLst>
+                            <p:childTnLst>
+                              <p:par>
+                                <p:cTn id="5" presetID="10" presetClass="exit" presetSubtype="0" fill="hold" grpId="0" nodeType="clickEffect">
+                                  <p:stCondLst>
+                                    <p:cond delay="0"/>
+                                  </p:stCondLst>
+                                  <p:childTnLst>
+                                    <p:animEffect transition="out" filter="fade">
+                                      <p:cBhvr>
+                                        <p:cTn id="6" dur="500"/>
+                                        <p:tgtEl>
+                                          <p:spTgt spid="3">
+                                            <p:txEl>
+                                              <p:pRg st="0" end="0"/>
+                                            </p:txEl>
+                                          </p:spTgt>
+                                        </p:tgtEl>
+                                      </p:cBhvr>
+                                    </p:animEffect>
+                                    <p:set>
+                                      <p:cBhvr>
+                                        <p:cTn id="7" dur="1" fill="hold">
+                                          <p:stCondLst>
+                                            <p:cond delay="499"/>
+                                          </p:stCondLst>
+                                        </p:cTn>
+                                        <p:tgtEl>
+                                          <p:spTgt spid="3">
+                                            <p:txEl>
+                                              <p:pRg st="0" end="0"/>
+                                            </p:txEl>
+                                          </p:spTgt>
+                                        </p:tgtEl>
+                                        <p:attrNameLst>
+                                          <p:attrName>style.visibility</p:attrName>
+                                        </p:attrNameLst>
+                                      </p:cBhvr>
+                                      <p:to>
+                                        <p:strVal val="hidden"/>
+                                      </p:to>
+                                    </p:set>
+                                  </p:childTnLst>
+                                </p:cTn>
+                              </p:par>
+                              <p:par>
+                                <p:cTn id="8" presetID="10" presetClass="exit" presetSubtype="0" fill="hold" grpId="0" nodeType="withEffect">
+                                  <p:stCondLst>
+                                    <p:cond delay="0"/>
+                                  </p:stCondLst>
+                                  <p:childTnLst>
+                                    <p:animEffect transition="out" filter="fade">
+                                      <p:cBhvr>
+                                        <p:cTn id="9" dur="500"/>
+                                        <p:tgtEl>
+                                          <p:spTgt spid="2"/>
+                                        </p:tgtEl>
+                                      </p:cBhvr>
+                                    </p:animEffect>
+                                    <p:set>
+                                      <p:cBhvr>
+                                        <p:cTn id="10" dur="1" fill="hold">
+                                          <p:stCondLst>
+                                            <p:cond delay="499"/>
+                                          </p:stCondLst>
+                                        </p:cTn>
+                                        <p:tgtEl>
+                                          <p:spTgt spid="2"/>
+                                        </p:tgtEl>
+                                        <p:attrNameLst>
+                                          <p:attrName>style.visibility</p:attrName>
+                                        </p:attrNameLst>
+                                      </p:cBhvr>
+                                      <p:to>
+                                        <p:strVal val="hidden"/>
+                                      </p:to>
+                                    </p:set>
+                                  </p:childTnLst>
+                                </p:cTn>
+                              </p:par>
+                            </p:childTnLst>
+                          </p:cTn>
+                        </p:par>
+                      </p:childTnLst>
+                    </p:cTn>
+                  </p:par>
+                  <p:par>
+                    <p:cTn id="11" fill="hold">
+                      <p:stCondLst>
+                        <p:cond delay="indefinite"/>
+                      </p:stCondLst>
+                      <p:childTnLst>
+                        <p:par>
+                          <p:cTn id="12" fill="hold">
+                            <p:stCondLst>
+                              <p:cond delay="0"/>
+                            </p:stCondLst>
+                            <p:childTnLst>
+                              <p:par>
+                                <p:cTn id="13" presetID="42" presetClass="entr" presetSubtype="0" fill="hold" grpId="0" nodeType="clickEffect">
+                                  <p:stCondLst>
+                                    <p:cond delay="0"/>
+                                  </p:stCondLst>
+                                  <p:childTnLst>
+                                    <p:set>
+                                      <p:cBhvr>
+                                        <p:cTn id="14" dur="1" fill="hold">
+                                          <p:stCondLst>
+                                            <p:cond delay="0"/>
+                                          </p:stCondLst>
+                                        </p:cTn>
+                                        <p:tgtEl>
+                                          <p:spTgt spid="7"/>
+                                        </p:tgtEl>
+                                        <p:attrNameLst>
+                                          <p:attrName>style.visibility</p:attrName>
+                                        </p:attrNameLst>
+                                      </p:cBhvr>
+                                      <p:to>
+                                        <p:strVal val="visible"/>
+                                      </p:to>
+                                    </p:set>
+                                    <p:animEffect transition="in" filter="fade">
+                                      <p:cBhvr>
+                                        <p:cTn id="15" dur="1000"/>
+                                        <p:tgtEl>
+                                          <p:spTgt spid="7"/>
+                                        </p:tgtEl>
+                                      </p:cBhvr>
+                                    </p:animEffect>
+                                    <p:anim calcmode="lin" valueType="num">
+                                      <p:cBhvr>
+                                        <p:cTn id="16" dur="1000" fill="hold"/>
+                                        <p:tgtEl>
+                                          <p:spTgt spid="7"/>
+                                        </p:tgtEl>
+                                        <p:attrNameLst>
+                                          <p:attrName>ppt_x</p:attrName>
+                                        </p:attrNameLst>
+                                      </p:cBhvr>
+                                      <p:tavLst>
+                                        <p:tav tm="0">
+                                          <p:val>
+                                            <p:strVal val="#ppt_x"/>
+                                          </p:val>
+                                        </p:tav>
+                                        <p:tav tm="100000">
+                                          <p:val>
+                                            <p:strVal val="#ppt_x"/>
+                                          </p:val>
+                                        </p:tav>
+                                      </p:tavLst>
+                                    </p:anim>
+                                    <p:anim calcmode="lin" valueType="num">
+                                      <p:cBhvr>
+                                        <p:cTn id="17" dur="1000" fill="hold"/>
+                                        <p:tgtEl>
+                                          <p:spTgt spid="7"/>
+                                        </p:tgtEl>
+                                        <p:attrNameLst>
+                                          <p:attrName>ppt_y</p:attrName>
+                                        </p:attrNameLst>
+                                      </p:cBhvr>
+                                      <p:tavLst>
+                                        <p:tav tm="0">
+                                          <p:val>
+                                            <p:strVal val="#ppt_y+.1"/>
+                                          </p:val>
+                                        </p:tav>
+                                        <p:tav tm="100000">
+                                          <p:val>
+                                            <p:strVal val="#ppt_y"/>
+                                          </p:val>
+                                        </p:tav>
+                                      </p:tavLst>
+                                    </p:anim>
+                                  </p:childTnLst>
+                                </p:cTn>
+                              </p:par>
+                              <p:par>
+                                <p:cTn id="18" presetID="42" presetClass="entr" presetSubtype="0" fill="hold" grpId="0" nodeType="withEffect">
+                                  <p:stCondLst>
+                                    <p:cond delay="0"/>
+                                  </p:stCondLst>
+                                  <p:childTnLst>
+                                    <p:set>
+                                      <p:cBhvr>
+                                        <p:cTn id="19" dur="1" fill="hold">
+                                          <p:stCondLst>
+                                            <p:cond delay="0"/>
+                                          </p:stCondLst>
+                                        </p:cTn>
+                                        <p:tgtEl>
+                                          <p:spTgt spid="8"/>
+                                        </p:tgtEl>
+                                        <p:attrNameLst>
+                                          <p:attrName>style.visibility</p:attrName>
+                                        </p:attrNameLst>
+                                      </p:cBhvr>
+                                      <p:to>
+                                        <p:strVal val="visible"/>
+                                      </p:to>
+                                    </p:set>
+                                    <p:animEffect transition="in" filter="fade">
+                                      <p:cBhvr>
+                                        <p:cTn id="20" dur="1000"/>
+                                        <p:tgtEl>
+                                          <p:spTgt spid="8"/>
+                                        </p:tgtEl>
+                                      </p:cBhvr>
+                                    </p:animEffect>
+                                    <p:anim calcmode="lin" valueType="num">
+                                      <p:cBhvr>
+                                        <p:cTn id="21" dur="1000" fill="hold"/>
+                                        <p:tgtEl>
+                                          <p:spTgt spid="8"/>
+                                        </p:tgtEl>
+                                        <p:attrNameLst>
+                                          <p:attrName>ppt_x</p:attrName>
+                                        </p:attrNameLst>
+                                      </p:cBhvr>
+                                      <p:tavLst>
+                                        <p:tav tm="0">
+                                          <p:val>
+                                            <p:strVal val="#ppt_x"/>
+                                          </p:val>
+                                        </p:tav>
+                                        <p:tav tm="100000">
+                                          <p:val>
+                                            <p:strVal val="#ppt_x"/>
+                                          </p:val>
+                                        </p:tav>
+                                      </p:tavLst>
+                                    </p:anim>
+                                    <p:anim calcmode="lin" valueType="num">
+                                      <p:cBhvr>
+                                        <p:cTn id="22" dur="1000" fill="hold"/>
+                                        <p:tgtEl>
+                                          <p:spTgt spid="8"/>
+                                        </p:tgtEl>
+                                        <p:attrNameLst>
+                                          <p:attrName>ppt_y</p:attrName>
+                                        </p:attrNameLst>
+                                      </p:cBhvr>
+                                      <p:tavLst>
+                                        <p:tav tm="0">
+                                          <p:val>
+                                            <p:strVal val="#ppt_y+.1"/>
+                                          </p:val>
+                                        </p:tav>
+                                        <p:tav tm="100000">
+                                          <p:val>
+                                            <p:strVal val="#ppt_y"/>
+                                          </p:val>
+                                        </p:tav>
+                                      </p:tavLst>
+                                    </p:anim>
+                                  </p:childTnLst>
+                                </p:cTn>
+                              </p:par>
+                              <p:par>
+                                <p:cTn id="23" presetID="42" presetClass="entr" presetSubtype="0" fill="hold" grpId="0" nodeType="withEffect">
+                                  <p:stCondLst>
+                                    <p:cond delay="0"/>
+                                  </p:stCondLst>
+                                  <p:childTnLst>
+                                    <p:set>
+                                      <p:cBhvr>
+                                        <p:cTn id="24" dur="1" fill="hold">
+                                          <p:stCondLst>
+                                            <p:cond delay="0"/>
+                                          </p:stCondLst>
+                                        </p:cTn>
+                                        <p:tgtEl>
+                                          <p:spTgt spid="15"/>
+                                        </p:tgtEl>
+                                        <p:attrNameLst>
+                                          <p:attrName>style.visibility</p:attrName>
+                                        </p:attrNameLst>
+                                      </p:cBhvr>
+                                      <p:to>
+                                        <p:strVal val="visible"/>
+                                      </p:to>
+                                    </p:set>
+                                    <p:animEffect transition="in" filter="fade">
+                                      <p:cBhvr>
+                                        <p:cTn id="25" dur="1000"/>
+                                        <p:tgtEl>
+                                          <p:spTgt spid="15"/>
+                                        </p:tgtEl>
+                                      </p:cBhvr>
+                                    </p:animEffect>
+                                    <p:anim calcmode="lin" valueType="num">
+                                      <p:cBhvr>
+                                        <p:cTn id="26" dur="1000" fill="hold"/>
+                                        <p:tgtEl>
+                                          <p:spTgt spid="15"/>
+                                        </p:tgtEl>
+                                        <p:attrNameLst>
+                                          <p:attrName>ppt_x</p:attrName>
+                                        </p:attrNameLst>
+                                      </p:cBhvr>
+                                      <p:tavLst>
+                                        <p:tav tm="0">
+                                          <p:val>
+                                            <p:strVal val="#ppt_x"/>
+                                          </p:val>
+                                        </p:tav>
+                                        <p:tav tm="100000">
+                                          <p:val>
+                                            <p:strVal val="#ppt_x"/>
+                                          </p:val>
+                                        </p:tav>
+                                      </p:tavLst>
+                                    </p:anim>
+                                    <p:anim calcmode="lin" valueType="num">
+                                      <p:cBhvr>
+                                        <p:cTn id="27" dur="1000" fill="hold"/>
+                                        <p:tgtEl>
+                                          <p:spTgt spid="15"/>
+                                        </p:tgtEl>
+                                        <p:attrNameLst>
+                                          <p:attrName>ppt_y</p:attrName>
+                                        </p:attrNameLst>
+                                      </p:cBhvr>
+                                      <p:tavLst>
+                                        <p:tav tm="0">
+                                          <p:val>
+                                            <p:strVal val="#ppt_y+.1"/>
+                                          </p:val>
+                                        </p:tav>
+                                        <p:tav tm="100000">
+                                          <p:val>
+                                            <p:strVal val="#ppt_y"/>
+                                          </p:val>
+                                        </p:tav>
+                                      </p:tavLst>
+                                    </p:anim>
+                                  </p:childTnLst>
+                                </p:cTn>
+                              </p:par>
+                            </p:childTnLst>
+                          </p:cTn>
+                        </p:par>
+                      </p:childTnLst>
+                    </p:cTn>
+                  </p:par>
+                  <p:par>
+                    <p:cTn id="28" fill="hold">
+                      <p:stCondLst>
+                        <p:cond delay="indefinite"/>
+                      </p:stCondLst>
+                      <p:childTnLst>
+                        <p:par>
+                          <p:cTn id="29" fill="hold">
+                            <p:stCondLst>
+                              <p:cond delay="0"/>
+                            </p:stCondLst>
+                            <p:childTnLst>
+                              <p:par>
+                                <p:cTn id="30" presetID="42" presetClass="entr" presetSubtype="0" fill="hold" grpId="0" nodeType="clickEffect">
+                                  <p:stCondLst>
+                                    <p:cond delay="0"/>
+                                  </p:stCondLst>
+                                  <p:childTnLst>
+                                    <p:set>
+                                      <p:cBhvr>
+                                        <p:cTn id="31" dur="1" fill="hold">
+                                          <p:stCondLst>
+                                            <p:cond delay="0"/>
+                                          </p:stCondLst>
+                                        </p:cTn>
+                                        <p:tgtEl>
+                                          <p:spTgt spid="9"/>
+                                        </p:tgtEl>
+                                        <p:attrNameLst>
+                                          <p:attrName>style.visibility</p:attrName>
+                                        </p:attrNameLst>
+                                      </p:cBhvr>
+                                      <p:to>
+                                        <p:strVal val="visible"/>
+                                      </p:to>
+                                    </p:set>
+                                    <p:animEffect transition="in" filter="fade">
+                                      <p:cBhvr>
+                                        <p:cTn id="32" dur="1000"/>
+                                        <p:tgtEl>
+                                          <p:spTgt spid="9"/>
+                                        </p:tgtEl>
+                                      </p:cBhvr>
+                                    </p:animEffect>
+                                    <p:anim calcmode="lin" valueType="num">
+                                      <p:cBhvr>
+                                        <p:cTn id="33" dur="1000" fill="hold"/>
+                                        <p:tgtEl>
+                                          <p:spTgt spid="9"/>
+                                        </p:tgtEl>
+                                        <p:attrNameLst>
+                                          <p:attrName>ppt_x</p:attrName>
+                                        </p:attrNameLst>
+                                      </p:cBhvr>
+                                      <p:tavLst>
+                                        <p:tav tm="0">
+                                          <p:val>
+                                            <p:strVal val="#ppt_x"/>
+                                          </p:val>
+                                        </p:tav>
+                                        <p:tav tm="100000">
+                                          <p:val>
+                                            <p:strVal val="#ppt_x"/>
+                                          </p:val>
+                                        </p:tav>
+                                      </p:tavLst>
+                                    </p:anim>
+                                    <p:anim calcmode="lin" valueType="num">
+                                      <p:cBhvr>
+                                        <p:cTn id="34" dur="1000" fill="hold"/>
+                                        <p:tgtEl>
+                                          <p:spTgt spid="9"/>
+                                        </p:tgtEl>
+                                        <p:attrNameLst>
+                                          <p:attrName>ppt_y</p:attrName>
+                                        </p:attrNameLst>
+                                      </p:cBhvr>
+                                      <p:tavLst>
+                                        <p:tav tm="0">
+                                          <p:val>
+                                            <p:strVal val="#ppt_y+.1"/>
+                                          </p:val>
+                                        </p:tav>
+                                        <p:tav tm="100000">
+                                          <p:val>
+                                            <p:strVal val="#ppt_y"/>
+                                          </p:val>
+                                        </p:tav>
+                                      </p:tavLst>
+                                    </p:anim>
+                                  </p:childTnLst>
+                                </p:cTn>
+                              </p:par>
+                              <p:par>
+                                <p:cTn id="35" presetID="42" presetClass="entr" presetSubtype="0" fill="hold" grpId="0" nodeType="withEffect">
+                                  <p:stCondLst>
+                                    <p:cond delay="0"/>
+                                  </p:stCondLst>
+                                  <p:childTnLst>
+                                    <p:set>
+                                      <p:cBhvr>
+                                        <p:cTn id="36" dur="1" fill="hold">
+                                          <p:stCondLst>
+                                            <p:cond delay="0"/>
+                                          </p:stCondLst>
+                                        </p:cTn>
+                                        <p:tgtEl>
+                                          <p:spTgt spid="10"/>
+                                        </p:tgtEl>
+                                        <p:attrNameLst>
+                                          <p:attrName>style.visibility</p:attrName>
+                                        </p:attrNameLst>
+                                      </p:cBhvr>
+                                      <p:to>
+                                        <p:strVal val="visible"/>
+                                      </p:to>
+                                    </p:set>
+                                    <p:animEffect transition="in" filter="fade">
+                                      <p:cBhvr>
+                                        <p:cTn id="37" dur="1000"/>
+                                        <p:tgtEl>
+                                          <p:spTgt spid="10"/>
+                                        </p:tgtEl>
+                                      </p:cBhvr>
+                                    </p:animEffect>
+                                    <p:anim calcmode="lin" valueType="num">
+                                      <p:cBhvr>
+                                        <p:cTn id="38" dur="1000" fill="hold"/>
+                                        <p:tgtEl>
+                                          <p:spTgt spid="10"/>
+                                        </p:tgtEl>
+                                        <p:attrNameLst>
+                                          <p:attrName>ppt_x</p:attrName>
+                                        </p:attrNameLst>
+                                      </p:cBhvr>
+                                      <p:tavLst>
+                                        <p:tav tm="0">
+                                          <p:val>
+                                            <p:strVal val="#ppt_x"/>
+                                          </p:val>
+                                        </p:tav>
+                                        <p:tav tm="100000">
+                                          <p:val>
+                                            <p:strVal val="#ppt_x"/>
+                                          </p:val>
+                                        </p:tav>
+                                      </p:tavLst>
+                                    </p:anim>
+                                    <p:anim calcmode="lin" valueType="num">
+                                      <p:cBhvr>
+                                        <p:cTn id="39" dur="1000" fill="hold"/>
+                                        <p:tgtEl>
+                                          <p:spTgt spid="10"/>
+                                        </p:tgtEl>
+                                        <p:attrNameLst>
+                                          <p:attrName>ppt_y</p:attrName>
+                                        </p:attrNameLst>
+                                      </p:cBhvr>
+                                      <p:tavLst>
+                                        <p:tav tm="0">
+                                          <p:val>
+                                            <p:strVal val="#ppt_y+.1"/>
+                                          </p:val>
+                                        </p:tav>
+                                        <p:tav tm="100000">
+                                          <p:val>
+                                            <p:strVal val="#ppt_y"/>
+                                          </p:val>
+                                        </p:tav>
+                                      </p:tavLst>
+                                    </p:anim>
+                                  </p:childTnLst>
+                                </p:cTn>
+                              </p:par>
+                              <p:par>
+                                <p:cTn id="40" presetID="42" presetClass="entr" presetSubtype="0" fill="hold" grpId="0" nodeType="withEffect">
+                                  <p:stCondLst>
+                                    <p:cond delay="0"/>
+                                  </p:stCondLst>
+                                  <p:childTnLst>
+                                    <p:set>
+                                      <p:cBhvr>
+                                        <p:cTn id="41" dur="1" fill="hold">
+                                          <p:stCondLst>
+                                            <p:cond delay="0"/>
+                                          </p:stCondLst>
+                                        </p:cTn>
+                                        <p:tgtEl>
+                                          <p:spTgt spid="11"/>
+                                        </p:tgtEl>
+                                        <p:attrNameLst>
+                                          <p:attrName>style.visibility</p:attrName>
+                                        </p:attrNameLst>
+                                      </p:cBhvr>
+                                      <p:to>
+                                        <p:strVal val="visible"/>
+                                      </p:to>
+                                    </p:set>
+                                    <p:animEffect transition="in" filter="fade">
+                                      <p:cBhvr>
+                                        <p:cTn id="42" dur="1000"/>
+                                        <p:tgtEl>
+                                          <p:spTgt spid="11"/>
+                                        </p:tgtEl>
+                                      </p:cBhvr>
+                                    </p:animEffect>
+                                    <p:anim calcmode="lin" valueType="num">
+                                      <p:cBhvr>
+                                        <p:cTn id="43" dur="1000" fill="hold"/>
+                                        <p:tgtEl>
+                                          <p:spTgt spid="11"/>
+                                        </p:tgtEl>
+                                        <p:attrNameLst>
+                                          <p:attrName>ppt_x</p:attrName>
+                                        </p:attrNameLst>
+                                      </p:cBhvr>
+                                      <p:tavLst>
+                                        <p:tav tm="0">
+                                          <p:val>
+                                            <p:strVal val="#ppt_x"/>
+                                          </p:val>
+                                        </p:tav>
+                                        <p:tav tm="100000">
+                                          <p:val>
+                                            <p:strVal val="#ppt_x"/>
+                                          </p:val>
+                                        </p:tav>
+                                      </p:tavLst>
+                                    </p:anim>
+                                    <p:anim calcmode="lin" valueType="num">
+                                      <p:cBhvr>
+                                        <p:cTn id="44" dur="1000" fill="hold"/>
+                                        <p:tgtEl>
+                                          <p:spTgt spid="11"/>
+                                        </p:tgtEl>
+                                        <p:attrNameLst>
+                                          <p:attrName>ppt_y</p:attrName>
+                                        </p:attrNameLst>
+                                      </p:cBhvr>
+                                      <p:tavLst>
+                                        <p:tav tm="0">
+                                          <p:val>
+                                            <p:strVal val="#ppt_y+.1"/>
+                                          </p:val>
+                                        </p:tav>
+                                        <p:tav tm="100000">
+                                          <p:val>
+                                            <p:strVal val="#ppt_y"/>
+                                          </p:val>
+                                        </p:tav>
+                                      </p:tavLst>
+                                    </p:anim>
+                                  </p:childTnLst>
+                                </p:cTn>
+                              </p:par>
+                              <p:par>
+                                <p:cTn id="45" presetID="42" presetClass="entr" presetSubtype="0" fill="hold" grpId="0" nodeType="withEffect">
+                                  <p:stCondLst>
+                                    <p:cond delay="0"/>
+                                  </p:stCondLst>
+                                  <p:childTnLst>
+                                    <p:set>
+                                      <p:cBhvr>
+                                        <p:cTn id="46" dur="1" fill="hold">
+                                          <p:stCondLst>
+                                            <p:cond delay="0"/>
+                                          </p:stCondLst>
+                                        </p:cTn>
+                                        <p:tgtEl>
+                                          <p:spTgt spid="12"/>
+                                        </p:tgtEl>
+                                        <p:attrNameLst>
+                                          <p:attrName>style.visibility</p:attrName>
+                                        </p:attrNameLst>
+                                      </p:cBhvr>
+                                      <p:to>
+                                        <p:strVal val="visible"/>
+                                      </p:to>
+                                    </p:set>
+                                    <p:animEffect transition="in" filter="fade">
+                                      <p:cBhvr>
+                                        <p:cTn id="47" dur="1000"/>
+                                        <p:tgtEl>
+                                          <p:spTgt spid="12"/>
+                                        </p:tgtEl>
+                                      </p:cBhvr>
+                                    </p:animEffect>
+                                    <p:anim calcmode="lin" valueType="num">
+                                      <p:cBhvr>
+                                        <p:cTn id="48" dur="1000" fill="hold"/>
+                                        <p:tgtEl>
+                                          <p:spTgt spid="12"/>
+                                        </p:tgtEl>
+                                        <p:attrNameLst>
+                                          <p:attrName>ppt_x</p:attrName>
+                                        </p:attrNameLst>
+                                      </p:cBhvr>
+                                      <p:tavLst>
+                                        <p:tav tm="0">
+                                          <p:val>
+                                            <p:strVal val="#ppt_x"/>
+                                          </p:val>
+                                        </p:tav>
+                                        <p:tav tm="100000">
+                                          <p:val>
+                                            <p:strVal val="#ppt_x"/>
+                                          </p:val>
+                                        </p:tav>
+                                      </p:tavLst>
+                                    </p:anim>
+                                    <p:anim calcmode="lin" valueType="num">
+                                      <p:cBhvr>
+                                        <p:cTn id="49" dur="1000" fill="hold"/>
+                                        <p:tgtEl>
+                                          <p:spTgt spid="12"/>
+                                        </p:tgtEl>
+                                        <p:attrNameLst>
+                                          <p:attrName>ppt_y</p:attrName>
+                                        </p:attrNameLst>
+                                      </p:cBhvr>
+                                      <p:tavLst>
+                                        <p:tav tm="0">
+                                          <p:val>
+                                            <p:strVal val="#ppt_y+.1"/>
+                                          </p:val>
+                                        </p:tav>
+                                        <p:tav tm="100000">
+                                          <p:val>
+                                            <p:strVal val="#ppt_y"/>
+                                          </p:val>
+                                        </p:tav>
+                                      </p:tavLst>
+                                    </p:anim>
+                                  </p:childTnLst>
+                                </p:cTn>
+                              </p:par>
+                              <p:par>
+                                <p:cTn id="50" presetID="42" presetClass="entr" presetSubtype="0" fill="hold" grpId="0" nodeType="withEffect">
+                                  <p:stCondLst>
+                                    <p:cond delay="0"/>
+                                  </p:stCondLst>
+                                  <p:childTnLst>
+                                    <p:set>
+                                      <p:cBhvr>
+                                        <p:cTn id="51" dur="1" fill="hold">
+                                          <p:stCondLst>
+                                            <p:cond delay="0"/>
+                                          </p:stCondLst>
+                                        </p:cTn>
+                                        <p:tgtEl>
+                                          <p:spTgt spid="16"/>
+                                        </p:tgtEl>
+                                        <p:attrNameLst>
+                                          <p:attrName>style.visibility</p:attrName>
+                                        </p:attrNameLst>
+                                      </p:cBhvr>
+                                      <p:to>
+                                        <p:strVal val="visible"/>
+                                      </p:to>
+                                    </p:set>
+                                    <p:animEffect transition="in" filter="fade">
+                                      <p:cBhvr>
+                                        <p:cTn id="52" dur="1000"/>
+                                        <p:tgtEl>
+                                          <p:spTgt spid="16"/>
+                                        </p:tgtEl>
+                                      </p:cBhvr>
+                                    </p:animEffect>
+                                    <p:anim calcmode="lin" valueType="num">
+                                      <p:cBhvr>
+                                        <p:cTn id="53" dur="1000" fill="hold"/>
+                                        <p:tgtEl>
+                                          <p:spTgt spid="16"/>
+                                        </p:tgtEl>
+                                        <p:attrNameLst>
+                                          <p:attrName>ppt_x</p:attrName>
+                                        </p:attrNameLst>
+                                      </p:cBhvr>
+                                      <p:tavLst>
+                                        <p:tav tm="0">
+                                          <p:val>
+                                            <p:strVal val="#ppt_x"/>
+                                          </p:val>
+                                        </p:tav>
+                                        <p:tav tm="100000">
+                                          <p:val>
+                                            <p:strVal val="#ppt_x"/>
+                                          </p:val>
+                                        </p:tav>
+                                      </p:tavLst>
+                                    </p:anim>
+                                    <p:anim calcmode="lin" valueType="num">
+                                      <p:cBhvr>
+                                        <p:cTn id="54" dur="1000" fill="hold"/>
+                                        <p:tgtEl>
+                                          <p:spTgt spid="16"/>
+                                        </p:tgtEl>
+                                        <p:attrNameLst>
+                                          <p:attrName>ppt_y</p:attrName>
+                                        </p:attrNameLst>
+                                      </p:cBhvr>
+                                      <p:tavLst>
+                                        <p:tav tm="0">
+                                          <p:val>
+                                            <p:strVal val="#ppt_y+.1"/>
+                                          </p:val>
+                                        </p:tav>
+                                        <p:tav tm="100000">
+                                          <p:val>
+                                            <p:strVal val="#ppt_y"/>
+                                          </p:val>
+                                        </p:tav>
+                                      </p:tavLst>
+                                    </p:anim>
+                                  </p:childTnLst>
+                                </p:cTn>
+                              </p:par>
+                            </p:childTnLst>
+                          </p:cTn>
+                        </p:par>
+                      </p:childTnLst>
+                    </p:cTn>
+                  </p:par>
+                  <p:par>
+                    <p:cTn id="55" fill="hold">
+                      <p:stCondLst>
+                        <p:cond delay="indefinite"/>
+                      </p:stCondLst>
+                      <p:childTnLst>
+                        <p:par>
+                          <p:cTn id="56" fill="hold">
+                            <p:stCondLst>
+                              <p:cond delay="0"/>
+                            </p:stCondLst>
+                            <p:childTnLst>
+                              <p:par>
+                                <p:cTn id="57" presetID="47" presetClass="entr" presetSubtype="0" fill="hold" grpId="0" nodeType="clickEffect">
+                                  <p:stCondLst>
+                                    <p:cond delay="0"/>
+                                  </p:stCondLst>
+                                  <p:childTnLst>
+                                    <p:set>
+                                      <p:cBhvr>
+                                        <p:cTn id="58" dur="1" fill="hold">
+                                          <p:stCondLst>
+                                            <p:cond delay="0"/>
+                                          </p:stCondLst>
+                                        </p:cTn>
+                                        <p:tgtEl>
+                                          <p:spTgt spid="18"/>
+                                        </p:tgtEl>
+                                        <p:attrNameLst>
+                                          <p:attrName>style.visibility</p:attrName>
+                                        </p:attrNameLst>
+                                      </p:cBhvr>
+                                      <p:to>
+                                        <p:strVal val="visible"/>
+                                      </p:to>
+                                    </p:set>
+                                    <p:animEffect transition="in" filter="fade">
+                                      <p:cBhvr>
+                                        <p:cTn id="59" dur="1000"/>
+                                        <p:tgtEl>
+                                          <p:spTgt spid="18"/>
+                                        </p:tgtEl>
+                                      </p:cBhvr>
+                                    </p:animEffect>
+                                    <p:anim calcmode="lin" valueType="num">
+                                      <p:cBhvr>
+                                        <p:cTn id="60" dur="1000" fill="hold"/>
+                                        <p:tgtEl>
+                                          <p:spTgt spid="18"/>
+                                        </p:tgtEl>
+                                        <p:attrNameLst>
+                                          <p:attrName>ppt_x</p:attrName>
+                                        </p:attrNameLst>
+                                      </p:cBhvr>
+                                      <p:tavLst>
+                                        <p:tav tm="0">
+                                          <p:val>
+                                            <p:strVal val="#ppt_x"/>
+                                          </p:val>
+                                        </p:tav>
+                                        <p:tav tm="100000">
+                                          <p:val>
+                                            <p:strVal val="#ppt_x"/>
+                                          </p:val>
+                                        </p:tav>
+                                      </p:tavLst>
+                                    </p:anim>
+                                    <p:anim calcmode="lin" valueType="num">
+                                      <p:cBhvr>
+                                        <p:cTn id="61" dur="1000" fill="hold"/>
+                                        <p:tgtEl>
+                                          <p:spTgt spid="18"/>
+                                        </p:tgtEl>
+                                        <p:attrNameLst>
+                                          <p:attrName>ppt_y</p:attrName>
+                                        </p:attrNameLst>
+                                      </p:cBhvr>
+                                      <p:tavLst>
+                                        <p:tav tm="0">
+                                          <p:val>
+                                            <p:strVal val="#ppt_y-.1"/>
+                                          </p:val>
+                                        </p:tav>
+                                        <p:tav tm="100000">
+                                          <p:val>
+                                            <p:strVal val="#ppt_y"/>
+                                          </p:val>
+                                        </p:tav>
+                                      </p:tavLst>
+                                    </p:anim>
+                                  </p:childTnLst>
+                                </p:cTn>
+                              </p:par>
+                              <p:par>
+                                <p:cTn id="62" presetID="42" presetClass="exit" presetSubtype="0" fill="hold" grpId="1" nodeType="withEffect">
+                                  <p:stCondLst>
+                                    <p:cond delay="0"/>
+                                  </p:stCondLst>
+                                  <p:childTnLst>
+                                    <p:animEffect transition="out" filter="fade">
+                                      <p:cBhvr>
+                                        <p:cTn id="63" dur="1000"/>
+                                        <p:tgtEl>
+                                          <p:spTgt spid="10"/>
+                                        </p:tgtEl>
+                                      </p:cBhvr>
+                                    </p:animEffect>
+                                    <p:anim calcmode="lin" valueType="num">
+                                      <p:cBhvr>
+                                        <p:cTn id="64" dur="1000"/>
+                                        <p:tgtEl>
+                                          <p:spTgt spid="10"/>
+                                        </p:tgtEl>
+                                        <p:attrNameLst>
+                                          <p:attrName>ppt_x</p:attrName>
+                                        </p:attrNameLst>
+                                      </p:cBhvr>
+                                      <p:tavLst>
+                                        <p:tav tm="0">
+                                          <p:val>
+                                            <p:strVal val="ppt_x"/>
+                                          </p:val>
+                                        </p:tav>
+                                        <p:tav tm="100000">
+                                          <p:val>
+                                            <p:strVal val="ppt_x"/>
+                                          </p:val>
+                                        </p:tav>
+                                      </p:tavLst>
+                                    </p:anim>
+                                    <p:anim calcmode="lin" valueType="num">
+                                      <p:cBhvr>
+                                        <p:cTn id="65" dur="1000"/>
+                                        <p:tgtEl>
+                                          <p:spTgt spid="10"/>
+                                        </p:tgtEl>
+                                        <p:attrNameLst>
+                                          <p:attrName>ppt_y</p:attrName>
+                                        </p:attrNameLst>
+                                      </p:cBhvr>
+                                      <p:tavLst>
+                                        <p:tav tm="0">
+                                          <p:val>
+                                            <p:strVal val="ppt_y"/>
+                                          </p:val>
+                                        </p:tav>
+                                        <p:tav tm="100000">
+                                          <p:val>
+                                            <p:strVal val="ppt_y+.1"/>
+                                          </p:val>
+                                        </p:tav>
+                                      </p:tavLst>
+                                    </p:anim>
+                                    <p:set>
+                                      <p:cBhvr>
+                                        <p:cTn id="66" dur="1" fill="hold">
+                                          <p:stCondLst>
+                                            <p:cond delay="999"/>
+                                          </p:stCondLst>
+                                        </p:cTn>
+                                        <p:tgtEl>
+                                          <p:spTgt spid="10"/>
+                                        </p:tgtEl>
+                                        <p:attrNameLst>
+                                          <p:attrName>style.visibility</p:attrName>
+                                        </p:attrNameLst>
+                                      </p:cBhvr>
+                                      <p:to>
+                                        <p:strVal val="hidden"/>
+                                      </p:to>
+                                    </p:set>
+                                  </p:childTnLst>
+                                </p:cTn>
+                              </p:par>
+                            </p:childTnLst>
+                          </p:cTn>
+                        </p:par>
+                      </p:childTnLst>
+                    </p:cTn>
+                  </p:par>
+                  <p:par>
+                    <p:cTn id="67" fill="hold">
+                      <p:stCondLst>
+                        <p:cond delay="indefinite"/>
+                      </p:stCondLst>
+                      <p:childTnLst>
+                        <p:par>
+                          <p:cTn id="68" fill="hold">
+                            <p:stCondLst>
+                              <p:cond delay="0"/>
+                            </p:stCondLst>
+                            <p:childTnLst>
+                              <p:par>
+                                <p:cTn id="69" presetID="42" presetClass="entr" presetSubtype="0" fill="hold" grpId="0" nodeType="clickEffect">
+                                  <p:stCondLst>
+                                    <p:cond delay="0"/>
+                                  </p:stCondLst>
+                                  <p:childTnLst>
+                                    <p:set>
+                                      <p:cBhvr>
+                                        <p:cTn id="70" dur="1" fill="hold">
+                                          <p:stCondLst>
+                                            <p:cond delay="0"/>
+                                          </p:stCondLst>
+                                        </p:cTn>
+                                        <p:tgtEl>
+                                          <p:spTgt spid="14"/>
+                                        </p:tgtEl>
+                                        <p:attrNameLst>
+                                          <p:attrName>style.visibility</p:attrName>
+                                        </p:attrNameLst>
+                                      </p:cBhvr>
+                                      <p:to>
+                                        <p:strVal val="visible"/>
+                                      </p:to>
+                                    </p:set>
+                                    <p:animEffect transition="in" filter="fade">
+                                      <p:cBhvr>
+                                        <p:cTn id="71" dur="1000"/>
+                                        <p:tgtEl>
+                                          <p:spTgt spid="14"/>
+                                        </p:tgtEl>
+                                      </p:cBhvr>
+                                    </p:animEffect>
+                                    <p:anim calcmode="lin" valueType="num">
+                                      <p:cBhvr>
+                                        <p:cTn id="72" dur="1000" fill="hold"/>
+                                        <p:tgtEl>
+                                          <p:spTgt spid="14"/>
+                                        </p:tgtEl>
+                                        <p:attrNameLst>
+                                          <p:attrName>ppt_x</p:attrName>
+                                        </p:attrNameLst>
+                                      </p:cBhvr>
+                                      <p:tavLst>
+                                        <p:tav tm="0">
+                                          <p:val>
+                                            <p:strVal val="#ppt_x"/>
+                                          </p:val>
+                                        </p:tav>
+                                        <p:tav tm="100000">
+                                          <p:val>
+                                            <p:strVal val="#ppt_x"/>
+                                          </p:val>
+                                        </p:tav>
+                                      </p:tavLst>
+                                    </p:anim>
+                                    <p:anim calcmode="lin" valueType="num">
+                                      <p:cBhvr>
+                                        <p:cTn id="73" dur="1000" fill="hold"/>
+                                        <p:tgtEl>
+                                          <p:spTgt spid="14"/>
+                                        </p:tgtEl>
+                                        <p:attrNameLst>
+                                          <p:attrName>ppt_y</p:attrName>
+                                        </p:attrNameLst>
+                                      </p:cBhvr>
+                                      <p:tavLst>
+                                        <p:tav tm="0">
+                                          <p:val>
+                                            <p:strVal val="#ppt_y+.1"/>
+                                          </p:val>
+                                        </p:tav>
+                                        <p:tav tm="100000">
+                                          <p:val>
+                                            <p:strVal val="#ppt_y"/>
+                                          </p:val>
+                                        </p:tav>
+                                      </p:tavLst>
+                                    </p:anim>
+                                  </p:childTnLst>
+                                </p:cTn>
+                              </p:par>
+                              <p:par>
+                                <p:cTn id="74" presetID="42" presetClass="entr" presetSubtype="0" fill="hold" grpId="0" nodeType="withEffect">
+                                  <p:stCondLst>
+                                    <p:cond delay="0"/>
+                                  </p:stCondLst>
+                                  <p:childTnLst>
+                                    <p:set>
+                                      <p:cBhvr>
+                                        <p:cTn id="75" dur="1" fill="hold">
+                                          <p:stCondLst>
+                                            <p:cond delay="0"/>
+                                          </p:stCondLst>
+                                        </p:cTn>
+                                        <p:tgtEl>
+                                          <p:spTgt spid="13"/>
+                                        </p:tgtEl>
+                                        <p:attrNameLst>
+                                          <p:attrName>style.visibility</p:attrName>
+                                        </p:attrNameLst>
+                                      </p:cBhvr>
+                                      <p:to>
+                                        <p:strVal val="visible"/>
+                                      </p:to>
+                                    </p:set>
+                                    <p:animEffect transition="in" filter="fade">
+                                      <p:cBhvr>
+                                        <p:cTn id="76" dur="1000"/>
+                                        <p:tgtEl>
+                                          <p:spTgt spid="13"/>
+                                        </p:tgtEl>
+                                      </p:cBhvr>
+                                    </p:animEffect>
+                                    <p:anim calcmode="lin" valueType="num">
+                                      <p:cBhvr>
+                                        <p:cTn id="77" dur="1000" fill="hold"/>
+                                        <p:tgtEl>
+                                          <p:spTgt spid="13"/>
+                                        </p:tgtEl>
+                                        <p:attrNameLst>
+                                          <p:attrName>ppt_x</p:attrName>
+                                        </p:attrNameLst>
+                                      </p:cBhvr>
+                                      <p:tavLst>
+                                        <p:tav tm="0">
+                                          <p:val>
+                                            <p:strVal val="#ppt_x"/>
+                                          </p:val>
+                                        </p:tav>
+                                        <p:tav tm="100000">
+                                          <p:val>
+                                            <p:strVal val="#ppt_x"/>
+                                          </p:val>
+                                        </p:tav>
+                                      </p:tavLst>
+                                    </p:anim>
+                                    <p:anim calcmode="lin" valueType="num">
+                                      <p:cBhvr>
+                                        <p:cTn id="78" dur="1000" fill="hold"/>
+                                        <p:tgtEl>
+                                          <p:spTgt spid="13"/>
+                                        </p:tgtEl>
+                                        <p:attrNameLst>
+                                          <p:attrName>ppt_y</p:attrName>
+                                        </p:attrNameLst>
+                                      </p:cBhvr>
+                                      <p:tavLst>
+                                        <p:tav tm="0">
+                                          <p:val>
+                                            <p:strVal val="#ppt_y+.1"/>
+                                          </p:val>
+                                        </p:tav>
+                                        <p:tav tm="100000">
+                                          <p:val>
+                                            <p:strVal val="#ppt_y"/>
+                                          </p:val>
+                                        </p:tav>
+                                      </p:tavLst>
+                                    </p:anim>
+                                  </p:childTnLst>
+                                </p:cTn>
+                              </p:par>
+                              <p:par>
+                                <p:cTn id="79" presetID="42" presetClass="entr" presetSubtype="0" fill="hold" grpId="0" nodeType="withEffect">
+                                  <p:stCondLst>
+                                    <p:cond delay="0"/>
+                                  </p:stCondLst>
+                                  <p:childTnLst>
+                                    <p:set>
+                                      <p:cBhvr>
+                                        <p:cTn id="80" dur="1" fill="hold">
+                                          <p:stCondLst>
+                                            <p:cond delay="0"/>
+                                          </p:stCondLst>
+                                        </p:cTn>
+                                        <p:tgtEl>
+                                          <p:spTgt spid="17"/>
+                                        </p:tgtEl>
+                                        <p:attrNameLst>
+                                          <p:attrName>style.visibility</p:attrName>
+                                        </p:attrNameLst>
+                                      </p:cBhvr>
+                                      <p:to>
+                                        <p:strVal val="visible"/>
+                                      </p:to>
+                                    </p:set>
+                                    <p:animEffect transition="in" filter="fade">
+                                      <p:cBhvr>
+                                        <p:cTn id="81" dur="1000"/>
+                                        <p:tgtEl>
+                                          <p:spTgt spid="17"/>
+                                        </p:tgtEl>
+                                      </p:cBhvr>
+                                    </p:animEffect>
+                                    <p:anim calcmode="lin" valueType="num">
+                                      <p:cBhvr>
+                                        <p:cTn id="82" dur="1000" fill="hold"/>
+                                        <p:tgtEl>
+                                          <p:spTgt spid="17"/>
+                                        </p:tgtEl>
+                                        <p:attrNameLst>
+                                          <p:attrName>ppt_x</p:attrName>
+                                        </p:attrNameLst>
+                                      </p:cBhvr>
+                                      <p:tavLst>
+                                        <p:tav tm="0">
+                                          <p:val>
+                                            <p:strVal val="#ppt_x"/>
+                                          </p:val>
+                                        </p:tav>
+                                        <p:tav tm="100000">
+                                          <p:val>
+                                            <p:strVal val="#ppt_x"/>
+                                          </p:val>
+                                        </p:tav>
+                                      </p:tavLst>
+                                    </p:anim>
+                                    <p:anim calcmode="lin" valueType="num">
+                                      <p:cBhvr>
+                                        <p:cTn id="83" dur="1000" fill="hold"/>
+                                        <p:tgtEl>
+                                          <p:spTgt spid="17"/>
+                                        </p:tgtEl>
+                                        <p:attrNameLst>
+                                          <p:attrName>ppt_y</p:attrName>
+                                        </p:attrNameLst>
+                                      </p:cBhvr>
+                                      <p:tavLst>
+                                        <p:tav tm="0">
+                                          <p:val>
+                                            <p:strVal val="#ppt_y+.1"/>
+                                          </p:val>
+                                        </p:tav>
+                                        <p:tav tm="100000">
+                                          <p:val>
+                                            <p:strVal val="#ppt_y"/>
+                                          </p:val>
+                                        </p:tav>
+                                      </p:tavLst>
+                                    </p:anim>
+                                  </p:childTnLst>
+                                </p:cTn>
+                              </p:par>
+                            </p:childTnLst>
+                          </p:cTn>
+                        </p:par>
+                      </p:childTnLst>
+                    </p:cTn>
+                  </p:par>
+                  <p:par>
+                    <p:cTn id="84" fill="hold">
+                      <p:stCondLst>
+                        <p:cond delay="indefinite"/>
+                      </p:stCondLst>
+                      <p:childTnLst>
+                        <p:par>
+                          <p:cTn id="85" fill="hold">
+                            <p:stCondLst>
+                              <p:cond delay="0"/>
+                            </p:stCondLst>
+                            <p:childTnLst>
+                              <p:par>
+                                <p:cTn id="86" presetID="47" presetClass="entr" presetSubtype="0" fill="hold" grpId="0" nodeType="clickEffect">
+                                  <p:stCondLst>
+                                    <p:cond delay="0"/>
+                                  </p:stCondLst>
+                                  <p:childTnLst>
+                                    <p:set>
+                                      <p:cBhvr>
+                                        <p:cTn id="87" dur="1" fill="hold">
+                                          <p:stCondLst>
+                                            <p:cond delay="0"/>
+                                          </p:stCondLst>
+                                        </p:cTn>
+                                        <p:tgtEl>
+                                          <p:spTgt spid="19"/>
+                                        </p:tgtEl>
+                                        <p:attrNameLst>
+                                          <p:attrName>style.visibility</p:attrName>
+                                        </p:attrNameLst>
+                                      </p:cBhvr>
+                                      <p:to>
+                                        <p:strVal val="visible"/>
+                                      </p:to>
+                                    </p:set>
+                                    <p:animEffect transition="in" filter="fade">
+                                      <p:cBhvr>
+                                        <p:cTn id="88" dur="1000"/>
+                                        <p:tgtEl>
+                                          <p:spTgt spid="19"/>
+                                        </p:tgtEl>
+                                      </p:cBhvr>
+                                    </p:animEffect>
+                                    <p:anim calcmode="lin" valueType="num">
+                                      <p:cBhvr>
+                                        <p:cTn id="89" dur="1000" fill="hold"/>
+                                        <p:tgtEl>
+                                          <p:spTgt spid="19"/>
+                                        </p:tgtEl>
+                                        <p:attrNameLst>
+                                          <p:attrName>ppt_x</p:attrName>
+                                        </p:attrNameLst>
+                                      </p:cBhvr>
+                                      <p:tavLst>
+                                        <p:tav tm="0">
+                                          <p:val>
+                                            <p:strVal val="#ppt_x"/>
+                                          </p:val>
+                                        </p:tav>
+                                        <p:tav tm="100000">
+                                          <p:val>
+                                            <p:strVal val="#ppt_x"/>
+                                          </p:val>
+                                        </p:tav>
+                                      </p:tavLst>
+                                    </p:anim>
+                                    <p:anim calcmode="lin" valueType="num">
+                                      <p:cBhvr>
+                                        <p:cTn id="90" dur="1000" fill="hold"/>
+                                        <p:tgtEl>
+                                          <p:spTgt spid="19"/>
+                                        </p:tgtEl>
+                                        <p:attrNameLst>
+                                          <p:attrName>ppt_y</p:attrName>
+                                        </p:attrNameLst>
+                                      </p:cBhvr>
+                                      <p:tavLst>
+                                        <p:tav tm="0">
+                                          <p:val>
+                                            <p:strVal val="#ppt_y-.1"/>
+                                          </p:val>
+                                        </p:tav>
+                                        <p:tav tm="100000">
+                                          <p:val>
+                                            <p:strVal val="#ppt_y"/>
+                                          </p:val>
+                                        </p:tav>
+                                      </p:tavLst>
+                                    </p:anim>
+                                  </p:childTnLst>
+                                </p:cTn>
+                              </p:par>
+                              <p:par>
+                                <p:cTn id="91" presetID="42" presetClass="exit" presetSubtype="0" fill="hold" grpId="1" nodeType="withEffect">
+                                  <p:stCondLst>
+                                    <p:cond delay="0"/>
+                                  </p:stCondLst>
+                                  <p:childTnLst>
+                                    <p:animEffect transition="out" filter="fade">
+                                      <p:cBhvr>
+                                        <p:cTn id="92" dur="1000"/>
+                                        <p:tgtEl>
+                                          <p:spTgt spid="14"/>
+                                        </p:tgtEl>
+                                      </p:cBhvr>
+                                    </p:animEffect>
+                                    <p:anim calcmode="lin" valueType="num">
+                                      <p:cBhvr>
+                                        <p:cTn id="93" dur="1000"/>
+                                        <p:tgtEl>
+                                          <p:spTgt spid="14"/>
+                                        </p:tgtEl>
+                                        <p:attrNameLst>
+                                          <p:attrName>ppt_x</p:attrName>
+                                        </p:attrNameLst>
+                                      </p:cBhvr>
+                                      <p:tavLst>
+                                        <p:tav tm="0">
+                                          <p:val>
+                                            <p:strVal val="ppt_x"/>
+                                          </p:val>
+                                        </p:tav>
+                                        <p:tav tm="100000">
+                                          <p:val>
+                                            <p:strVal val="ppt_x"/>
+                                          </p:val>
+                                        </p:tav>
+                                      </p:tavLst>
+                                    </p:anim>
+                                    <p:anim calcmode="lin" valueType="num">
+                                      <p:cBhvr>
+                                        <p:cTn id="94" dur="1000"/>
+                                        <p:tgtEl>
+                                          <p:spTgt spid="14"/>
+                                        </p:tgtEl>
+                                        <p:attrNameLst>
+                                          <p:attrName>ppt_y</p:attrName>
+                                        </p:attrNameLst>
+                                      </p:cBhvr>
+                                      <p:tavLst>
+                                        <p:tav tm="0">
+                                          <p:val>
+                                            <p:strVal val="ppt_y"/>
+                                          </p:val>
+                                        </p:tav>
+                                        <p:tav tm="100000">
+                                          <p:val>
+                                            <p:strVal val="ppt_y+.1"/>
+                                          </p:val>
+                                        </p:tav>
+                                      </p:tavLst>
+                                    </p:anim>
+                                    <p:set>
+                                      <p:cBhvr>
+                                        <p:cTn id="95" dur="1" fill="hold">
+                                          <p:stCondLst>
+                                            <p:cond delay="999"/>
+                                          </p:stCondLst>
+                                        </p:cTn>
+                                        <p:tgtEl>
+                                          <p:spTgt spid="14"/>
+                                        </p:tgtEl>
+                                        <p:attrNameLst>
+                                          <p:attrName>style.visibility</p:attrName>
+                                        </p:attrNameLst>
+                                      </p:cBhvr>
+                                      <p:to>
+                                        <p:strVal val="hidden"/>
+                                      </p:to>
+                                    </p:set>
+                                  </p:childTnLst>
+                                </p:cTn>
+                              </p:par>
+                            </p:childTnLst>
+                          </p:cTn>
+                        </p:par>
+                      </p:childTnLst>
+                    </p:cTn>
+                  </p:par>
+                  <p:par>
+                    <p:cTn id="96" fill="hold">
+                      <p:stCondLst>
+                        <p:cond delay="indefinite"/>
+                      </p:stCondLst>
+                      <p:childTnLst>
+                        <p:par>
+                          <p:cTn id="97" fill="hold">
+                            <p:stCondLst>
+                              <p:cond delay="0"/>
+                            </p:stCondLst>
+                            <p:childTnLst>
+                              <p:par>
+                                <p:cTn id="98" presetID="1" presetClass="entr" presetSubtype="0" fill="hold" grpId="0" nodeType="clickEffect">
+                                  <p:stCondLst>
+                                    <p:cond delay="0"/>
+                                  </p:stCondLst>
+                                  <p:childTnLst>
+                                    <p:set>
+                                      <p:cBhvr>
+                                        <p:cTn id="99" dur="1" fill="hold">
+                                          <p:stCondLst>
+                                            <p:cond delay="0"/>
+                                          </p:stCondLst>
+                                        </p:cTn>
+                                        <p:tgtEl>
+                                          <p:spTgt spid="23"/>
+                                        </p:tgtEl>
+                                        <p:attrNameLst>
+                                          <p:attrName>style.visibility</p:attrName>
+                                        </p:attrNameLst>
+                                      </p:cBhvr>
+                                      <p:to>
+                                        <p:strVal val="visible"/>
+                                      </p:to>
+                                    </p:set>
+                                  </p:childTnLst>
+                                </p:cTn>
+                              </p:par>
+                              <p:par>
+                                <p:cTn id="100" presetID="1" presetClass="entr" presetSubtype="0" fill="hold" grpId="0" nodeType="withEffect">
+                                  <p:stCondLst>
+                                    <p:cond delay="0"/>
+                                  </p:stCondLst>
+                                  <p:childTnLst>
+                                    <p:set>
+                                      <p:cBhvr>
+                                        <p:cTn id="101" dur="1" fill="hold">
+                                          <p:stCondLst>
+                                            <p:cond delay="0"/>
+                                          </p:stCondLst>
+                                        </p:cTn>
+                                        <p:tgtEl>
+                                          <p:spTgt spid="24"/>
+                                        </p:tgtEl>
+                                        <p:attrNameLst>
+                                          <p:attrName>style.visibility</p:attrName>
+                                        </p:attrNameLst>
+                                      </p:cBhvr>
+                                      <p:to>
+                                        <p:strVal val="visible"/>
+                                      </p:to>
+                                    </p:set>
+                                  </p:childTnLst>
+                                </p:cTn>
+                              </p:par>
+                              <p:par>
+                                <p:cTn id="102" presetID="42" presetClass="path" presetSubtype="0" accel="50000" decel="50000" fill="hold" grpId="1" nodeType="withEffect">
+                                  <p:stCondLst>
+                                    <p:cond delay="0"/>
+                                  </p:stCondLst>
+                                  <p:childTnLst>
+                                    <p:animMotion origin="layout" path="M -1.04167E-6 -2.96296E-6 L 0.28958 0.07523 " pathEditMode="relative" rAng="0" ptsTypes="AA">
+                                      <p:cBhvr>
+                                        <p:cTn id="103" dur="2000" fill="hold"/>
+                                        <p:tgtEl>
+                                          <p:spTgt spid="23"/>
+                                        </p:tgtEl>
+                                        <p:attrNameLst>
+                                          <p:attrName>ppt_x</p:attrName>
+                                          <p:attrName>ppt_y</p:attrName>
+                                        </p:attrNameLst>
+                                      </p:cBhvr>
+                                      <p:rCtr x="14479" y="3750"/>
+                                    </p:animMotion>
+                                  </p:childTnLst>
+                                </p:cTn>
+                              </p:par>
+                              <p:par>
+                                <p:cTn id="104" presetID="42" presetClass="path" presetSubtype="0" accel="50000" decel="50000" fill="hold" grpId="1" nodeType="withEffect">
+                                  <p:stCondLst>
+                                    <p:cond delay="0"/>
+                                  </p:stCondLst>
+                                  <p:childTnLst>
+                                    <p:animMotion origin="layout" path="M 4.16667E-7 -3.7037E-7 L 0.41276 -0.46505 " pathEditMode="relative" rAng="0" ptsTypes="AA">
+                                      <p:cBhvr>
+                                        <p:cTn id="105" dur="2000" fill="hold"/>
+                                        <p:tgtEl>
+                                          <p:spTgt spid="24"/>
+                                        </p:tgtEl>
+                                        <p:attrNameLst>
+                                          <p:attrName>ppt_x</p:attrName>
+                                          <p:attrName>ppt_y</p:attrName>
+                                        </p:attrNameLst>
+                                      </p:cBhvr>
+                                      <p:rCtr x="20638" y="-23264"/>
+                                    </p:animMotion>
+                                  </p:childTnLst>
+                                </p:cTn>
+                              </p:par>
+                              <p:par>
+                                <p:cTn id="106" presetID="10" presetClass="exit" presetSubtype="0" fill="hold" grpId="1" nodeType="withEffect">
+                                  <p:stCondLst>
+                                    <p:cond delay="0"/>
+                                  </p:stCondLst>
+                                  <p:childTnLst>
+                                    <p:animEffect transition="out" filter="fade">
+                                      <p:cBhvr>
+                                        <p:cTn id="107" dur="500"/>
+                                        <p:tgtEl>
+                                          <p:spTgt spid="11"/>
+                                        </p:tgtEl>
+                                      </p:cBhvr>
+                                    </p:animEffect>
+                                    <p:set>
+                                      <p:cBhvr>
+                                        <p:cTn id="108" dur="1" fill="hold">
+                                          <p:stCondLst>
+                                            <p:cond delay="499"/>
+                                          </p:stCondLst>
+                                        </p:cTn>
+                                        <p:tgtEl>
+                                          <p:spTgt spid="11"/>
+                                        </p:tgtEl>
+                                        <p:attrNameLst>
+                                          <p:attrName>style.visibility</p:attrName>
+                                        </p:attrNameLst>
+                                      </p:cBhvr>
+                                      <p:to>
+                                        <p:strVal val="hidden"/>
+                                      </p:to>
+                                    </p:set>
+                                  </p:childTnLst>
+                                </p:cTn>
+                              </p:par>
+                              <p:par>
+                                <p:cTn id="109" presetID="10" presetClass="exit" presetSubtype="0" fill="hold" grpId="1" nodeType="withEffect">
+                                  <p:stCondLst>
+                                    <p:cond delay="0"/>
+                                  </p:stCondLst>
+                                  <p:childTnLst>
+                                    <p:animEffect transition="out" filter="fade">
+                                      <p:cBhvr>
+                                        <p:cTn id="110" dur="500"/>
+                                        <p:tgtEl>
+                                          <p:spTgt spid="12"/>
+                                        </p:tgtEl>
+                                      </p:cBhvr>
+                                    </p:animEffect>
+                                    <p:set>
+                                      <p:cBhvr>
+                                        <p:cTn id="111" dur="1" fill="hold">
+                                          <p:stCondLst>
+                                            <p:cond delay="499"/>
+                                          </p:stCondLst>
+                                        </p:cTn>
+                                        <p:tgtEl>
+                                          <p:spTgt spid="12"/>
+                                        </p:tgtEl>
+                                        <p:attrNameLst>
+                                          <p:attrName>style.visibility</p:attrName>
+                                        </p:attrNameLst>
+                                      </p:cBhvr>
+                                      <p:to>
+                                        <p:strVal val="hidden"/>
+                                      </p:to>
+                                    </p:set>
+                                  </p:childTnLst>
+                                </p:cTn>
+                              </p:par>
+                            </p:childTnLst>
+                          </p:cTn>
+                        </p:par>
+                      </p:childTnLst>
+                    </p:cTn>
+                  </p:par>
+                  <p:par>
+                    <p:cTn id="112" fill="hold">
+                      <p:stCondLst>
+                        <p:cond delay="indefinite"/>
+                      </p:stCondLst>
+                      <p:childTnLst>
+                        <p:par>
+                          <p:cTn id="113" fill="hold">
+                            <p:stCondLst>
+                              <p:cond delay="0"/>
+                            </p:stCondLst>
+                            <p:childTnLst>
+                              <p:par>
+                                <p:cTn id="114" presetID="1" presetClass="entr" presetSubtype="0" fill="hold" grpId="0" nodeType="clickEffect">
+                                  <p:stCondLst>
+                                    <p:cond delay="0"/>
+                                  </p:stCondLst>
+                                  <p:childTnLst>
+                                    <p:set>
+                                      <p:cBhvr>
+                                        <p:cTn id="115" dur="1" fill="hold">
+                                          <p:stCondLst>
+                                            <p:cond delay="0"/>
+                                          </p:stCondLst>
+                                        </p:cTn>
+                                        <p:tgtEl>
+                                          <p:spTgt spid="25"/>
+                                        </p:tgtEl>
+                                        <p:attrNameLst>
+                                          <p:attrName>style.visibility</p:attrName>
+                                        </p:attrNameLst>
+                                      </p:cBhvr>
+                                      <p:to>
+                                        <p:strVal val="visible"/>
+                                      </p:to>
+                                    </p:set>
+                                  </p:childTnLst>
+                                </p:cTn>
+                              </p:par>
+                              <p:par>
+                                <p:cTn id="116" presetID="42" presetClass="path" presetSubtype="0" accel="50000" decel="50000" fill="hold" grpId="1" nodeType="withEffect">
+                                  <p:stCondLst>
+                                    <p:cond delay="0"/>
+                                  </p:stCondLst>
+                                  <p:childTnLst>
+                                    <p:animMotion origin="layout" path="M 3.54167E-6 -4.07407E-6 L 0.42578 0.07199 " pathEditMode="relative" rAng="0" ptsTypes="AA">
+                                      <p:cBhvr>
+                                        <p:cTn id="117" dur="2000" fill="hold"/>
+                                        <p:tgtEl>
+                                          <p:spTgt spid="25"/>
+                                        </p:tgtEl>
+                                        <p:attrNameLst>
+                                          <p:attrName>ppt_x</p:attrName>
+                                          <p:attrName>ppt_y</p:attrName>
+                                        </p:attrNameLst>
+                                      </p:cBhvr>
+                                      <p:rCtr x="21289" y="3588"/>
+                                    </p:animMotion>
+                                  </p:childTnLst>
+                                </p:cTn>
+                              </p:par>
+                              <p:par>
+                                <p:cTn id="118" presetID="10" presetClass="exit" presetSubtype="0" fill="hold" grpId="1" nodeType="withEffect">
+                                  <p:stCondLst>
+                                    <p:cond delay="0"/>
+                                  </p:stCondLst>
+                                  <p:childTnLst>
+                                    <p:animEffect transition="out" filter="fade">
+                                      <p:cBhvr>
+                                        <p:cTn id="119" dur="500"/>
+                                        <p:tgtEl>
+                                          <p:spTgt spid="8"/>
+                                        </p:tgtEl>
+                                      </p:cBhvr>
+                                    </p:animEffect>
+                                    <p:set>
+                                      <p:cBhvr>
+                                        <p:cTn id="120" dur="1" fill="hold">
+                                          <p:stCondLst>
+                                            <p:cond delay="499"/>
+                                          </p:stCondLst>
+                                        </p:cTn>
+                                        <p:tgtEl>
+                                          <p:spTgt spid="8"/>
+                                        </p:tgtEl>
+                                        <p:attrNameLst>
+                                          <p:attrName>style.visibility</p:attrName>
+                                        </p:attrNameLst>
+                                      </p:cBhvr>
+                                      <p:to>
+                                        <p:strVal val="hidden"/>
+                                      </p:to>
+                                    </p:set>
+                                  </p:childTnLst>
+                                </p:cTn>
+                              </p:par>
+                            </p:childTnLst>
+                          </p:cTn>
+                        </p:par>
+                      </p:childTnLst>
+                    </p:cTn>
+                  </p:par>
+                  <p:par>
+                    <p:cTn id="121" fill="hold">
+                      <p:stCondLst>
+                        <p:cond delay="indefinite"/>
+                      </p:stCondLst>
+                      <p:childTnLst>
+                        <p:par>
+                          <p:cTn id="122" fill="hold">
+                            <p:stCondLst>
+                              <p:cond delay="0"/>
+                            </p:stCondLst>
+                            <p:childTnLst>
+                              <p:par>
+                                <p:cTn id="123" presetID="42" presetClass="path" presetSubtype="0" accel="50000" decel="50000" fill="hold" grpId="1" nodeType="clickEffect">
+                                  <p:stCondLst>
+                                    <p:cond delay="0"/>
+                                  </p:stCondLst>
+                                  <p:childTnLst>
+                                    <p:animMotion origin="layout" path="M 3.95833E-6 1.48148E-6 L 3.95833E-6 0.88009 " pathEditMode="relative" rAng="0" ptsTypes="AA">
+                                      <p:cBhvr>
+                                        <p:cTn id="124" dur="2000" fill="hold"/>
+                                        <p:tgtEl>
+                                          <p:spTgt spid="13"/>
+                                        </p:tgtEl>
+                                        <p:attrNameLst>
+                                          <p:attrName>ppt_x</p:attrName>
+                                          <p:attrName>ppt_y</p:attrName>
+                                        </p:attrNameLst>
+                                      </p:cBhvr>
+                                      <p:rCtr x="0" y="44005"/>
+                                    </p:animMotion>
+                                  </p:childTnLst>
+                                </p:cTn>
+                              </p:par>
+                              <p:par>
+                                <p:cTn id="125" presetID="1" presetClass="exit" presetSubtype="0" fill="hold" grpId="1" nodeType="withEffect">
+                                  <p:stCondLst>
+                                    <p:cond delay="0"/>
+                                  </p:stCondLst>
+                                  <p:childTnLst>
+                                    <p:set>
+                                      <p:cBhvr>
+                                        <p:cTn id="126" dur="1" fill="hold">
+                                          <p:stCondLst>
+                                            <p:cond delay="0"/>
+                                          </p:stCondLst>
+                                        </p:cTn>
+                                        <p:tgtEl>
+                                          <p:spTgt spid="17"/>
+                                        </p:tgtEl>
+                                        <p:attrNameLst>
+                                          <p:attrName>style.visibility</p:attrName>
+                                        </p:attrNameLst>
+                                      </p:cBhvr>
+                                      <p:to>
+                                        <p:strVal val="hidden"/>
+                                      </p:to>
+                                    </p:set>
+                                  </p:childTnLst>
+                                </p:cTn>
+                              </p:par>
+                              <p:par>
+                                <p:cTn id="127" presetID="42" presetClass="path" presetSubtype="0" accel="50000" decel="50000" fill="hold" grpId="1" nodeType="withEffect">
+                                  <p:stCondLst>
+                                    <p:cond delay="0"/>
+                                  </p:stCondLst>
+                                  <p:childTnLst>
+                                    <p:animMotion origin="layout" path="M -3.33333E-6 2.96296E-6 L -3.33333E-6 0.87639 " pathEditMode="relative" rAng="0" ptsTypes="AA">
+                                      <p:cBhvr>
+                                        <p:cTn id="128" dur="2000" fill="hold"/>
+                                        <p:tgtEl>
+                                          <p:spTgt spid="19"/>
+                                        </p:tgtEl>
+                                        <p:attrNameLst>
+                                          <p:attrName>ppt_x</p:attrName>
+                                          <p:attrName>ppt_y</p:attrName>
+                                        </p:attrNameLst>
+                                      </p:cBhvr>
+                                      <p:rCtr x="0" y="43819"/>
+                                    </p:animMotion>
+                                  </p:childTnLst>
+                                </p:cTn>
+                              </p:par>
+                            </p:childTnLst>
+                          </p:cTn>
+                        </p:par>
+                      </p:childTnLst>
+                    </p:cTn>
+                  </p:par>
+                  <p:par>
+                    <p:cTn id="129" fill="hold">
+                      <p:stCondLst>
+                        <p:cond delay="indefinite"/>
+                      </p:stCondLst>
+                      <p:childTnLst>
+                        <p:par>
+                          <p:cTn id="130" fill="hold">
+                            <p:stCondLst>
+                              <p:cond delay="0"/>
+                            </p:stCondLst>
+                            <p:childTnLst>
+                              <p:par>
+                                <p:cTn id="131" presetID="42" presetClass="path" presetSubtype="0" accel="50000" decel="50000" fill="hold" grpId="2" nodeType="clickEffect">
+                                  <p:stCondLst>
+                                    <p:cond delay="0"/>
+                                  </p:stCondLst>
+                                  <p:childTnLst>
+                                    <p:animMotion origin="layout" path="M 0.28958 0.07523 L 0.27201 0.95857 " pathEditMode="relative" rAng="0" ptsTypes="AA">
+                                      <p:cBhvr>
+                                        <p:cTn id="132" dur="2000" fill="hold"/>
+                                        <p:tgtEl>
+                                          <p:spTgt spid="23"/>
+                                        </p:tgtEl>
+                                        <p:attrNameLst>
+                                          <p:attrName>ppt_x</p:attrName>
+                                          <p:attrName>ppt_y</p:attrName>
+                                        </p:attrNameLst>
+                                      </p:cBhvr>
+                                      <p:rCtr x="-885" y="44167"/>
+                                    </p:animMotion>
+                                  </p:childTnLst>
+                                </p:cTn>
+                              </p:par>
+                              <p:par>
+                                <p:cTn id="133" presetID="42" presetClass="path" presetSubtype="0" accel="50000" decel="50000" fill="hold" grpId="1" nodeType="withEffect">
+                                  <p:stCondLst>
+                                    <p:cond delay="0"/>
+                                  </p:stCondLst>
+                                  <p:childTnLst>
+                                    <p:animMotion origin="layout" path="M 2.08333E-6 1.48148E-6 L -0.00534 0.87222 " pathEditMode="relative" rAng="0" ptsTypes="AA">
+                                      <p:cBhvr>
+                                        <p:cTn id="134" dur="2000" fill="hold"/>
+                                        <p:tgtEl>
+                                          <p:spTgt spid="9"/>
+                                        </p:tgtEl>
+                                        <p:attrNameLst>
+                                          <p:attrName>ppt_x</p:attrName>
+                                          <p:attrName>ppt_y</p:attrName>
+                                        </p:attrNameLst>
+                                      </p:cBhvr>
+                                      <p:rCtr x="-273" y="43611"/>
+                                    </p:animMotion>
+                                  </p:childTnLst>
+                                </p:cTn>
+                              </p:par>
+                              <p:par>
+                                <p:cTn id="135" presetID="42" presetClass="path" presetSubtype="0" accel="50000" decel="50000" fill="hold" grpId="1" nodeType="withEffect">
+                                  <p:stCondLst>
+                                    <p:cond delay="0"/>
+                                  </p:stCondLst>
+                                  <p:childTnLst>
+                                    <p:animMotion origin="layout" path="M 3.54167E-6 -4.07407E-6 L 0.00703 0.95602 " pathEditMode="relative" rAng="0" ptsTypes="AA">
+                                      <p:cBhvr>
+                                        <p:cTn id="136" dur="2000" fill="hold"/>
+                                        <p:tgtEl>
+                                          <p:spTgt spid="18"/>
+                                        </p:tgtEl>
+                                        <p:attrNameLst>
+                                          <p:attrName>ppt_x</p:attrName>
+                                          <p:attrName>ppt_y</p:attrName>
+                                        </p:attrNameLst>
+                                      </p:cBhvr>
+                                      <p:rCtr x="352" y="47801"/>
+                                    </p:animMotion>
+                                  </p:childTnLst>
+                                </p:cTn>
+                              </p:par>
+                              <p:par>
+                                <p:cTn id="137" presetID="42" presetClass="path" presetSubtype="0" accel="50000" decel="50000" fill="hold" grpId="2" nodeType="withEffect">
+                                  <p:stCondLst>
+                                    <p:cond delay="0"/>
+                                  </p:stCondLst>
+                                  <p:childTnLst>
+                                    <p:animMotion origin="layout" path="M 0.39049 -0.50093 L 0.39974 0.35602 " pathEditMode="relative" rAng="0" ptsTypes="AA">
+                                      <p:cBhvr>
+                                        <p:cTn id="138" dur="2000" fill="hold"/>
+                                        <p:tgtEl>
+                                          <p:spTgt spid="24"/>
+                                        </p:tgtEl>
+                                        <p:attrNameLst>
+                                          <p:attrName>ppt_x</p:attrName>
+                                          <p:attrName>ppt_y</p:attrName>
+                                        </p:attrNameLst>
+                                      </p:cBhvr>
+                                      <p:rCtr x="456" y="42847"/>
+                                    </p:animMotion>
+                                  </p:childTnLst>
+                                </p:cTn>
+                              </p:par>
+                              <p:par>
+                                <p:cTn id="139" presetID="1" presetClass="exit" presetSubtype="0" fill="hold" grpId="1" nodeType="withEffect">
+                                  <p:stCondLst>
+                                    <p:cond delay="0"/>
+                                  </p:stCondLst>
+                                  <p:childTnLst>
+                                    <p:set>
+                                      <p:cBhvr>
+                                        <p:cTn id="140" dur="1" fill="hold">
+                                          <p:stCondLst>
+                                            <p:cond delay="0"/>
+                                          </p:stCondLst>
+                                        </p:cTn>
+                                        <p:tgtEl>
+                                          <p:spTgt spid="16"/>
+                                        </p:tgtEl>
+                                        <p:attrNameLst>
+                                          <p:attrName>style.visibility</p:attrName>
+                                        </p:attrNameLst>
+                                      </p:cBhvr>
+                                      <p:to>
+                                        <p:strVal val="hidden"/>
+                                      </p:to>
+                                    </p:set>
+                                  </p:childTnLst>
+                                </p:cTn>
+                              </p:par>
+                            </p:childTnLst>
+                          </p:cTn>
+                        </p:par>
+                      </p:childTnLst>
+                    </p:cTn>
+                  </p:par>
+                  <p:par>
+                    <p:cTn id="141" fill="hold">
+                      <p:stCondLst>
+                        <p:cond delay="indefinite"/>
+                      </p:stCondLst>
+                      <p:childTnLst>
+                        <p:par>
+                          <p:cTn id="142" fill="hold">
+                            <p:stCondLst>
+                              <p:cond delay="0"/>
+                            </p:stCondLst>
+                            <p:childTnLst>
+                              <p:par>
+                                <p:cTn id="143" presetID="42" presetClass="path" presetSubtype="0" accel="50000" decel="50000" fill="hold" grpId="1" nodeType="clickEffect">
+                                  <p:stCondLst>
+                                    <p:cond delay="0"/>
+                                  </p:stCondLst>
+                                  <p:childTnLst>
+                                    <p:animMotion origin="layout" path="M 5E-6 1.48148E-6 L 5E-6 0.8294 " pathEditMode="relative" rAng="0" ptsTypes="AA">
+                                      <p:cBhvr>
+                                        <p:cTn id="144" dur="2000" fill="hold"/>
+                                        <p:tgtEl>
+                                          <p:spTgt spid="7"/>
+                                        </p:tgtEl>
+                                        <p:attrNameLst>
+                                          <p:attrName>ppt_x</p:attrName>
+                                          <p:attrName>ppt_y</p:attrName>
+                                        </p:attrNameLst>
+                                      </p:cBhvr>
+                                      <p:rCtr x="0" y="41458"/>
+                                    </p:animMotion>
+                                  </p:childTnLst>
+                                </p:cTn>
+                              </p:par>
+                              <p:par>
+                                <p:cTn id="145" presetID="42" presetClass="path" presetSubtype="0" accel="50000" decel="50000" fill="hold" grpId="2" nodeType="withEffect">
+                                  <p:stCondLst>
+                                    <p:cond delay="0"/>
+                                  </p:stCondLst>
+                                  <p:childTnLst>
+                                    <p:animMotion origin="layout" path="M 0.42578 0.07199 L 0.4263 0.91204 " pathEditMode="relative" rAng="0" ptsTypes="AA">
+                                      <p:cBhvr>
+                                        <p:cTn id="146" dur="2000" fill="hold"/>
+                                        <p:tgtEl>
+                                          <p:spTgt spid="25"/>
+                                        </p:tgtEl>
+                                        <p:attrNameLst>
+                                          <p:attrName>ppt_x</p:attrName>
+                                          <p:attrName>ppt_y</p:attrName>
+                                        </p:attrNameLst>
+                                      </p:cBhvr>
+                                      <p:rCtr x="26" y="41991"/>
+                                    </p:animMotion>
+                                  </p:childTnLst>
+                                </p:cTn>
+                              </p:par>
+                            </p:childTnLst>
+                          </p:cTn>
+                        </p:par>
+                      </p:childTnLst>
+                    </p:cTn>
+                  </p:par>
+                </p:childTnLst>
+              </p:cTn>
+              <p:prevCondLst>
+                <p:cond evt="onPrev" delay="0">
+                  <p:tgtEl>
+                    <p:sldTgt/>
+                  </p:tgtEl>
+                </p:cond>
+              </p:prevCondLst>
+              <p:nextCondLst>
+                <p:cond evt="onNext" delay="0">
+                  <p:tgtEl>
+                    <p:sldTgt/>
+                  </p:tgtEl>
+                </p:cond>
+              </p:nextCondLst>
+            </p:seq>
+          </p:childTnLst>
+        </p:cTn>
       </p:par>
     </p:tnLst>
+    <p:bldLst>
+      <p:bldP spid="23" grpId="0"/>
+      <p:bldP spid="23" grpId="1"/>
+      <p:bldP spid="23" grpId="2"/>
+      <p:bldP spid="24" grpId="0"/>
+      <p:bldP spid="24" grpId="1"/>
+      <p:bldP spid="24" grpId="2"/>
+      <p:bldP spid="2" grpId="0"/>
+      <p:bldP spid="3" grpId="0" build="p"/>
+      <p:bldP spid="7" grpId="0"/>
+      <p:bldP spid="7" grpId="1"/>
+      <p:bldP spid="8" grpId="0"/>
+      <p:bldP spid="8" grpId="1"/>
+      <p:bldP spid="9" grpId="0"/>
+      <p:bldP spid="9" grpId="1"/>
+      <p:bldP spid="10" grpId="0"/>
+      <p:bldP spid="10" grpId="1"/>
+      <p:bldP spid="11" grpId="0"/>
+      <p:bldP spid="11" grpId="1"/>
+      <p:bldP spid="12" grpId="0"/>
+      <p:bldP spid="12" grpId="1"/>
+      <p:bldP spid="13" grpId="0"/>
+      <p:bldP spid="13" grpId="1"/>
+      <p:bldP spid="14" grpId="0"/>
+      <p:bldP spid="14" grpId="1"/>
+      <p:bldP spid="15" grpId="0" animBg="1"/>
+      <p:bldP spid="16" grpId="0" animBg="1"/>
+      <p:bldP spid="16" grpId="1" animBg="1"/>
+      <p:bldP spid="17" grpId="0" animBg="1"/>
+      <p:bldP spid="17" grpId="1" animBg="1"/>
+      <p:bldP spid="18" grpId="0"/>
+      <p:bldP spid="18" grpId="1"/>
+      <p:bldP spid="19" grpId="0"/>
+      <p:bldP spid="19" grpId="1"/>
+      <p:bldP spid="25" grpId="0"/>
+      <p:bldP spid="25" grpId="1"/>
+      <p:bldP spid="25" grpId="2"/>
+    </p:bldLst>
   </p:timing>
 </p:sld>
 </file>
@@ -9883,14 +13200,117 @@
           <a:chExt cx="0" cy="0"/>
         </a:xfrm>
       </p:grpSpPr>
-      <p:sp>
-        <p:nvSpPr>
-          <p:cNvPr id="2" name="Título 1"/>
+      <p:graphicFrame>
+        <p:nvGraphicFramePr>
+          <p:cNvPr id="21" name="Objeto 20"/>
+          <p:cNvGraphicFramePr>
+            <a:graphicFrameLocks noChangeAspect="1"/>
+          </p:cNvGraphicFramePr>
+          <p:nvPr>
+            <p:extLst>
+              <p:ext uri="{D42A27DB-BD31-4B8C-83A1-F6EECF244321}">
+                <p14:modId xmlns:p14="http://schemas.microsoft.com/office/powerpoint/2010/main" val="1611569595"/>
+              </p:ext>
+            </p:extLst>
+          </p:nvPr>
+        </p:nvGraphicFramePr>
+        <p:xfrm>
+          <a:off x="1214292" y="-1349829"/>
+          <a:ext cx="5157478" cy="3182247"/>
+        </p:xfrm>
+        <a:graphic>
+          <a:graphicData uri="http://schemas.openxmlformats.org/presentationml/2006/ole">
+            <mc:AlternateContent xmlns:mc="http://schemas.openxmlformats.org/markup-compatibility/2006">
+              <mc:Choice xmlns:v="urn:schemas-microsoft-com:vml" Requires="v">
+                <p:oleObj spid="_x0000_s3076" name="Image" r:id="rId4" imgW="4494960" imgH="2742840" progId="Photoshop.Image.15">
+                  <p:embed/>
+                </p:oleObj>
+              </mc:Choice>
+              <mc:Fallback>
+                <p:oleObj name="Image" r:id="rId4" imgW="4494960" imgH="2742840" progId="Photoshop.Image.15">
+                  <p:embed/>
+                  <p:pic>
+                    <p:nvPicPr>
+                      <p:cNvPr id="0" name=""/>
+                      <p:cNvPicPr/>
+                      <p:nvPr/>
+                    </p:nvPicPr>
+                    <p:blipFill>
+                      <a:blip r:embed="rId5"/>
+                      <a:stretch>
+                        <a:fillRect/>
+                      </a:stretch>
+                    </p:blipFill>
+                    <p:spPr>
+                      <a:xfrm>
+                        <a:off x="1214292" y="-1349829"/>
+                        <a:ext cx="5157478" cy="3182247"/>
+                      </a:xfrm>
+                      <a:prstGeom prst="rect">
+                        <a:avLst/>
+                      </a:prstGeom>
+                    </p:spPr>
+                  </p:pic>
+                </p:oleObj>
+              </mc:Fallback>
+            </mc:AlternateContent>
+          </a:graphicData>
+        </a:graphic>
+      </p:graphicFrame>
+      <p:sp>
+        <p:nvSpPr>
+          <p:cNvPr id="27" name="Rectángulo 26"/>
+          <p:cNvSpPr/>
+          <p:nvPr/>
+        </p:nvSpPr>
+        <p:spPr>
+          <a:xfrm>
+            <a:off x="1214291" y="1832418"/>
+            <a:ext cx="5151477" cy="5025582"/>
+          </a:xfrm>
+          <a:prstGeom prst="rect">
+            <a:avLst/>
+          </a:prstGeom>
+          <a:solidFill>
+            <a:srgbClr val="DCF0F4"/>
+          </a:solidFill>
+          <a:ln>
+            <a:noFill/>
+          </a:ln>
+        </p:spPr>
+        <p:style>
+          <a:lnRef idx="2">
+            <a:schemeClr val="accent1">
+              <a:shade val="50000"/>
+            </a:schemeClr>
+          </a:lnRef>
+          <a:fillRef idx="1">
+            <a:schemeClr val="accent1"/>
+          </a:fillRef>
+          <a:effectRef idx="0">
+            <a:schemeClr val="accent1"/>
+          </a:effectRef>
+          <a:fontRef idx="minor">
+            <a:schemeClr val="lt1"/>
+          </a:fontRef>
+        </p:style>
+        <p:txBody>
+          <a:bodyPr rtlCol="0" anchor="ctr"/>
+          <a:lstStyle/>
+          <a:p>
+            <a:pPr algn="ctr"/>
+            <a:endParaRPr lang="es-ES"/>
+          </a:p>
+        </p:txBody>
+      </p:sp>
+      <p:sp>
+        <p:nvSpPr>
+          <p:cNvPr id="4" name="Marcador de número de diapositiva 3"/>
           <p:cNvSpPr>
             <a:spLocks noGrp="1"/>
           </p:cNvSpPr>
           <p:nvPr>
-            <p:ph type="title"/>
+            <p:ph type="sldNum" sz="quarter" idx="12"/>
           </p:nvPr>
         </p:nvSpPr>
         <p:spPr/>
@@ -9898,48 +13318,254 @@
           <a:bodyPr/>
           <a:lstStyle/>
           <a:p>
-            <a:r>
-              <a:rPr lang="es-ES" dirty="0" smtClean="0"/>
-              <a:t>Experimentación </a:t>
-            </a:r>
-            <a:endParaRPr lang="es-ES" dirty="0"/>
+            <a:fld id="{4FAB73BC-B049-4115-A692-8D63A059BFB8}" type="slidenum">
+              <a:rPr lang="en-US" smtClean="0"/>
+              <a:t>17</a:t>
+            </a:fld>
+            <a:endParaRPr lang="en-US" dirty="0"/>
           </a:p>
         </p:txBody>
       </p:sp>
       <p:sp>
         <p:nvSpPr>
-          <p:cNvPr id="3" name="Marcador de contenido 2"/>
-          <p:cNvSpPr>
-            <a:spLocks noGrp="1"/>
-          </p:cNvSpPr>
-          <p:nvPr>
-            <p:ph idx="1"/>
-          </p:nvPr>
+          <p:cNvPr id="7" name="CuadroTexto 6"/>
+          <p:cNvSpPr txBox="1"/>
+          <p:nvPr/>
         </p:nvSpPr>
         <p:spPr>
           <a:xfrm>
-            <a:off x="676656" y="1825944"/>
-            <a:ext cx="10753725" cy="831532"/>
+            <a:off x="10226966" y="-2734823"/>
+            <a:ext cx="5151476" cy="1754326"/>
           </a:xfrm>
+          <a:prstGeom prst="rect">
+            <a:avLst/>
+          </a:prstGeom>
+          <a:solidFill>
+            <a:srgbClr val="FFFFD5"/>
+          </a:solidFill>
         </p:spPr>
         <p:txBody>
-          <a:bodyPr/>
+          <a:bodyPr wrap="square" rtlCol="0">
+            <a:spAutoFit/>
+          </a:bodyPr>
           <a:lstStyle/>
           <a:p>
-            <a:pPr marL="0" indent="0">
-              <a:buNone/>
-            </a:pPr>
-            <a:r>
-              <a:rPr lang="es-ES" b="1" dirty="0" smtClean="0"/>
-              <a:t>Demostración del programa en ejecución</a:t>
-            </a:r>
+            <a:r>
+              <a:rPr lang="es-ES" dirty="0" err="1" smtClean="0"/>
+              <a:t>void</a:t>
+            </a:r>
+            <a:r>
+              <a:rPr lang="es-ES" dirty="0" smtClean="0"/>
+              <a:t> main() </a:t>
+            </a:r>
+          </a:p>
+          <a:p>
+            <a:r>
+              <a:rPr lang="es-ES" dirty="0" smtClean="0"/>
+              <a:t>{</a:t>
+            </a:r>
+          </a:p>
+          <a:p>
+            <a:r>
+              <a:rPr lang="es-ES" dirty="0" smtClean="0"/>
+              <a:t>	vec4 </a:t>
+            </a:r>
+            <a:r>
+              <a:rPr lang="es-ES" dirty="0" err="1" smtClean="0"/>
+              <a:t>colorBase</a:t>
+            </a:r>
+            <a:r>
+              <a:rPr lang="es-ES" dirty="0"/>
+              <a:t> </a:t>
+            </a:r>
+            <a:r>
+              <a:rPr lang="es-ES" dirty="0" smtClean="0"/>
+              <a:t>= Multiply01;</a:t>
+            </a:r>
+          </a:p>
+          <a:p>
+            <a:r>
+              <a:rPr lang="es-ES" dirty="0" smtClean="0"/>
+              <a:t>	</a:t>
+            </a:r>
+          </a:p>
+          <a:p>
+            <a:r>
+              <a:rPr lang="es-ES" dirty="0" smtClean="0"/>
+              <a:t>	// mas operaciones aquí</a:t>
+            </a:r>
+          </a:p>
+          <a:p>
+            <a:r>
+              <a:rPr lang="es-ES" dirty="0" smtClean="0"/>
+              <a:t>}</a:t>
+            </a:r>
+            <a:endParaRPr lang="es-ES" dirty="0"/>
+          </a:p>
+        </p:txBody>
+      </p:sp>
+      <p:sp>
+        <p:nvSpPr>
+          <p:cNvPr id="9" name="CuadroTexto 8"/>
+          <p:cNvSpPr txBox="1"/>
+          <p:nvPr/>
+        </p:nvSpPr>
+        <p:spPr>
+          <a:xfrm>
+            <a:off x="6538529" y="-2734823"/>
+            <a:ext cx="5151477" cy="1754326"/>
+          </a:xfrm>
+          <a:prstGeom prst="rect">
+            <a:avLst/>
+          </a:prstGeom>
+          <a:solidFill>
+            <a:srgbClr val="FF9999"/>
+          </a:solidFill>
+        </p:spPr>
+        <p:txBody>
+          <a:bodyPr wrap="square" rtlCol="0">
+            <a:spAutoFit/>
+          </a:bodyPr>
+          <a:lstStyle/>
+          <a:p>
+            <a:r>
+              <a:rPr lang="es-ES" dirty="0"/>
+              <a:t>v</a:t>
+            </a:r>
+            <a:r>
+              <a:rPr lang="es-ES" dirty="0" smtClean="0"/>
+              <a:t>ec4 Multiply01() </a:t>
+            </a:r>
+          </a:p>
+          <a:p>
+            <a:r>
+              <a:rPr lang="es-ES" dirty="0" smtClean="0"/>
+              <a:t>{</a:t>
+            </a:r>
+          </a:p>
+          <a:p>
+            <a:r>
+              <a:rPr lang="es-ES" dirty="0" smtClean="0"/>
+              <a:t>	vec4 X = Texture01; </a:t>
+            </a:r>
+          </a:p>
+          <a:p>
+            <a:r>
+              <a:rPr lang="es-ES" dirty="0"/>
+              <a:t>	vec4 Y</a:t>
+            </a:r>
+            <a:r>
+              <a:rPr lang="es-ES" dirty="0" smtClean="0"/>
+              <a:t> </a:t>
+            </a:r>
+            <a:r>
+              <a:rPr lang="es-ES" dirty="0"/>
+              <a:t>= </a:t>
+            </a:r>
+            <a:r>
+              <a:rPr lang="es-ES" dirty="0" smtClean="0"/>
+              <a:t>	ConstFloat01;</a:t>
+            </a:r>
+          </a:p>
+          <a:p>
+            <a:r>
+              <a:rPr lang="es-ES" dirty="0" smtClean="0"/>
+              <a:t>	</a:t>
+            </a:r>
+            <a:r>
+              <a:rPr lang="es-ES" dirty="0" err="1" smtClean="0"/>
+              <a:t>return</a:t>
+            </a:r>
+            <a:r>
+              <a:rPr lang="es-ES" dirty="0" smtClean="0"/>
+              <a:t> X * Y;</a:t>
+            </a:r>
+          </a:p>
+          <a:p>
+            <a:r>
+              <a:rPr lang="es-ES" dirty="0" smtClean="0"/>
+              <a:t>}</a:t>
+            </a:r>
+            <a:endParaRPr lang="es-ES" dirty="0"/>
+          </a:p>
+        </p:txBody>
+      </p:sp>
+      <p:sp>
+        <p:nvSpPr>
+          <p:cNvPr id="13" name="CuadroTexto 12"/>
+          <p:cNvSpPr txBox="1"/>
+          <p:nvPr/>
+        </p:nvSpPr>
+        <p:spPr>
+          <a:xfrm>
+            <a:off x="1214291" y="-1349829"/>
+            <a:ext cx="5151477" cy="369332"/>
+          </a:xfrm>
+          <a:prstGeom prst="rect">
+            <a:avLst/>
+          </a:prstGeom>
+          <a:solidFill>
+            <a:schemeClr val="bg2">
+              <a:lumMod val="90000"/>
+            </a:schemeClr>
+          </a:solidFill>
+        </p:spPr>
+        <p:txBody>
+          <a:bodyPr wrap="square" rtlCol="0">
+            <a:spAutoFit/>
+          </a:bodyPr>
+          <a:lstStyle/>
+          <a:p>
+            <a:r>
+              <a:rPr lang="es-ES" dirty="0" err="1"/>
+              <a:t>uniform</a:t>
+            </a:r>
+            <a:r>
+              <a:rPr lang="es-ES" dirty="0"/>
+              <a:t> </a:t>
+            </a:r>
+            <a:r>
+              <a:rPr lang="es-ES" dirty="0" smtClean="0"/>
+              <a:t>sampler2D Texture01;</a:t>
+            </a:r>
+            <a:endParaRPr lang="es-ES" dirty="0"/>
+          </a:p>
+        </p:txBody>
+      </p:sp>
+      <p:sp>
+        <p:nvSpPr>
+          <p:cNvPr id="22" name="CuadroTexto 21"/>
+          <p:cNvSpPr txBox="1"/>
+          <p:nvPr/>
+        </p:nvSpPr>
+        <p:spPr>
+          <a:xfrm>
+            <a:off x="7489370" y="2713248"/>
+            <a:ext cx="4505435" cy="1015663"/>
+          </a:xfrm>
+          <a:prstGeom prst="rect">
+            <a:avLst/>
+          </a:prstGeom>
+          <a:noFill/>
+        </p:spPr>
+        <p:txBody>
+          <a:bodyPr wrap="square" rtlCol="0">
+            <a:spAutoFit/>
+          </a:bodyPr>
+          <a:lstStyle/>
+          <a:p>
+            <a:r>
+              <a:rPr lang="es-ES" sz="6000" dirty="0" smtClean="0"/>
+              <a:t>Código GLSL</a:t>
+            </a:r>
+            <a:endParaRPr lang="es-ES" sz="6000" dirty="0"/>
           </a:p>
         </p:txBody>
       </p:sp>
     </p:spTree>
     <p:extLst>
       <p:ext uri="{BB962C8B-B14F-4D97-AF65-F5344CB8AC3E}">
-        <p14:creationId xmlns:p14="http://schemas.microsoft.com/office/powerpoint/2010/main" val="2226310896"/>
+        <p14:creationId xmlns:p14="http://schemas.microsoft.com/office/powerpoint/2010/main" val="4193874862"/>
       </p:ext>
     </p:extLst>
   </p:cSld>
@@ -9949,9 +13575,139 @@
   <p:timing>
     <p:tnLst>
       <p:par>
-        <p:cTn id="1" dur="indefinite" restart="never" nodeType="tmRoot"/>
+        <p:cTn id="1" dur="indefinite" restart="never" nodeType="tmRoot">
+          <p:childTnLst>
+            <p:seq concurrent="1" nextAc="seek">
+              <p:cTn id="2" dur="indefinite" nodeType="mainSeq">
+                <p:childTnLst>
+                  <p:par>
+                    <p:cTn id="3" fill="hold">
+                      <p:stCondLst>
+                        <p:cond delay="indefinite"/>
+                      </p:stCondLst>
+                      <p:childTnLst>
+                        <p:par>
+                          <p:cTn id="4" fill="hold">
+                            <p:stCondLst>
+                              <p:cond delay="0"/>
+                            </p:stCondLst>
+                            <p:childTnLst>
+                              <p:par>
+                                <p:cTn id="5" presetID="42" presetClass="path" presetSubtype="0" accel="50000" decel="50000" fill="hold" grpId="0" nodeType="clickEffect">
+                                  <p:stCondLst>
+                                    <p:cond delay="0"/>
+                                  </p:stCondLst>
+                                  <p:childTnLst>
+                                    <p:animMotion origin="layout" path="M 2.70833E-6 -2.59259E-6 L 0.00013 0.49769 " pathEditMode="relative" rAng="0" ptsTypes="AA">
+                                      <p:cBhvr>
+                                        <p:cTn id="6" dur="1000" fill="hold"/>
+                                        <p:tgtEl>
+                                          <p:spTgt spid="13"/>
+                                        </p:tgtEl>
+                                        <p:attrNameLst>
+                                          <p:attrName>ppt_x</p:attrName>
+                                          <p:attrName>ppt_y</p:attrName>
+                                        </p:attrNameLst>
+                                      </p:cBhvr>
+                                      <p:rCtr x="0" y="24884"/>
+                                    </p:animMotion>
+                                  </p:childTnLst>
+                                </p:cTn>
+                              </p:par>
+                            </p:childTnLst>
+                          </p:cTn>
+                        </p:par>
+                        <p:par>
+                          <p:cTn id="7" fill="hold">
+                            <p:stCondLst>
+                              <p:cond delay="1000"/>
+                            </p:stCondLst>
+                            <p:childTnLst>
+                              <p:par>
+                                <p:cTn id="8" presetID="42" presetClass="path" presetSubtype="0" accel="50000" decel="50000" fill="hold" grpId="0" nodeType="afterEffect">
+                                  <p:stCondLst>
+                                    <p:cond delay="0"/>
+                                  </p:stCondLst>
+                                  <p:childTnLst>
+                                    <p:animMotion origin="layout" path="M 3.95833E-6 3.33333E-6 L -0.43659 0.79305 " pathEditMode="relative" rAng="0" ptsTypes="AA">
+                                      <p:cBhvr>
+                                        <p:cTn id="9" dur="1000" fill="hold"/>
+                                        <p:tgtEl>
+                                          <p:spTgt spid="9"/>
+                                        </p:tgtEl>
+                                        <p:attrNameLst>
+                                          <p:attrName>ppt_x</p:attrName>
+                                          <p:attrName>ppt_y</p:attrName>
+                                        </p:attrNameLst>
+                                      </p:cBhvr>
+                                      <p:rCtr x="-21836" y="39653"/>
+                                    </p:animMotion>
+                                  </p:childTnLst>
+                                </p:cTn>
+                              </p:par>
+                            </p:childTnLst>
+                          </p:cTn>
+                        </p:par>
+                        <p:par>
+                          <p:cTn id="10" fill="hold">
+                            <p:stCondLst>
+                              <p:cond delay="2000"/>
+                            </p:stCondLst>
+                            <p:childTnLst>
+                              <p:par>
+                                <p:cTn id="11" presetID="42" presetClass="path" presetSubtype="0" accel="50000" decel="50000" fill="hold" grpId="0" nodeType="afterEffect">
+                                  <p:stCondLst>
+                                    <p:cond delay="0"/>
+                                  </p:stCondLst>
+                                  <p:childTnLst>
+                                    <p:animMotion origin="layout" path="M 0 3.33333E-6 L -0.73906 1.09305 " pathEditMode="relative" rAng="0" ptsTypes="AA">
+                                      <p:cBhvr>
+                                        <p:cTn id="12" dur="1000" fill="hold"/>
+                                        <p:tgtEl>
+                                          <p:spTgt spid="7"/>
+                                        </p:tgtEl>
+                                        <p:attrNameLst>
+                                          <p:attrName>ppt_x</p:attrName>
+                                          <p:attrName>ppt_y</p:attrName>
+                                        </p:attrNameLst>
+                                      </p:cBhvr>
+                                      <p:rCtr x="-36953" y="54653"/>
+                                    </p:animMotion>
+                                  </p:childTnLst>
+                                </p:cTn>
+                              </p:par>
+                            </p:childTnLst>
+                          </p:cTn>
+                        </p:par>
+                      </p:childTnLst>
+                    </p:cTn>
+                  </p:par>
+                </p:childTnLst>
+              </p:cTn>
+              <p:prevCondLst>
+                <p:cond evt="onPrev" delay="0">
+                  <p:tgtEl>
+                    <p:sldTgt/>
+                  </p:tgtEl>
+                </p:cond>
+              </p:prevCondLst>
+              <p:nextCondLst>
+                <p:cond evt="onNext" delay="0">
+                  <p:tgtEl>
+                    <p:sldTgt/>
+                  </p:tgtEl>
+                </p:cond>
+              </p:nextCondLst>
+            </p:seq>
+          </p:childTnLst>
+        </p:cTn>
       </p:par>
     </p:tnLst>
+    <p:bldLst>
+      <p:bldP spid="7" grpId="0" animBg="1"/>
+      <p:bldP spid="9" grpId="0" animBg="1"/>
+      <p:bldP spid="13" grpId="0" animBg="1"/>
+    </p:bldLst>
   </p:timing>
 </p:sld>
 </file>
@@ -9990,7 +13746,7 @@
           <a:p>
             <a:r>
               <a:rPr lang="es-ES" dirty="0" smtClean="0"/>
-              <a:t>Conclusión y trabajos futuros</a:t>
+              <a:t>Experimentación </a:t>
             </a:r>
             <a:endParaRPr lang="es-ES" dirty="0"/>
           </a:p>
@@ -10008,14 +13764,12 @@
         </p:nvSpPr>
         <p:spPr>
           <a:xfrm>
-            <a:off x="657224" y="2157731"/>
-            <a:ext cx="10753725" cy="3706040"/>
+            <a:off x="676656" y="1825944"/>
+            <a:ext cx="10753725" cy="831532"/>
           </a:xfrm>
         </p:spPr>
         <p:txBody>
-          <a:bodyPr>
-            <a:normAutofit/>
-          </a:bodyPr>
+          <a:bodyPr/>
           <a:lstStyle/>
           <a:p>
             <a:pPr marL="0" indent="0">
@@ -10023,76 +13777,38 @@
             </a:pPr>
             <a:r>
               <a:rPr lang="es-ES" b="1" dirty="0" smtClean="0"/>
-              <a:t>Conclusiones</a:t>
-            </a:r>
-            <a:endParaRPr lang="es-ES" b="1" dirty="0" smtClean="0"/>
-          </a:p>
-          <a:p>
-            <a:pPr>
-              <a:lnSpc>
-                <a:spcPct val="200000"/>
-              </a:lnSpc>
-              <a:buFont typeface="Wingdings" panose="05000000000000000000" pitchFamily="2" charset="2"/>
-              <a:buChar char="§"/>
-            </a:pPr>
-            <a:r>
-              <a:rPr lang="es-ES" dirty="0" smtClean="0"/>
-              <a:t>Herramienta que cumple con todos los objetivos propuestos  </a:t>
-            </a:r>
-            <a:endParaRPr lang="es-ES" dirty="0" smtClean="0"/>
-          </a:p>
-          <a:p>
-            <a:pPr marL="0" indent="0">
-              <a:lnSpc>
-                <a:spcPct val="200000"/>
-              </a:lnSpc>
-              <a:buNone/>
-            </a:pPr>
-            <a:r>
-              <a:rPr lang="es-ES" b="1" dirty="0" smtClean="0"/>
-              <a:t>Principal aportación</a:t>
-            </a:r>
-            <a:r>
-              <a:rPr lang="es-ES" b="1" smtClean="0"/>
-              <a:t>:</a:t>
-            </a:r>
-            <a:r>
-              <a:rPr lang="es-ES" smtClean="0"/>
-              <a:t>  g</a:t>
-            </a:r>
-            <a:r>
-              <a:rPr lang="es-ES" smtClean="0"/>
-              <a:t>enera </a:t>
-            </a:r>
-            <a:r>
-              <a:rPr lang="es-ES" dirty="0" smtClean="0"/>
-              <a:t>Shaders de fácil integración en sistemas externos</a:t>
-            </a:r>
-          </a:p>
-          <a:p>
-            <a:pPr marL="0" indent="0">
-              <a:buNone/>
-            </a:pPr>
-            <a:endParaRPr lang="es-ES" b="1" dirty="0" smtClean="0"/>
-          </a:p>
-          <a:p>
-            <a:pPr marL="0" indent="0">
-              <a:buNone/>
-            </a:pPr>
-            <a:endParaRPr lang="es-ES" b="1" dirty="0" smtClean="0"/>
-          </a:p>
-          <a:p>
-            <a:pPr marL="0" indent="0">
-              <a:buNone/>
-            </a:pPr>
-            <a:endParaRPr lang="es-ES" b="1" dirty="0" smtClean="0"/>
+              <a:t>Demostración del programa en ejecución</a:t>
+            </a:r>
+          </a:p>
+        </p:txBody>
+      </p:sp>
+      <p:sp>
+        <p:nvSpPr>
+          <p:cNvPr id="4" name="Marcador de número de diapositiva 3"/>
+          <p:cNvSpPr>
+            <a:spLocks noGrp="1"/>
+          </p:cNvSpPr>
+          <p:nvPr>
+            <p:ph type="sldNum" sz="quarter" idx="12"/>
+          </p:nvPr>
+        </p:nvSpPr>
+        <p:spPr/>
+        <p:txBody>
+          <a:bodyPr/>
+          <a:lstStyle/>
+          <a:p>
+            <a:fld id="{4FAB73BC-B049-4115-A692-8D63A059BFB8}" type="slidenum">
+              <a:rPr lang="en-US" smtClean="0"/>
+              <a:t>18</a:t>
+            </a:fld>
+            <a:endParaRPr lang="en-US" dirty="0"/>
           </a:p>
         </p:txBody>
       </p:sp>
     </p:spTree>
     <p:extLst>
       <p:ext uri="{BB962C8B-B14F-4D97-AF65-F5344CB8AC3E}">
-        <p14:creationId xmlns:p14="http://schemas.microsoft.com/office/powerpoint/2010/main" val="4200745636"/>
+        <p14:creationId xmlns:p14="http://schemas.microsoft.com/office/powerpoint/2010/main" val="2226310896"/>
       </p:ext>
     </p:extLst>
   </p:cSld>
@@ -10161,7 +13877,7 @@
         </p:nvSpPr>
         <p:spPr>
           <a:xfrm>
-            <a:off x="676274" y="2157731"/>
+            <a:off x="657224" y="2157731"/>
             <a:ext cx="10753725" cy="3706040"/>
           </a:xfrm>
         </p:spPr>
@@ -10176,7 +13892,44 @@
             </a:pPr>
             <a:r>
               <a:rPr lang="es-ES" b="1" dirty="0" smtClean="0"/>
-              <a:t>Trabajos futuros:</a:t>
+              <a:t>Conclusiones</a:t>
+            </a:r>
+          </a:p>
+          <a:p>
+            <a:pPr>
+              <a:lnSpc>
+                <a:spcPct val="200000"/>
+              </a:lnSpc>
+              <a:buFont typeface="Wingdings" panose="05000000000000000000" pitchFamily="2" charset="2"/>
+              <a:buChar char="§"/>
+            </a:pPr>
+            <a:r>
+              <a:rPr lang="es-ES" dirty="0" smtClean="0"/>
+              <a:t>Herramienta que cumple con todos los objetivos propuestos  </a:t>
+            </a:r>
+          </a:p>
+          <a:p>
+            <a:pPr marL="0" indent="0">
+              <a:lnSpc>
+                <a:spcPct val="200000"/>
+              </a:lnSpc>
+              <a:buNone/>
+            </a:pPr>
+            <a:r>
+              <a:rPr lang="es-ES" b="1" dirty="0" smtClean="0"/>
+              <a:t>Principal aportación</a:t>
+            </a:r>
+            <a:r>
+              <a:rPr lang="es-ES" b="1" smtClean="0"/>
+              <a:t>:</a:t>
+            </a:r>
+            <a:r>
+              <a:rPr lang="es-ES" smtClean="0"/>
+              <a:t>  genera </a:t>
+            </a:r>
+            <a:r>
+              <a:rPr lang="es-ES" dirty="0" smtClean="0"/>
+              <a:t>Shaders de fácil integración en sistemas externos</a:t>
             </a:r>
           </a:p>
           <a:p>
@@ -10186,64 +13939,6 @@
             <a:endParaRPr lang="es-ES" b="1" dirty="0" smtClean="0"/>
           </a:p>
           <a:p>
-            <a:pPr>
-              <a:buFont typeface="Wingdings" panose="05000000000000000000" pitchFamily="2" charset="2"/>
-              <a:buChar char="§"/>
-            </a:pPr>
-            <a:r>
-              <a:rPr lang="es-ES" dirty="0" smtClean="0"/>
-              <a:t>Mejoras generales sobre la aplicación: En usabilidad, en interacción</a:t>
-            </a:r>
-            <a:r>
-              <a:rPr lang="es-ES" dirty="0"/>
-              <a:t> </a:t>
-            </a:r>
-            <a:r>
-              <a:rPr lang="es-ES" dirty="0" smtClean="0"/>
-              <a:t>etc.</a:t>
-            </a:r>
-          </a:p>
-          <a:p>
-            <a:pPr>
-              <a:buFont typeface="Wingdings" panose="05000000000000000000" pitchFamily="2" charset="2"/>
-              <a:buChar char="§"/>
-            </a:pPr>
-            <a:endParaRPr lang="es-ES" dirty="0" smtClean="0"/>
-          </a:p>
-          <a:p>
-            <a:pPr>
-              <a:buFont typeface="Wingdings" panose="05000000000000000000" pitchFamily="2" charset="2"/>
-              <a:buChar char="§"/>
-            </a:pPr>
-            <a:r>
-              <a:rPr lang="es-ES" dirty="0" smtClean="0"/>
-              <a:t>Invertir en un modelo de iluminación más competitivo.</a:t>
-            </a:r>
-          </a:p>
-          <a:p>
-            <a:pPr>
-              <a:buFont typeface="Wingdings" panose="05000000000000000000" pitchFamily="2" charset="2"/>
-              <a:buChar char="§"/>
-            </a:pPr>
-            <a:endParaRPr lang="en-US" dirty="0"/>
-          </a:p>
-          <a:p>
-            <a:pPr>
-              <a:buFont typeface="Wingdings" panose="05000000000000000000" pitchFamily="2" charset="2"/>
-              <a:buChar char="§"/>
-            </a:pPr>
-            <a:r>
-              <a:rPr lang="es-ES" dirty="0" smtClean="0"/>
-              <a:t>Biblioteca de nodos más completa</a:t>
-            </a:r>
-          </a:p>
-          <a:p>
-            <a:pPr marL="0" indent="0">
-              <a:buNone/>
-            </a:pPr>
-            <a:endParaRPr lang="es-ES" dirty="0" smtClean="0"/>
-          </a:p>
-          <a:p>
             <a:pPr marL="0" indent="0">
               <a:buNone/>
             </a:pPr>
@@ -10257,10 +13952,33 @@
           </a:p>
         </p:txBody>
       </p:sp>
+      <p:sp>
+        <p:nvSpPr>
+          <p:cNvPr id="4" name="Marcador de número de diapositiva 3"/>
+          <p:cNvSpPr>
+            <a:spLocks noGrp="1"/>
+          </p:cNvSpPr>
+          <p:nvPr>
+            <p:ph type="sldNum" sz="quarter" idx="12"/>
+          </p:nvPr>
+        </p:nvSpPr>
+        <p:spPr/>
+        <p:txBody>
+          <a:bodyPr/>
+          <a:lstStyle/>
+          <a:p>
+            <a:fld id="{4FAB73BC-B049-4115-A692-8D63A059BFB8}" type="slidenum">
+              <a:rPr lang="en-US" smtClean="0"/>
+              <a:t>19</a:t>
+            </a:fld>
+            <a:endParaRPr lang="en-US" dirty="0"/>
+          </a:p>
+        </p:txBody>
+      </p:sp>
     </p:spTree>
     <p:extLst>
       <p:ext uri="{BB962C8B-B14F-4D97-AF65-F5344CB8AC3E}">
-        <p14:creationId xmlns:p14="http://schemas.microsoft.com/office/powerpoint/2010/main" val="3040511703"/>
+        <p14:creationId xmlns:p14="http://schemas.microsoft.com/office/powerpoint/2010/main" val="4200745636"/>
       </p:ext>
     </p:extLst>
   </p:cSld>
@@ -10340,6 +14058,29 @@
           </a:p>
         </p:txBody>
       </p:sp>
+      <p:sp>
+        <p:nvSpPr>
+          <p:cNvPr id="4" name="Marcador de número de diapositiva 3"/>
+          <p:cNvSpPr>
+            <a:spLocks noGrp="1"/>
+          </p:cNvSpPr>
+          <p:nvPr>
+            <p:ph type="sldNum" sz="quarter" idx="12"/>
+          </p:nvPr>
+        </p:nvSpPr>
+        <p:spPr/>
+        <p:txBody>
+          <a:bodyPr/>
+          <a:lstStyle/>
+          <a:p>
+            <a:fld id="{4FAB73BC-B049-4115-A692-8D63A059BFB8}" type="slidenum">
+              <a:rPr lang="en-US" smtClean="0"/>
+              <a:t>2</a:t>
+            </a:fld>
+            <a:endParaRPr lang="en-US" dirty="0"/>
+          </a:p>
+        </p:txBody>
+      </p:sp>
     </p:spTree>
     <p:extLst>
       <p:ext uri="{BB962C8B-B14F-4D97-AF65-F5344CB8AC3E}">
@@ -10361,6 +14102,197 @@
 </file>
 
 <file path=ppt/slides/slide20.xml><?xml version="1.0" encoding="utf-8"?>
+<p:sld xmlns:a="http://schemas.openxmlformats.org/drawingml/2006/main" xmlns:r="http://schemas.openxmlformats.org/officeDocument/2006/relationships" xmlns:p="http://schemas.openxmlformats.org/presentationml/2006/main">
+  <p:cSld>
+    <p:spTree>
+      <p:nvGrpSpPr>
+        <p:cNvPr id="1" name=""/>
+        <p:cNvGrpSpPr/>
+        <p:nvPr/>
+      </p:nvGrpSpPr>
+      <p:grpSpPr>
+        <a:xfrm>
+          <a:off x="0" y="0"/>
+          <a:ext cx="0" cy="0"/>
+          <a:chOff x="0" y="0"/>
+          <a:chExt cx="0" cy="0"/>
+        </a:xfrm>
+      </p:grpSpPr>
+      <p:sp>
+        <p:nvSpPr>
+          <p:cNvPr id="2" name="Título 1"/>
+          <p:cNvSpPr>
+            <a:spLocks noGrp="1"/>
+          </p:cNvSpPr>
+          <p:nvPr>
+            <p:ph type="title"/>
+          </p:nvPr>
+        </p:nvSpPr>
+        <p:spPr/>
+        <p:txBody>
+          <a:bodyPr/>
+          <a:lstStyle/>
+          <a:p>
+            <a:r>
+              <a:rPr lang="es-ES" dirty="0" smtClean="0"/>
+              <a:t>Conclusión y trabajos futuros</a:t>
+            </a:r>
+            <a:endParaRPr lang="es-ES" dirty="0"/>
+          </a:p>
+        </p:txBody>
+      </p:sp>
+      <p:sp>
+        <p:nvSpPr>
+          <p:cNvPr id="3" name="Marcador de contenido 2"/>
+          <p:cNvSpPr>
+            <a:spLocks noGrp="1"/>
+          </p:cNvSpPr>
+          <p:nvPr>
+            <p:ph idx="1"/>
+          </p:nvPr>
+        </p:nvSpPr>
+        <p:spPr>
+          <a:xfrm>
+            <a:off x="676274" y="2157731"/>
+            <a:ext cx="10753725" cy="3706040"/>
+          </a:xfrm>
+        </p:spPr>
+        <p:txBody>
+          <a:bodyPr>
+            <a:normAutofit/>
+          </a:bodyPr>
+          <a:lstStyle/>
+          <a:p>
+            <a:pPr marL="0" indent="0">
+              <a:buNone/>
+            </a:pPr>
+            <a:r>
+              <a:rPr lang="es-ES" b="1" dirty="0" smtClean="0"/>
+              <a:t>Trabajos futuros:</a:t>
+            </a:r>
+          </a:p>
+          <a:p>
+            <a:pPr marL="0" indent="0">
+              <a:buNone/>
+            </a:pPr>
+            <a:endParaRPr lang="es-ES" b="1" dirty="0" smtClean="0"/>
+          </a:p>
+          <a:p>
+            <a:pPr>
+              <a:buFont typeface="Wingdings" panose="05000000000000000000" pitchFamily="2" charset="2"/>
+              <a:buChar char="§"/>
+            </a:pPr>
+            <a:r>
+              <a:rPr lang="es-ES" dirty="0" smtClean="0"/>
+              <a:t>Mejoras generales sobre la aplicación: En usabilidad, en interacción</a:t>
+            </a:r>
+            <a:r>
+              <a:rPr lang="es-ES" dirty="0"/>
+              <a:t> </a:t>
+            </a:r>
+            <a:r>
+              <a:rPr lang="es-ES" dirty="0" smtClean="0"/>
+              <a:t>etc.</a:t>
+            </a:r>
+          </a:p>
+          <a:p>
+            <a:pPr>
+              <a:buFont typeface="Wingdings" panose="05000000000000000000" pitchFamily="2" charset="2"/>
+              <a:buChar char="§"/>
+            </a:pPr>
+            <a:endParaRPr lang="es-ES" dirty="0" smtClean="0"/>
+          </a:p>
+          <a:p>
+            <a:pPr>
+              <a:buFont typeface="Wingdings" panose="05000000000000000000" pitchFamily="2" charset="2"/>
+              <a:buChar char="§"/>
+            </a:pPr>
+            <a:r>
+              <a:rPr lang="es-ES" dirty="0" smtClean="0"/>
+              <a:t>Invertir en un modelo de iluminación más competitivo.</a:t>
+            </a:r>
+          </a:p>
+          <a:p>
+            <a:pPr>
+              <a:buFont typeface="Wingdings" panose="05000000000000000000" pitchFamily="2" charset="2"/>
+              <a:buChar char="§"/>
+            </a:pPr>
+            <a:endParaRPr lang="en-US" dirty="0"/>
+          </a:p>
+          <a:p>
+            <a:pPr>
+              <a:buFont typeface="Wingdings" panose="05000000000000000000" pitchFamily="2" charset="2"/>
+              <a:buChar char="§"/>
+            </a:pPr>
+            <a:r>
+              <a:rPr lang="es-ES" dirty="0" smtClean="0"/>
+              <a:t>Biblioteca de nodos más completa</a:t>
+            </a:r>
+          </a:p>
+          <a:p>
+            <a:pPr marL="0" indent="0">
+              <a:buNone/>
+            </a:pPr>
+            <a:endParaRPr lang="es-ES" dirty="0" smtClean="0"/>
+          </a:p>
+          <a:p>
+            <a:pPr marL="0" indent="0">
+              <a:buNone/>
+            </a:pPr>
+            <a:endParaRPr lang="es-ES" b="1" dirty="0" smtClean="0"/>
+          </a:p>
+          <a:p>
+            <a:pPr marL="0" indent="0">
+              <a:buNone/>
+            </a:pPr>
+            <a:endParaRPr lang="es-ES" b="1" dirty="0" smtClean="0"/>
+          </a:p>
+        </p:txBody>
+      </p:sp>
+      <p:sp>
+        <p:nvSpPr>
+          <p:cNvPr id="4" name="Marcador de número de diapositiva 3"/>
+          <p:cNvSpPr>
+            <a:spLocks noGrp="1"/>
+          </p:cNvSpPr>
+          <p:nvPr>
+            <p:ph type="sldNum" sz="quarter" idx="12"/>
+          </p:nvPr>
+        </p:nvSpPr>
+        <p:spPr/>
+        <p:txBody>
+          <a:bodyPr/>
+          <a:lstStyle/>
+          <a:p>
+            <a:fld id="{4FAB73BC-B049-4115-A692-8D63A059BFB8}" type="slidenum">
+              <a:rPr lang="en-US" smtClean="0"/>
+              <a:t>20</a:t>
+            </a:fld>
+            <a:endParaRPr lang="en-US" dirty="0"/>
+          </a:p>
+        </p:txBody>
+      </p:sp>
+    </p:spTree>
+    <p:extLst>
+      <p:ext uri="{BB962C8B-B14F-4D97-AF65-F5344CB8AC3E}">
+        <p14:creationId xmlns:p14="http://schemas.microsoft.com/office/powerpoint/2010/main" val="3040511703"/>
+      </p:ext>
+    </p:extLst>
+  </p:cSld>
+  <p:clrMapOvr>
+    <a:masterClrMapping/>
+  </p:clrMapOvr>
+  <p:timing>
+    <p:tnLst>
+      <p:par>
+        <p:cTn id="1" dur="indefinite" restart="never" nodeType="tmRoot"/>
+      </p:par>
+    </p:tnLst>
+  </p:timing>
+</p:sld>
+</file>
+
+<file path=ppt/slides/slide21.xml><?xml version="1.0" encoding="utf-8"?>
 <p:sld xmlns:a="http://schemas.openxmlformats.org/drawingml/2006/main" xmlns:r="http://schemas.openxmlformats.org/officeDocument/2006/relationships" xmlns:p="http://schemas.openxmlformats.org/presentationml/2006/main">
   <p:cSld>
     <p:spTree>
@@ -10615,12 +14547,13 @@
             </a:pPr>
             <a:r>
               <a:rPr lang="es-ES" b="1" dirty="0" smtClean="0"/>
-              <a:t>Herramienta de generación de </a:t>
+              <a:t>Herramienta </a:t>
             </a:r>
             <a:r>
               <a:rPr lang="es-ES" b="1" dirty="0" smtClean="0"/>
-              <a:t>shaders</a:t>
-            </a:r>
+              <a:t>para general materiales</a:t>
+            </a:r>
+            <a:endParaRPr lang="es-ES" b="1" dirty="0" smtClean="0"/>
           </a:p>
           <a:p>
             <a:pPr>
@@ -10671,6 +14604,29 @@
           </a:p>
           <a:p>
             <a:endParaRPr lang="es-ES" dirty="0"/>
+          </a:p>
+        </p:txBody>
+      </p:sp>
+      <p:sp>
+        <p:nvSpPr>
+          <p:cNvPr id="4" name="Marcador de número de diapositiva 3"/>
+          <p:cNvSpPr>
+            <a:spLocks noGrp="1"/>
+          </p:cNvSpPr>
+          <p:nvPr>
+            <p:ph type="sldNum" sz="quarter" idx="12"/>
+          </p:nvPr>
+        </p:nvSpPr>
+        <p:spPr/>
+        <p:txBody>
+          <a:bodyPr/>
+          <a:lstStyle/>
+          <a:p>
+            <a:fld id="{4FAB73BC-B049-4115-A692-8D63A059BFB8}" type="slidenum">
+              <a:rPr lang="en-US" smtClean="0"/>
+              <a:t>3</a:t>
+            </a:fld>
+            <a:endParaRPr lang="en-US" dirty="0"/>
           </a:p>
         </p:txBody>
       </p:sp>
@@ -11586,7 +15542,7 @@
                     <a:spcPct val="35000"/>
                   </a:spcAft>
                 </a:pPr>
-                <a:endParaRPr lang="es-ES" sz="1200" kern="1200"/>
+                <a:endParaRPr lang="es-ES" sz="1200" kern="1200" dirty="0"/>
               </a:p>
             </p:txBody>
           </p:sp>
@@ -11900,7 +15856,7 @@
                     <a:spcPct val="35000"/>
                   </a:spcAft>
                 </a:pPr>
-                <a:endParaRPr lang="es-ES" sz="1200" kern="1200"/>
+                <a:endParaRPr lang="es-ES" sz="1200" kern="1200" dirty="0"/>
               </a:p>
             </p:txBody>
           </p:sp>
@@ -12191,7 +16147,7 @@
                     <a:spcPct val="35000"/>
                   </a:spcAft>
                 </a:pPr>
-                <a:endParaRPr lang="es-ES" sz="1400" kern="1200"/>
+                <a:endParaRPr lang="es-ES" sz="1400" kern="1200" dirty="0"/>
               </a:p>
             </p:txBody>
           </p:sp>
@@ -12343,7 +16299,7 @@
             <a:lstStyle/>
             <a:p>
               <a:pPr algn="ctr"/>
-              <a:endParaRPr lang="es-ES"/>
+              <a:endParaRPr lang="es-ES" dirty="0"/>
             </a:p>
           </p:txBody>
         </p:sp>
@@ -12381,7 +16337,7 @@
             <a:lstStyle/>
             <a:p>
               <a:pPr algn="ctr"/>
-              <a:endParaRPr lang="es-ES"/>
+              <a:endParaRPr lang="es-ES" dirty="0"/>
             </a:p>
           </p:txBody>
         </p:sp>
@@ -12419,11 +16375,75 @@
             <a:lstStyle/>
             <a:p>
               <a:pPr algn="ctr"/>
-              <a:endParaRPr lang="es-ES"/>
+              <a:endParaRPr lang="es-ES" dirty="0"/>
             </a:p>
           </p:txBody>
         </p:sp>
       </p:grpSp>
+      <p:sp>
+        <p:nvSpPr>
+          <p:cNvPr id="4" name="Marcador de número de diapositiva 3"/>
+          <p:cNvSpPr>
+            <a:spLocks noGrp="1"/>
+          </p:cNvSpPr>
+          <p:nvPr>
+            <p:ph type="sldNum" sz="quarter" idx="12"/>
+          </p:nvPr>
+        </p:nvSpPr>
+        <p:spPr/>
+        <p:txBody>
+          <a:bodyPr/>
+          <a:lstStyle/>
+          <a:p>
+            <a:fld id="{4FAB73BC-B049-4115-A692-8D63A059BFB8}" type="slidenum">
+              <a:rPr lang="en-US" smtClean="0"/>
+              <a:t>4</a:t>
+            </a:fld>
+            <a:endParaRPr lang="en-US" dirty="0"/>
+          </a:p>
+        </p:txBody>
+      </p:sp>
+      <p:pic>
+        <p:nvPicPr>
+          <p:cNvPr id="1028" name="Picture 4" descr="https://upload.wikimedia.org/wikipedia/commons/thumb/0/01/Blinn_Vectors.svg/1024px-Blinn_Vectors.svg.png"/>
+          <p:cNvPicPr>
+            <a:picLocks noChangeAspect="1" noChangeArrowheads="1"/>
+          </p:cNvPicPr>
+          <p:nvPr/>
+        </p:nvPicPr>
+        <p:blipFill>
+          <a:blip r:embed="rId4">
+            <a:extLst>
+              <a:ext uri="{28A0092B-C50C-407E-A947-70E740481C1C}">
+                <a14:useLocalDpi xmlns:a14="http://schemas.microsoft.com/office/drawing/2010/main" val="0"/>
+              </a:ext>
+            </a:extLst>
+          </a:blip>
+          <a:srcRect/>
+          <a:stretch>
+            <a:fillRect/>
+          </a:stretch>
+        </p:blipFill>
+        <p:spPr bwMode="auto">
+          <a:xfrm>
+            <a:off x="7954156" y="313015"/>
+            <a:ext cx="3475843" cy="2369276"/>
+          </a:xfrm>
+          <a:prstGeom prst="rect">
+            <a:avLst/>
+          </a:prstGeom>
+          <a:noFill/>
+          <a:extLst>
+            <a:ext uri="{909E8E84-426E-40DD-AFC4-6F175D3DCCD1}">
+              <a14:hiddenFill xmlns:a14="http://schemas.microsoft.com/office/drawing/2010/main">
+                <a:solidFill>
+                  <a:srgbClr val="FFFFFF"/>
+                </a:solidFill>
+              </a14:hiddenFill>
+            </a:ext>
+          </a:extLst>
+        </p:spPr>
+      </p:pic>
     </p:spTree>
     <p:extLst>
       <p:ext uri="{BB962C8B-B14F-4D97-AF65-F5344CB8AC3E}">
@@ -12650,6 +16670,41 @@
                                   </p:childTnLst>
                                 </p:cTn>
                               </p:par>
+                              <p:par>
+                                <p:cTn id="17" presetID="10" presetClass="entr" presetSubtype="0" fill="hold" nodeType="withEffect">
+                                  <p:stCondLst>
+                                    <p:cond delay="0"/>
+                                  </p:stCondLst>
+                                  <p:childTnLst>
+                                    <p:set>
+                                      <p:cBhvr>
+                                        <p:cTn id="18" dur="1" fill="hold">
+                                          <p:stCondLst>
+                                            <p:cond delay="0"/>
+                                          </p:stCondLst>
+                                        </p:cTn>
+                                        <p:tgtEl>
+                                          <p:spTgt spid="1028"/>
+                                        </p:tgtEl>
+                                        <p:attrNameLst>
+                                          <p:attrName>style.visibility</p:attrName>
+                                        </p:attrNameLst>
+                                      </p:cBhvr>
+                                      <p:to>
+                                        <p:strVal val="visible"/>
+                                      </p:to>
+                                    </p:set>
+                                    <p:animEffect transition="in" filter="fade">
+                                      <p:cBhvr>
+                                        <p:cTn id="19" dur="500"/>
+                                        <p:tgtEl>
+                                          <p:spTgt spid="1028"/>
+                                        </p:tgtEl>
+                                      </p:cBhvr>
+                                    </p:animEffect>
+                                  </p:childTnLst>
+                                </p:cTn>
+                              </p:par>
                             </p:childTnLst>
                           </p:cTn>
                         </p:par>
@@ -12657,26 +16712,26 @@
                     </p:cTn>
                   </p:par>
                   <p:par>
-                    <p:cTn id="17" fill="hold">
+                    <p:cTn id="20" fill="hold">
                       <p:stCondLst>
                         <p:cond delay="indefinite"/>
                       </p:stCondLst>
                       <p:childTnLst>
                         <p:par>
-                          <p:cTn id="18" fill="hold">
+                          <p:cTn id="21" fill="hold">
                             <p:stCondLst>
                               <p:cond delay="0"/>
                             </p:stCondLst>
                             <p:childTnLst>
                               <p:par>
-                                <p:cTn id="19" presetID="47" presetClass="entr" presetSubtype="0" fill="hold" nodeType="clickEffect">
+                                <p:cTn id="22" presetID="47" presetClass="entr" presetSubtype="0" fill="hold" nodeType="clickEffect">
                                   <p:stCondLst>
                                     <p:cond delay="0"/>
                                   </p:stCondLst>
                                   <p:childTnLst>
                                     <p:set>
                                       <p:cBhvr>
-                                        <p:cTn id="20" dur="1" fill="hold">
+                                        <p:cTn id="23" dur="1" fill="hold">
                                           <p:stCondLst>
                                             <p:cond delay="0"/>
                                           </p:stCondLst>
@@ -12694,7 +16749,7 @@
                                     </p:set>
                                     <p:animEffect transition="in" filter="fade">
                                       <p:cBhvr>
-                                        <p:cTn id="21" dur="1000"/>
+                                        <p:cTn id="24" dur="1000"/>
                                         <p:tgtEl>
                                           <p:spTgt spid="20"/>
                                         </p:tgtEl>
@@ -12702,7 +16757,7 @@
                                     </p:animEffect>
                                     <p:anim calcmode="lin" valueType="num">
                                       <p:cBhvr>
-                                        <p:cTn id="22" dur="1000" fill="hold"/>
+                                        <p:cTn id="25" dur="1000" fill="hold"/>
                                         <p:tgtEl>
                                           <p:spTgt spid="20"/>
                                         </p:tgtEl>
@@ -12725,7 +16780,7 @@
                                     </p:anim>
                                     <p:anim calcmode="lin" valueType="num">
                                       <p:cBhvr>
-                                        <p:cTn id="23" dur="1000" fill="hold"/>
+                                        <p:cTn id="26" dur="1000" fill="hold"/>
                                         <p:tgtEl>
                                           <p:spTgt spid="20"/>
                                         </p:tgtEl>
@@ -13123,6 +17178,29 @@
           </a:p>
         </p:txBody>
       </p:sp>
+      <p:sp>
+        <p:nvSpPr>
+          <p:cNvPr id="4" name="Marcador de número de diapositiva 3"/>
+          <p:cNvSpPr>
+            <a:spLocks noGrp="1"/>
+          </p:cNvSpPr>
+          <p:nvPr>
+            <p:ph type="sldNum" sz="quarter" idx="12"/>
+          </p:nvPr>
+        </p:nvSpPr>
+        <p:spPr/>
+        <p:txBody>
+          <a:bodyPr/>
+          <a:lstStyle/>
+          <a:p>
+            <a:fld id="{4FAB73BC-B049-4115-A692-8D63A059BFB8}" type="slidenum">
+              <a:rPr lang="en-US" smtClean="0"/>
+              <a:t>5</a:t>
+            </a:fld>
+            <a:endParaRPr lang="en-US" dirty="0"/>
+          </a:p>
+        </p:txBody>
+      </p:sp>
     </p:spTree>
     <p:extLst>
       <p:ext uri="{BB962C8B-B14F-4D97-AF65-F5344CB8AC3E}">
@@ -13212,17 +17290,32 @@
             <a:pPr lvl="1"/>
             <a:r>
               <a:rPr lang="es-ES" dirty="0" smtClean="0"/>
-              <a:t>Son programas que controlan las distintas etapas del proceso de dibujado </a:t>
-            </a:r>
-            <a:r>
-              <a:rPr lang="es-ES" dirty="0" smtClean="0"/>
-              <a:t>3D </a:t>
-            </a:r>
-            <a:r>
-              <a:rPr lang="es-ES" dirty="0" smtClean="0"/>
-              <a:t>proporcionando flexibilidad y libertad al programador. </a:t>
+              <a:t>Son programas que controlan las distintas etapas del proceso de dibujado 3D proporcionando flexibilidad y libertad al programador. </a:t>
             </a:r>
             <a:endParaRPr lang="es-ES" dirty="0"/>
+          </a:p>
+        </p:txBody>
+      </p:sp>
+      <p:sp>
+        <p:nvSpPr>
+          <p:cNvPr id="4" name="Marcador de número de diapositiva 3"/>
+          <p:cNvSpPr>
+            <a:spLocks noGrp="1"/>
+          </p:cNvSpPr>
+          <p:nvPr>
+            <p:ph type="sldNum" sz="quarter" idx="12"/>
+          </p:nvPr>
+        </p:nvSpPr>
+        <p:spPr/>
+        <p:txBody>
+          <a:bodyPr/>
+          <a:lstStyle/>
+          <a:p>
+            <a:fld id="{4FAB73BC-B049-4115-A692-8D63A059BFB8}" type="slidenum">
+              <a:rPr lang="en-US" smtClean="0"/>
+              <a:t>6</a:t>
+            </a:fld>
+            <a:endParaRPr lang="en-US" dirty="0"/>
           </a:p>
         </p:txBody>
       </p:sp>
@@ -13897,7 +17990,7 @@
             <a:lstStyle/>
             <a:p>
               <a:pPr algn="ctr"/>
-              <a:endParaRPr lang="es-ES"/>
+              <a:endParaRPr lang="es-ES" dirty="0"/>
             </a:p>
           </p:txBody>
         </p:sp>
@@ -14199,11 +18292,34 @@
             <a:lstStyle/>
             <a:p>
               <a:pPr algn="ctr"/>
-              <a:endParaRPr lang="es-ES"/>
+              <a:endParaRPr lang="es-ES" dirty="0"/>
             </a:p>
           </p:txBody>
         </p:sp>
       </p:grpSp>
+      <p:sp>
+        <p:nvSpPr>
+          <p:cNvPr id="4" name="Marcador de número de diapositiva 3"/>
+          <p:cNvSpPr>
+            <a:spLocks noGrp="1"/>
+          </p:cNvSpPr>
+          <p:nvPr>
+            <p:ph type="sldNum" sz="quarter" idx="12"/>
+          </p:nvPr>
+        </p:nvSpPr>
+        <p:spPr/>
+        <p:txBody>
+          <a:bodyPr/>
+          <a:lstStyle/>
+          <a:p>
+            <a:fld id="{4FAB73BC-B049-4115-A692-8D63A059BFB8}" type="slidenum">
+              <a:rPr lang="en-US" smtClean="0"/>
+              <a:t>7</a:t>
+            </a:fld>
+            <a:endParaRPr lang="en-US" dirty="0"/>
+          </a:p>
+        </p:txBody>
+      </p:sp>
     </p:spTree>
     <p:extLst>
       <p:ext uri="{BB962C8B-B14F-4D97-AF65-F5344CB8AC3E}">
@@ -14505,6 +18621,29 @@
           <a:p>
             <a:pPr lvl="1"/>
             <a:endParaRPr lang="es-ES" dirty="0"/>
+          </a:p>
+        </p:txBody>
+      </p:sp>
+      <p:sp>
+        <p:nvSpPr>
+          <p:cNvPr id="4" name="Marcador de número de diapositiva 3"/>
+          <p:cNvSpPr>
+            <a:spLocks noGrp="1"/>
+          </p:cNvSpPr>
+          <p:nvPr>
+            <p:ph type="sldNum" sz="quarter" idx="12"/>
+          </p:nvPr>
+        </p:nvSpPr>
+        <p:spPr/>
+        <p:txBody>
+          <a:bodyPr/>
+          <a:lstStyle/>
+          <a:p>
+            <a:fld id="{4FAB73BC-B049-4115-A692-8D63A059BFB8}" type="slidenum">
+              <a:rPr lang="en-US" smtClean="0"/>
+              <a:t>8</a:t>
+            </a:fld>
+            <a:endParaRPr lang="en-US" dirty="0"/>
           </a:p>
         </p:txBody>
       </p:sp>
@@ -15402,6 +19541,29 @@
           </p:txBody>
         </p:sp>
       </p:grpSp>
+      <p:sp>
+        <p:nvSpPr>
+          <p:cNvPr id="4" name="Marcador de número de diapositiva 3"/>
+          <p:cNvSpPr>
+            <a:spLocks noGrp="1"/>
+          </p:cNvSpPr>
+          <p:nvPr>
+            <p:ph type="sldNum" sz="quarter" idx="12"/>
+          </p:nvPr>
+        </p:nvSpPr>
+        <p:spPr/>
+        <p:txBody>
+          <a:bodyPr/>
+          <a:lstStyle/>
+          <a:p>
+            <a:fld id="{4FAB73BC-B049-4115-A692-8D63A059BFB8}" type="slidenum">
+              <a:rPr lang="en-US" smtClean="0"/>
+              <a:t>9</a:t>
+            </a:fld>
+            <a:endParaRPr lang="en-US" dirty="0"/>
+          </a:p>
+        </p:txBody>
+      </p:sp>
     </p:spTree>
     <p:extLst>
       <p:ext uri="{BB962C8B-B14F-4D97-AF65-F5344CB8AC3E}">
